--- a/js/Основы JavaScript.pptx
+++ b/js/Основы JavaScript.pptx
@@ -1,75 +1,75 @@
 
 <file path=ppt/presentation.xml><?xml version="1.0" encoding="utf-8"?>
-<p:presentation xmlns:a="http://schemas.openxmlformats.org/drawingml/2006/main" xmlns:r="http://schemas.openxmlformats.org/officeDocument/2006/relationships" xmlns:p="http://schemas.openxmlformats.org/presentationml/2006/main" saveSubsetFonts="1">
+<p:presentation xmlns:a="http://schemas.openxmlformats.org/drawingml/2006/main" xmlns:r="http://schemas.openxmlformats.org/officeDocument/2006/relationships" xmlns:p="http://schemas.openxmlformats.org/presentationml/2006/main" xmlns:m="http://schemas.openxmlformats.org/officeDocument/2006/math" xmlns:w="http://schemas.openxmlformats.org/wordprocessingml/2006/main" saveSubsetFonts="1">
   <p:sldMasterIdLst>
     <p:sldMasterId id="2147483648" r:id="rId1"/>
   </p:sldMasterIdLst>
   <p:sldIdLst>
-    <p:sldId id="256" r:id="rId2"/>
-    <p:sldId id="257" r:id="rId3"/>
-    <p:sldId id="258" r:id="rId4"/>
-    <p:sldId id="259" r:id="rId5"/>
-    <p:sldId id="260" r:id="rId6"/>
-    <p:sldId id="261" r:id="rId7"/>
-    <p:sldId id="262" r:id="rId8"/>
-    <p:sldId id="263" r:id="rId9"/>
-    <p:sldId id="264" r:id="rId10"/>
-    <p:sldId id="265" r:id="rId11"/>
-    <p:sldId id="266" r:id="rId12"/>
-    <p:sldId id="267" r:id="rId13"/>
-    <p:sldId id="268" r:id="rId14"/>
-    <p:sldId id="269" r:id="rId15"/>
-    <p:sldId id="270" r:id="rId16"/>
-    <p:sldId id="271" r:id="rId17"/>
-    <p:sldId id="272" r:id="rId18"/>
-    <p:sldId id="273" r:id="rId19"/>
-    <p:sldId id="274" r:id="rId20"/>
-    <p:sldId id="275" r:id="rId21"/>
-    <p:sldId id="276" r:id="rId22"/>
-    <p:sldId id="277" r:id="rId23"/>
-    <p:sldId id="278" r:id="rId24"/>
-    <p:sldId id="279" r:id="rId25"/>
-    <p:sldId id="280" r:id="rId26"/>
-    <p:sldId id="281" r:id="rId27"/>
-    <p:sldId id="282" r:id="rId28"/>
-    <p:sldId id="283" r:id="rId29"/>
-    <p:sldId id="284" r:id="rId30"/>
-    <p:sldId id="285" r:id="rId31"/>
-    <p:sldId id="286" r:id="rId32"/>
-    <p:sldId id="287" r:id="rId33"/>
-    <p:sldId id="288" r:id="rId34"/>
-    <p:sldId id="289" r:id="rId35"/>
-    <p:sldId id="290" r:id="rId36"/>
-    <p:sldId id="291" r:id="rId37"/>
-    <p:sldId id="292" r:id="rId38"/>
-    <p:sldId id="293" r:id="rId39"/>
-    <p:sldId id="296" r:id="rId40"/>
-    <p:sldId id="297" r:id="rId41"/>
-    <p:sldId id="298" r:id="rId42"/>
-    <p:sldId id="299" r:id="rId43"/>
-    <p:sldId id="300" r:id="rId44"/>
-    <p:sldId id="301" r:id="rId45"/>
-    <p:sldId id="302" r:id="rId46"/>
-    <p:sldId id="303" r:id="rId47"/>
-    <p:sldId id="304" r:id="rId48"/>
-    <p:sldId id="305" r:id="rId49"/>
-    <p:sldId id="306" r:id="rId50"/>
-    <p:sldId id="307" r:id="rId51"/>
-    <p:sldId id="294" r:id="rId52"/>
-    <p:sldId id="295" r:id="rId53"/>
-    <p:sldId id="308" r:id="rId54"/>
-    <p:sldId id="309" r:id="rId55"/>
-    <p:sldId id="310" r:id="rId56"/>
-    <p:sldId id="311" r:id="rId57"/>
+    <p:sldId id="256" r:id="rId3"/>
+    <p:sldId id="257" r:id="rId4"/>
+    <p:sldId id="258" r:id="rId5"/>
+    <p:sldId id="259" r:id="rId6"/>
+    <p:sldId id="260" r:id="rId7"/>
+    <p:sldId id="261" r:id="rId8"/>
+    <p:sldId id="262" r:id="rId9"/>
+    <p:sldId id="263" r:id="rId10"/>
+    <p:sldId id="264" r:id="rId11"/>
+    <p:sldId id="265" r:id="rId12"/>
+    <p:sldId id="266" r:id="rId13"/>
+    <p:sldId id="267" r:id="rId14"/>
+    <p:sldId id="268" r:id="rId15"/>
+    <p:sldId id="269" r:id="rId16"/>
+    <p:sldId id="270" r:id="rId17"/>
+    <p:sldId id="271" r:id="rId18"/>
+    <p:sldId id="272" r:id="rId19"/>
+    <p:sldId id="273" r:id="rId20"/>
+    <p:sldId id="274" r:id="rId21"/>
+    <p:sldId id="275" r:id="rId22"/>
+    <p:sldId id="276" r:id="rId23"/>
+    <p:sldId id="277" r:id="rId24"/>
+    <p:sldId id="278" r:id="rId25"/>
+    <p:sldId id="279" r:id="rId26"/>
+    <p:sldId id="280" r:id="rId27"/>
+    <p:sldId id="281" r:id="rId28"/>
+    <p:sldId id="282" r:id="rId29"/>
+    <p:sldId id="283" r:id="rId30"/>
+    <p:sldId id="284" r:id="rId31"/>
+    <p:sldId id="285" r:id="rId32"/>
+    <p:sldId id="286" r:id="rId33"/>
+    <p:sldId id="287" r:id="rId34"/>
+    <p:sldId id="288" r:id="rId35"/>
+    <p:sldId id="289" r:id="rId36"/>
+    <p:sldId id="290" r:id="rId37"/>
+    <p:sldId id="291" r:id="rId38"/>
+    <p:sldId id="292" r:id="rId39"/>
+    <p:sldId id="293" r:id="rId40"/>
+    <p:sldId id="294" r:id="rId41"/>
+    <p:sldId id="295" r:id="rId42"/>
+    <p:sldId id="296" r:id="rId43"/>
+    <p:sldId id="297" r:id="rId44"/>
+    <p:sldId id="298" r:id="rId45"/>
+    <p:sldId id="299" r:id="rId46"/>
+    <p:sldId id="300" r:id="rId47"/>
+    <p:sldId id="301" r:id="rId48"/>
+    <p:sldId id="302" r:id="rId49"/>
+    <p:sldId id="303" r:id="rId50"/>
+    <p:sldId id="304" r:id="rId51"/>
+    <p:sldId id="305" r:id="rId52"/>
+    <p:sldId id="306" r:id="rId53"/>
+    <p:sldId id="307" r:id="rId54"/>
+    <p:sldId id="308" r:id="rId55"/>
+    <p:sldId id="309" r:id="rId56"/>
+    <p:sldId id="310" r:id="rId57"/>
+    <p:sldId id="311" r:id="rId58"/>
   </p:sldIdLst>
   <p:sldSz cx="12192000" cy="6858000"/>
-  <p:notesSz cx="6858000" cy="9144000"/>
+  <p:notesSz cx="12192000" cy="6858000"/>
   <p:defaultTextStyle>
     <a:defPPr>
       <a:defRPr lang="ru-RU"/>
     </a:defPPr>
-    <a:lvl1pPr marL="0" algn="l" defTabSz="914400" rtl="0" eaLnBrk="1" latinLnBrk="0" hangingPunct="1">
-      <a:defRPr sz="1800" kern="1200">
+    <a:lvl1pPr marL="0" algn="l" defTabSz="914400">
+      <a:defRPr sz="1800">
         <a:solidFill>
           <a:schemeClr val="tx1"/>
         </a:solidFill>
@@ -78,8 +78,8 @@
         <a:cs typeface="+mn-cs"/>
       </a:defRPr>
     </a:lvl1pPr>
-    <a:lvl2pPr marL="457200" algn="l" defTabSz="914400" rtl="0" eaLnBrk="1" latinLnBrk="0" hangingPunct="1">
-      <a:defRPr sz="1800" kern="1200">
+    <a:lvl2pPr marL="457200" algn="l" defTabSz="914400">
+      <a:defRPr sz="1800">
         <a:solidFill>
           <a:schemeClr val="tx1"/>
         </a:solidFill>
@@ -88,8 +88,8 @@
         <a:cs typeface="+mn-cs"/>
       </a:defRPr>
     </a:lvl2pPr>
-    <a:lvl3pPr marL="914400" algn="l" defTabSz="914400" rtl="0" eaLnBrk="1" latinLnBrk="0" hangingPunct="1">
-      <a:defRPr sz="1800" kern="1200">
+    <a:lvl3pPr marL="914400" algn="l" defTabSz="914400">
+      <a:defRPr sz="1800">
         <a:solidFill>
           <a:schemeClr val="tx1"/>
         </a:solidFill>
@@ -98,8 +98,8 @@
         <a:cs typeface="+mn-cs"/>
       </a:defRPr>
     </a:lvl3pPr>
-    <a:lvl4pPr marL="1371600" algn="l" defTabSz="914400" rtl="0" eaLnBrk="1" latinLnBrk="0" hangingPunct="1">
-      <a:defRPr sz="1800" kern="1200">
+    <a:lvl4pPr marL="1371600" algn="l" defTabSz="914400">
+      <a:defRPr sz="1800">
         <a:solidFill>
           <a:schemeClr val="tx1"/>
         </a:solidFill>
@@ -108,8 +108,8 @@
         <a:cs typeface="+mn-cs"/>
       </a:defRPr>
     </a:lvl4pPr>
-    <a:lvl5pPr marL="1828800" algn="l" defTabSz="914400" rtl="0" eaLnBrk="1" latinLnBrk="0" hangingPunct="1">
-      <a:defRPr sz="1800" kern="1200">
+    <a:lvl5pPr marL="1828800" algn="l" defTabSz="914400">
+      <a:defRPr sz="1800">
         <a:solidFill>
           <a:schemeClr val="tx1"/>
         </a:solidFill>
@@ -118,8 +118,8 @@
         <a:cs typeface="+mn-cs"/>
       </a:defRPr>
     </a:lvl5pPr>
-    <a:lvl6pPr marL="2286000" algn="l" defTabSz="914400" rtl="0" eaLnBrk="1" latinLnBrk="0" hangingPunct="1">
-      <a:defRPr sz="1800" kern="1200">
+    <a:lvl6pPr marL="2286000" algn="l" defTabSz="914400">
+      <a:defRPr sz="1800">
         <a:solidFill>
           <a:schemeClr val="tx1"/>
         </a:solidFill>
@@ -128,8 +128,8 @@
         <a:cs typeface="+mn-cs"/>
       </a:defRPr>
     </a:lvl6pPr>
-    <a:lvl7pPr marL="2743200" algn="l" defTabSz="914400" rtl="0" eaLnBrk="1" latinLnBrk="0" hangingPunct="1">
-      <a:defRPr sz="1800" kern="1200">
+    <a:lvl7pPr marL="2743200" algn="l" defTabSz="914400">
+      <a:defRPr sz="1800">
         <a:solidFill>
           <a:schemeClr val="tx1"/>
         </a:solidFill>
@@ -138,8 +138,8 @@
         <a:cs typeface="+mn-cs"/>
       </a:defRPr>
     </a:lvl7pPr>
-    <a:lvl8pPr marL="3200400" algn="l" defTabSz="914400" rtl="0" eaLnBrk="1" latinLnBrk="0" hangingPunct="1">
-      <a:defRPr sz="1800" kern="1200">
+    <a:lvl8pPr marL="3200400" algn="l" defTabSz="914400">
+      <a:defRPr sz="1800">
         <a:solidFill>
           <a:schemeClr val="tx1"/>
         </a:solidFill>
@@ -148,8 +148,8 @@
         <a:cs typeface="+mn-cs"/>
       </a:defRPr>
     </a:lvl8pPr>
-    <a:lvl9pPr marL="3657600" algn="l" defTabSz="914400" rtl="0" eaLnBrk="1" latinLnBrk="0" hangingPunct="1">
-      <a:defRPr sz="1800" kern="1200">
+    <a:lvl9pPr marL="3657600" algn="l" defTabSz="914400">
+      <a:defRPr sz="1800">
         <a:solidFill>
           <a:schemeClr val="tx1"/>
         </a:solidFill>
@@ -159,16 +159,11 @@
       </a:defRPr>
     </a:lvl9pPr>
   </p:defaultTextStyle>
-  <p:extLst>
-    <p:ext uri="{EFAFB233-063F-42B5-8137-9DF3F51BA10A}">
-      <p15:sldGuideLst xmlns:p15="http://schemas.microsoft.com/office/powerpoint/2012/main"/>
-    </p:ext>
-  </p:extLst>
 </p:presentation>
 </file>
 
 <file path=ppt/slideLayouts/slideLayout1.xml><?xml version="1.0" encoding="utf-8"?>
-<p:sldLayout xmlns:a="http://schemas.openxmlformats.org/drawingml/2006/main" xmlns:r="http://schemas.openxmlformats.org/officeDocument/2006/relationships" xmlns:p="http://schemas.openxmlformats.org/presentationml/2006/main" type="title" preserve="1">
+<p:sldLayout xmlns:a="http://schemas.openxmlformats.org/drawingml/2006/main" xmlns:r="http://schemas.openxmlformats.org/officeDocument/2006/relationships" xmlns:p="http://schemas.openxmlformats.org/presentationml/2006/main" xmlns:m="http://schemas.openxmlformats.org/officeDocument/2006/math" xmlns:w="http://schemas.openxmlformats.org/wordprocessingml/2006/main" matchingName="" preserve="1" showMasterPhAnim="0" type="title" userDrawn="1">
   <p:cSld name="Титульный слайд">
     <p:spTree>
       <p:nvGrpSpPr>
@@ -176,7 +171,7 @@
         <p:cNvGrpSpPr/>
         <p:nvPr/>
       </p:nvGrpSpPr>
-      <p:grpSpPr>
+      <p:grpSpPr bwMode="auto">
         <a:xfrm>
           <a:off x="0" y="0"/>
           <a:ext cx="0" cy="0"/>
@@ -194,7 +189,7 @@
             <p:ph type="ctrTitle"/>
           </p:nvPr>
         </p:nvSpPr>
-        <p:spPr>
+        <p:spPr bwMode="auto">
           <a:xfrm>
             <a:off x="1524000" y="1122363"/>
             <a:ext cx="9144000" cy="2387600"/>
@@ -208,8 +203,11 @@
             </a:lvl1pPr>
           </a:lstStyle>
           <a:p>
+            <a:pPr>
+              <a:defRPr/>
+            </a:pPr>
             <a:r>
-              <a:rPr lang="ru-RU" smtClean="0"/>
+              <a:rPr lang="ru-RU"/>
               <a:t>Образец заголовка</a:t>
             </a:r>
             <a:endParaRPr lang="ru-RU"/>
@@ -226,7 +224,7 @@
             <p:ph type="subTitle" idx="1"/>
           </p:nvPr>
         </p:nvSpPr>
-        <p:spPr>
+        <p:spPr bwMode="auto">
           <a:xfrm>
             <a:off x="1524000" y="3602038"/>
             <a:ext cx="9144000" cy="1655762"/>
@@ -273,8 +271,11 @@
             </a:lvl9pPr>
           </a:lstStyle>
           <a:p>
+            <a:pPr>
+              <a:defRPr/>
+            </a:pPr>
             <a:r>
-              <a:rPr lang="ru-RU" smtClean="0"/>
+              <a:rPr lang="ru-RU"/>
               <a:t>Образец подзаголовка</a:t>
             </a:r>
             <a:endParaRPr lang="ru-RU"/>
@@ -291,14 +292,17 @@
             <p:ph type="dt" sz="half" idx="10"/>
           </p:nvPr>
         </p:nvSpPr>
-        <p:spPr/>
+        <p:spPr bwMode="auto"/>
         <p:txBody>
           <a:bodyPr/>
           <a:lstStyle/>
           <a:p>
+            <a:pPr>
+              <a:defRPr/>
+            </a:pPr>
             <a:fld id="{096B5ACF-9422-4143-8CB6-6CA06ACF38B3}" type="datetimeFigureOut">
-              <a:rPr lang="ru-RU" smtClean="0"/>
-              <a:t>19.10.2016</a:t>
+              <a:rPr lang="ru-RU"/>
+              <a:t/>
             </a:fld>
             <a:endParaRPr lang="ru-RU"/>
           </a:p>
@@ -314,11 +318,14 @@
             <p:ph type="ftr" sz="quarter" idx="11"/>
           </p:nvPr>
         </p:nvSpPr>
-        <p:spPr/>
+        <p:spPr bwMode="auto"/>
         <p:txBody>
           <a:bodyPr/>
           <a:lstStyle/>
           <a:p>
+            <a:pPr>
+              <a:defRPr/>
+            </a:pPr>
             <a:endParaRPr lang="ru-RU"/>
           </a:p>
         </p:txBody>
@@ -333,25 +340,23 @@
             <p:ph type="sldNum" sz="quarter" idx="12"/>
           </p:nvPr>
         </p:nvSpPr>
-        <p:spPr/>
+        <p:spPr bwMode="auto"/>
         <p:txBody>
           <a:bodyPr/>
           <a:lstStyle/>
           <a:p>
+            <a:pPr>
+              <a:defRPr/>
+            </a:pPr>
             <a:fld id="{3A608ECE-20C0-4535-A831-9F9716D75B16}" type="slidenum">
-              <a:rPr lang="ru-RU" smtClean="0"/>
-              <a:t>‹#›</a:t>
+              <a:rPr lang="ru-RU"/>
+              <a:t/>
             </a:fld>
             <a:endParaRPr lang="ru-RU"/>
           </a:p>
         </p:txBody>
       </p:sp>
     </p:spTree>
-    <p:extLst>
-      <p:ext uri="{BB962C8B-B14F-4D97-AF65-F5344CB8AC3E}">
-        <p14:creationId xmlns:p14="http://schemas.microsoft.com/office/powerpoint/2010/main" val="2314627310"/>
-      </p:ext>
-    </p:extLst>
   </p:cSld>
   <p:clrMapOvr>
     <a:masterClrMapping/>
@@ -360,7 +365,7 @@
 </file>
 
 <file path=ppt/slideLayouts/slideLayout10.xml><?xml version="1.0" encoding="utf-8"?>
-<p:sldLayout xmlns:a="http://schemas.openxmlformats.org/drawingml/2006/main" xmlns:r="http://schemas.openxmlformats.org/officeDocument/2006/relationships" xmlns:p="http://schemas.openxmlformats.org/presentationml/2006/main" type="vertTx" preserve="1">
+<p:sldLayout xmlns:a="http://schemas.openxmlformats.org/drawingml/2006/main" xmlns:r="http://schemas.openxmlformats.org/officeDocument/2006/relationships" xmlns:p="http://schemas.openxmlformats.org/presentationml/2006/main" xmlns:m="http://schemas.openxmlformats.org/officeDocument/2006/math" xmlns:w="http://schemas.openxmlformats.org/wordprocessingml/2006/main" matchingName="" preserve="1" showMasterPhAnim="0" type="vertTx" userDrawn="1">
   <p:cSld name="Заголовок и вертикальный текст">
     <p:spTree>
       <p:nvGrpSpPr>
@@ -368,7 +373,7 @@
         <p:cNvGrpSpPr/>
         <p:nvPr/>
       </p:nvGrpSpPr>
-      <p:grpSpPr>
+      <p:grpSpPr bwMode="auto">
         <a:xfrm>
           <a:off x="0" y="0"/>
           <a:ext cx="0" cy="0"/>
@@ -386,13 +391,16 @@
             <p:ph type="title"/>
           </p:nvPr>
         </p:nvSpPr>
-        <p:spPr/>
+        <p:spPr bwMode="auto"/>
         <p:txBody>
           <a:bodyPr/>
           <a:lstStyle/>
           <a:p>
+            <a:pPr>
+              <a:defRPr/>
+            </a:pPr>
             <a:r>
-              <a:rPr lang="ru-RU" smtClean="0"/>
+              <a:rPr lang="ru-RU"/>
               <a:t>Образец заголовка</a:t>
             </a:r>
             <a:endParaRPr lang="ru-RU"/>
@@ -409,42 +417,56 @@
             <p:ph type="body" orient="vert" idx="1"/>
           </p:nvPr>
         </p:nvSpPr>
-        <p:spPr/>
+        <p:spPr bwMode="auto"/>
         <p:txBody>
           <a:bodyPr vert="eaVert"/>
           <a:lstStyle/>
           <a:p>
-            <a:pPr lvl="0"/>
+            <a:pPr lvl="0">
+              <a:defRPr/>
+            </a:pPr>
             <a:r>
-              <a:rPr lang="ru-RU" smtClean="0"/>
+              <a:rPr lang="ru-RU"/>
               <a:t>Образец текста</a:t>
             </a:r>
-          </a:p>
-          <a:p>
-            <a:pPr lvl="1"/>
+            <a:endParaRPr/>
+          </a:p>
+          <a:p>
+            <a:pPr lvl="1">
+              <a:defRPr/>
+            </a:pPr>
             <a:r>
-              <a:rPr lang="ru-RU" smtClean="0"/>
+              <a:rPr lang="ru-RU"/>
               <a:t>Второй уровень</a:t>
             </a:r>
-          </a:p>
-          <a:p>
-            <a:pPr lvl="2"/>
+            <a:endParaRPr/>
+          </a:p>
+          <a:p>
+            <a:pPr lvl="2">
+              <a:defRPr/>
+            </a:pPr>
             <a:r>
-              <a:rPr lang="ru-RU" smtClean="0"/>
+              <a:rPr lang="ru-RU"/>
               <a:t>Третий уровень</a:t>
             </a:r>
-          </a:p>
-          <a:p>
-            <a:pPr lvl="3"/>
+            <a:endParaRPr/>
+          </a:p>
+          <a:p>
+            <a:pPr lvl="3">
+              <a:defRPr/>
+            </a:pPr>
             <a:r>
-              <a:rPr lang="ru-RU" smtClean="0"/>
+              <a:rPr lang="ru-RU"/>
               <a:t>Четвертый уровень</a:t>
             </a:r>
-          </a:p>
-          <a:p>
-            <a:pPr lvl="4"/>
+            <a:endParaRPr/>
+          </a:p>
+          <a:p>
+            <a:pPr lvl="4">
+              <a:defRPr/>
+            </a:pPr>
             <a:r>
-              <a:rPr lang="ru-RU" smtClean="0"/>
+              <a:rPr lang="ru-RU"/>
               <a:t>Пятый уровень</a:t>
             </a:r>
             <a:endParaRPr lang="ru-RU"/>
@@ -461,14 +483,17 @@
             <p:ph type="dt" sz="half" idx="10"/>
           </p:nvPr>
         </p:nvSpPr>
-        <p:spPr/>
+        <p:spPr bwMode="auto"/>
         <p:txBody>
           <a:bodyPr/>
           <a:lstStyle/>
           <a:p>
+            <a:pPr>
+              <a:defRPr/>
+            </a:pPr>
             <a:fld id="{096B5ACF-9422-4143-8CB6-6CA06ACF38B3}" type="datetimeFigureOut">
-              <a:rPr lang="ru-RU" smtClean="0"/>
-              <a:t>19.10.2016</a:t>
+              <a:rPr lang="ru-RU"/>
+              <a:t/>
             </a:fld>
             <a:endParaRPr lang="ru-RU"/>
           </a:p>
@@ -484,11 +509,14 @@
             <p:ph type="ftr" sz="quarter" idx="11"/>
           </p:nvPr>
         </p:nvSpPr>
-        <p:spPr/>
+        <p:spPr bwMode="auto"/>
         <p:txBody>
           <a:bodyPr/>
           <a:lstStyle/>
           <a:p>
+            <a:pPr>
+              <a:defRPr/>
+            </a:pPr>
             <a:endParaRPr lang="ru-RU"/>
           </a:p>
         </p:txBody>
@@ -503,25 +531,23 @@
             <p:ph type="sldNum" sz="quarter" idx="12"/>
           </p:nvPr>
         </p:nvSpPr>
-        <p:spPr/>
+        <p:spPr bwMode="auto"/>
         <p:txBody>
           <a:bodyPr/>
           <a:lstStyle/>
           <a:p>
+            <a:pPr>
+              <a:defRPr/>
+            </a:pPr>
             <a:fld id="{3A608ECE-20C0-4535-A831-9F9716D75B16}" type="slidenum">
-              <a:rPr lang="ru-RU" smtClean="0"/>
-              <a:t>‹#›</a:t>
+              <a:rPr lang="ru-RU"/>
+              <a:t/>
             </a:fld>
             <a:endParaRPr lang="ru-RU"/>
           </a:p>
         </p:txBody>
       </p:sp>
     </p:spTree>
-    <p:extLst>
-      <p:ext uri="{BB962C8B-B14F-4D97-AF65-F5344CB8AC3E}">
-        <p14:creationId xmlns:p14="http://schemas.microsoft.com/office/powerpoint/2010/main" val="2540817359"/>
-      </p:ext>
-    </p:extLst>
   </p:cSld>
   <p:clrMapOvr>
     <a:masterClrMapping/>
@@ -530,7 +556,7 @@
 </file>
 
 <file path=ppt/slideLayouts/slideLayout11.xml><?xml version="1.0" encoding="utf-8"?>
-<p:sldLayout xmlns:a="http://schemas.openxmlformats.org/drawingml/2006/main" xmlns:r="http://schemas.openxmlformats.org/officeDocument/2006/relationships" xmlns:p="http://schemas.openxmlformats.org/presentationml/2006/main" type="vertTitleAndTx" preserve="1">
+<p:sldLayout xmlns:a="http://schemas.openxmlformats.org/drawingml/2006/main" xmlns:r="http://schemas.openxmlformats.org/officeDocument/2006/relationships" xmlns:p="http://schemas.openxmlformats.org/presentationml/2006/main" xmlns:m="http://schemas.openxmlformats.org/officeDocument/2006/math" xmlns:w="http://schemas.openxmlformats.org/wordprocessingml/2006/main" matchingName="" preserve="1" showMasterPhAnim="0" type="vertTitleAndTx" userDrawn="1">
   <p:cSld name="Вертикальный заголовок и текст">
     <p:spTree>
       <p:nvGrpSpPr>
@@ -538,7 +564,7 @@
         <p:cNvGrpSpPr/>
         <p:nvPr/>
       </p:nvGrpSpPr>
-      <p:grpSpPr>
+      <p:grpSpPr bwMode="auto">
         <a:xfrm>
           <a:off x="0" y="0"/>
           <a:ext cx="0" cy="0"/>
@@ -556,7 +582,7 @@
             <p:ph type="title" orient="vert"/>
           </p:nvPr>
         </p:nvSpPr>
-        <p:spPr>
+        <p:spPr bwMode="auto">
           <a:xfrm>
             <a:off x="8724900" y="365125"/>
             <a:ext cx="2628900" cy="5811838"/>
@@ -566,8 +592,11 @@
           <a:bodyPr vert="eaVert"/>
           <a:lstStyle/>
           <a:p>
+            <a:pPr>
+              <a:defRPr/>
+            </a:pPr>
             <a:r>
-              <a:rPr lang="ru-RU" smtClean="0"/>
+              <a:rPr lang="ru-RU"/>
               <a:t>Образец заголовка</a:t>
             </a:r>
             <a:endParaRPr lang="ru-RU"/>
@@ -584,7 +613,7 @@
             <p:ph type="body" orient="vert" idx="1"/>
           </p:nvPr>
         </p:nvSpPr>
-        <p:spPr>
+        <p:spPr bwMode="auto">
           <a:xfrm>
             <a:off x="838200" y="365125"/>
             <a:ext cx="7734300" cy="5811838"/>
@@ -594,37 +623,51 @@
           <a:bodyPr vert="eaVert"/>
           <a:lstStyle/>
           <a:p>
-            <a:pPr lvl="0"/>
+            <a:pPr lvl="0">
+              <a:defRPr/>
+            </a:pPr>
             <a:r>
-              <a:rPr lang="ru-RU" smtClean="0"/>
+              <a:rPr lang="ru-RU"/>
               <a:t>Образец текста</a:t>
             </a:r>
-          </a:p>
-          <a:p>
-            <a:pPr lvl="1"/>
+            <a:endParaRPr/>
+          </a:p>
+          <a:p>
+            <a:pPr lvl="1">
+              <a:defRPr/>
+            </a:pPr>
             <a:r>
-              <a:rPr lang="ru-RU" smtClean="0"/>
+              <a:rPr lang="ru-RU"/>
               <a:t>Второй уровень</a:t>
             </a:r>
-          </a:p>
-          <a:p>
-            <a:pPr lvl="2"/>
+            <a:endParaRPr/>
+          </a:p>
+          <a:p>
+            <a:pPr lvl="2">
+              <a:defRPr/>
+            </a:pPr>
             <a:r>
-              <a:rPr lang="ru-RU" smtClean="0"/>
+              <a:rPr lang="ru-RU"/>
               <a:t>Третий уровень</a:t>
             </a:r>
-          </a:p>
-          <a:p>
-            <a:pPr lvl="3"/>
+            <a:endParaRPr/>
+          </a:p>
+          <a:p>
+            <a:pPr lvl="3">
+              <a:defRPr/>
+            </a:pPr>
             <a:r>
-              <a:rPr lang="ru-RU" smtClean="0"/>
+              <a:rPr lang="ru-RU"/>
               <a:t>Четвертый уровень</a:t>
             </a:r>
-          </a:p>
-          <a:p>
-            <a:pPr lvl="4"/>
+            <a:endParaRPr/>
+          </a:p>
+          <a:p>
+            <a:pPr lvl="4">
+              <a:defRPr/>
+            </a:pPr>
             <a:r>
-              <a:rPr lang="ru-RU" smtClean="0"/>
+              <a:rPr lang="ru-RU"/>
               <a:t>Пятый уровень</a:t>
             </a:r>
             <a:endParaRPr lang="ru-RU"/>
@@ -641,14 +684,17 @@
             <p:ph type="dt" sz="half" idx="10"/>
           </p:nvPr>
         </p:nvSpPr>
-        <p:spPr/>
+        <p:spPr bwMode="auto"/>
         <p:txBody>
           <a:bodyPr/>
           <a:lstStyle/>
           <a:p>
+            <a:pPr>
+              <a:defRPr/>
+            </a:pPr>
             <a:fld id="{096B5ACF-9422-4143-8CB6-6CA06ACF38B3}" type="datetimeFigureOut">
-              <a:rPr lang="ru-RU" smtClean="0"/>
-              <a:t>19.10.2016</a:t>
+              <a:rPr lang="ru-RU"/>
+              <a:t/>
             </a:fld>
             <a:endParaRPr lang="ru-RU"/>
           </a:p>
@@ -664,11 +710,14 @@
             <p:ph type="ftr" sz="quarter" idx="11"/>
           </p:nvPr>
         </p:nvSpPr>
-        <p:spPr/>
+        <p:spPr bwMode="auto"/>
         <p:txBody>
           <a:bodyPr/>
           <a:lstStyle/>
           <a:p>
+            <a:pPr>
+              <a:defRPr/>
+            </a:pPr>
             <a:endParaRPr lang="ru-RU"/>
           </a:p>
         </p:txBody>
@@ -683,25 +732,23 @@
             <p:ph type="sldNum" sz="quarter" idx="12"/>
           </p:nvPr>
         </p:nvSpPr>
-        <p:spPr/>
+        <p:spPr bwMode="auto"/>
         <p:txBody>
           <a:bodyPr/>
           <a:lstStyle/>
           <a:p>
+            <a:pPr>
+              <a:defRPr/>
+            </a:pPr>
             <a:fld id="{3A608ECE-20C0-4535-A831-9F9716D75B16}" type="slidenum">
-              <a:rPr lang="ru-RU" smtClean="0"/>
-              <a:t>‹#›</a:t>
+              <a:rPr lang="ru-RU"/>
+              <a:t/>
             </a:fld>
             <a:endParaRPr lang="ru-RU"/>
           </a:p>
         </p:txBody>
       </p:sp>
     </p:spTree>
-    <p:extLst>
-      <p:ext uri="{BB962C8B-B14F-4D97-AF65-F5344CB8AC3E}">
-        <p14:creationId xmlns:p14="http://schemas.microsoft.com/office/powerpoint/2010/main" val="1659346509"/>
-      </p:ext>
-    </p:extLst>
   </p:cSld>
   <p:clrMapOvr>
     <a:masterClrMapping/>
@@ -710,7 +757,7 @@
 </file>
 
 <file path=ppt/slideLayouts/slideLayout2.xml><?xml version="1.0" encoding="utf-8"?>
-<p:sldLayout xmlns:a="http://schemas.openxmlformats.org/drawingml/2006/main" xmlns:r="http://schemas.openxmlformats.org/officeDocument/2006/relationships" xmlns:p="http://schemas.openxmlformats.org/presentationml/2006/main" type="obj" preserve="1">
+<p:sldLayout xmlns:a="http://schemas.openxmlformats.org/drawingml/2006/main" xmlns:r="http://schemas.openxmlformats.org/officeDocument/2006/relationships" xmlns:p="http://schemas.openxmlformats.org/presentationml/2006/main" xmlns:m="http://schemas.openxmlformats.org/officeDocument/2006/math" xmlns:w="http://schemas.openxmlformats.org/wordprocessingml/2006/main" matchingName="" preserve="1" showMasterPhAnim="0" type="obj" userDrawn="1">
   <p:cSld name="Заголовок и объект">
     <p:spTree>
       <p:nvGrpSpPr>
@@ -718,7 +765,7 @@
         <p:cNvGrpSpPr/>
         <p:nvPr/>
       </p:nvGrpSpPr>
-      <p:grpSpPr>
+      <p:grpSpPr bwMode="auto">
         <a:xfrm>
           <a:off x="0" y="0"/>
           <a:ext cx="0" cy="0"/>
@@ -736,13 +783,16 @@
             <p:ph type="title"/>
           </p:nvPr>
         </p:nvSpPr>
-        <p:spPr/>
+        <p:spPr bwMode="auto"/>
         <p:txBody>
           <a:bodyPr/>
           <a:lstStyle/>
           <a:p>
+            <a:pPr>
+              <a:defRPr/>
+            </a:pPr>
             <a:r>
-              <a:rPr lang="ru-RU" smtClean="0"/>
+              <a:rPr lang="ru-RU"/>
               <a:t>Образец заголовка</a:t>
             </a:r>
             <a:endParaRPr lang="ru-RU"/>
@@ -759,42 +809,56 @@
             <p:ph idx="1"/>
           </p:nvPr>
         </p:nvSpPr>
-        <p:spPr/>
+        <p:spPr bwMode="auto"/>
         <p:txBody>
           <a:bodyPr/>
           <a:lstStyle/>
           <a:p>
-            <a:pPr lvl="0"/>
+            <a:pPr lvl="0">
+              <a:defRPr/>
+            </a:pPr>
             <a:r>
-              <a:rPr lang="ru-RU" smtClean="0"/>
+              <a:rPr lang="ru-RU"/>
               <a:t>Образец текста</a:t>
             </a:r>
-          </a:p>
-          <a:p>
-            <a:pPr lvl="1"/>
+            <a:endParaRPr/>
+          </a:p>
+          <a:p>
+            <a:pPr lvl="1">
+              <a:defRPr/>
+            </a:pPr>
             <a:r>
-              <a:rPr lang="ru-RU" smtClean="0"/>
+              <a:rPr lang="ru-RU"/>
               <a:t>Второй уровень</a:t>
             </a:r>
-          </a:p>
-          <a:p>
-            <a:pPr lvl="2"/>
+            <a:endParaRPr/>
+          </a:p>
+          <a:p>
+            <a:pPr lvl="2">
+              <a:defRPr/>
+            </a:pPr>
             <a:r>
-              <a:rPr lang="ru-RU" smtClean="0"/>
+              <a:rPr lang="ru-RU"/>
               <a:t>Третий уровень</a:t>
             </a:r>
-          </a:p>
-          <a:p>
-            <a:pPr lvl="3"/>
+            <a:endParaRPr/>
+          </a:p>
+          <a:p>
+            <a:pPr lvl="3">
+              <a:defRPr/>
+            </a:pPr>
             <a:r>
-              <a:rPr lang="ru-RU" smtClean="0"/>
+              <a:rPr lang="ru-RU"/>
               <a:t>Четвертый уровень</a:t>
             </a:r>
-          </a:p>
-          <a:p>
-            <a:pPr lvl="4"/>
+            <a:endParaRPr/>
+          </a:p>
+          <a:p>
+            <a:pPr lvl="4">
+              <a:defRPr/>
+            </a:pPr>
             <a:r>
-              <a:rPr lang="ru-RU" smtClean="0"/>
+              <a:rPr lang="ru-RU"/>
               <a:t>Пятый уровень</a:t>
             </a:r>
             <a:endParaRPr lang="ru-RU"/>
@@ -811,14 +875,17 @@
             <p:ph type="dt" sz="half" idx="10"/>
           </p:nvPr>
         </p:nvSpPr>
-        <p:spPr/>
+        <p:spPr bwMode="auto"/>
         <p:txBody>
           <a:bodyPr/>
           <a:lstStyle/>
           <a:p>
+            <a:pPr>
+              <a:defRPr/>
+            </a:pPr>
             <a:fld id="{096B5ACF-9422-4143-8CB6-6CA06ACF38B3}" type="datetimeFigureOut">
-              <a:rPr lang="ru-RU" smtClean="0"/>
-              <a:t>19.10.2016</a:t>
+              <a:rPr lang="ru-RU"/>
+              <a:t/>
             </a:fld>
             <a:endParaRPr lang="ru-RU"/>
           </a:p>
@@ -834,11 +901,14 @@
             <p:ph type="ftr" sz="quarter" idx="11"/>
           </p:nvPr>
         </p:nvSpPr>
-        <p:spPr/>
+        <p:spPr bwMode="auto"/>
         <p:txBody>
           <a:bodyPr/>
           <a:lstStyle/>
           <a:p>
+            <a:pPr>
+              <a:defRPr/>
+            </a:pPr>
             <a:endParaRPr lang="ru-RU"/>
           </a:p>
         </p:txBody>
@@ -853,25 +923,23 @@
             <p:ph type="sldNum" sz="quarter" idx="12"/>
           </p:nvPr>
         </p:nvSpPr>
-        <p:spPr/>
+        <p:spPr bwMode="auto"/>
         <p:txBody>
           <a:bodyPr/>
           <a:lstStyle/>
           <a:p>
+            <a:pPr>
+              <a:defRPr/>
+            </a:pPr>
             <a:fld id="{3A608ECE-20C0-4535-A831-9F9716D75B16}" type="slidenum">
-              <a:rPr lang="ru-RU" smtClean="0"/>
-              <a:t>‹#›</a:t>
+              <a:rPr lang="ru-RU"/>
+              <a:t/>
             </a:fld>
             <a:endParaRPr lang="ru-RU"/>
           </a:p>
         </p:txBody>
       </p:sp>
     </p:spTree>
-    <p:extLst>
-      <p:ext uri="{BB962C8B-B14F-4D97-AF65-F5344CB8AC3E}">
-        <p14:creationId xmlns:p14="http://schemas.microsoft.com/office/powerpoint/2010/main" val="3368220178"/>
-      </p:ext>
-    </p:extLst>
   </p:cSld>
   <p:clrMapOvr>
     <a:masterClrMapping/>
@@ -880,7 +948,7 @@
 </file>
 
 <file path=ppt/slideLayouts/slideLayout3.xml><?xml version="1.0" encoding="utf-8"?>
-<p:sldLayout xmlns:a="http://schemas.openxmlformats.org/drawingml/2006/main" xmlns:r="http://schemas.openxmlformats.org/officeDocument/2006/relationships" xmlns:p="http://schemas.openxmlformats.org/presentationml/2006/main" type="secHead" preserve="1">
+<p:sldLayout xmlns:a="http://schemas.openxmlformats.org/drawingml/2006/main" xmlns:r="http://schemas.openxmlformats.org/officeDocument/2006/relationships" xmlns:p="http://schemas.openxmlformats.org/presentationml/2006/main" xmlns:m="http://schemas.openxmlformats.org/officeDocument/2006/math" xmlns:w="http://schemas.openxmlformats.org/wordprocessingml/2006/main" matchingName="" preserve="1" showMasterPhAnim="0" type="secHead" userDrawn="1">
   <p:cSld name="Заголовок раздела">
     <p:spTree>
       <p:nvGrpSpPr>
@@ -888,7 +956,7 @@
         <p:cNvGrpSpPr/>
         <p:nvPr/>
       </p:nvGrpSpPr>
-      <p:grpSpPr>
+      <p:grpSpPr bwMode="auto">
         <a:xfrm>
           <a:off x="0" y="0"/>
           <a:ext cx="0" cy="0"/>
@@ -906,7 +974,7 @@
             <p:ph type="title"/>
           </p:nvPr>
         </p:nvSpPr>
-        <p:spPr>
+        <p:spPr bwMode="auto">
           <a:xfrm>
             <a:off x="831850" y="1709738"/>
             <a:ext cx="10515600" cy="2852737"/>
@@ -920,8 +988,11 @@
             </a:lvl1pPr>
           </a:lstStyle>
           <a:p>
+            <a:pPr>
+              <a:defRPr/>
+            </a:pPr>
             <a:r>
-              <a:rPr lang="ru-RU" smtClean="0"/>
+              <a:rPr lang="ru-RU"/>
               <a:t>Образец заголовка</a:t>
             </a:r>
             <a:endParaRPr lang="ru-RU"/>
@@ -938,7 +1009,7 @@
             <p:ph type="body" idx="1"/>
           </p:nvPr>
         </p:nvSpPr>
-        <p:spPr>
+        <p:spPr bwMode="auto">
           <a:xfrm>
             <a:off x="831850" y="4589463"/>
             <a:ext cx="10515600" cy="1500187"/>
@@ -1039,11 +1110,14 @@
             </a:lvl9pPr>
           </a:lstStyle>
           <a:p>
-            <a:pPr lvl="0"/>
+            <a:pPr lvl="0">
+              <a:defRPr/>
+            </a:pPr>
             <a:r>
-              <a:rPr lang="ru-RU" smtClean="0"/>
+              <a:rPr lang="ru-RU"/>
               <a:t>Образец текста</a:t>
             </a:r>
+            <a:endParaRPr/>
           </a:p>
         </p:txBody>
       </p:sp>
@@ -1057,14 +1131,17 @@
             <p:ph type="dt" sz="half" idx="10"/>
           </p:nvPr>
         </p:nvSpPr>
-        <p:spPr/>
+        <p:spPr bwMode="auto"/>
         <p:txBody>
           <a:bodyPr/>
           <a:lstStyle/>
           <a:p>
+            <a:pPr>
+              <a:defRPr/>
+            </a:pPr>
             <a:fld id="{096B5ACF-9422-4143-8CB6-6CA06ACF38B3}" type="datetimeFigureOut">
-              <a:rPr lang="ru-RU" smtClean="0"/>
-              <a:t>19.10.2016</a:t>
+              <a:rPr lang="ru-RU"/>
+              <a:t/>
             </a:fld>
             <a:endParaRPr lang="ru-RU"/>
           </a:p>
@@ -1080,11 +1157,14 @@
             <p:ph type="ftr" sz="quarter" idx="11"/>
           </p:nvPr>
         </p:nvSpPr>
-        <p:spPr/>
+        <p:spPr bwMode="auto"/>
         <p:txBody>
           <a:bodyPr/>
           <a:lstStyle/>
           <a:p>
+            <a:pPr>
+              <a:defRPr/>
+            </a:pPr>
             <a:endParaRPr lang="ru-RU"/>
           </a:p>
         </p:txBody>
@@ -1099,25 +1179,23 @@
             <p:ph type="sldNum" sz="quarter" idx="12"/>
           </p:nvPr>
         </p:nvSpPr>
-        <p:spPr/>
+        <p:spPr bwMode="auto"/>
         <p:txBody>
           <a:bodyPr/>
           <a:lstStyle/>
           <a:p>
+            <a:pPr>
+              <a:defRPr/>
+            </a:pPr>
             <a:fld id="{3A608ECE-20C0-4535-A831-9F9716D75B16}" type="slidenum">
-              <a:rPr lang="ru-RU" smtClean="0"/>
-              <a:t>‹#›</a:t>
+              <a:rPr lang="ru-RU"/>
+              <a:t/>
             </a:fld>
             <a:endParaRPr lang="ru-RU"/>
           </a:p>
         </p:txBody>
       </p:sp>
     </p:spTree>
-    <p:extLst>
-      <p:ext uri="{BB962C8B-B14F-4D97-AF65-F5344CB8AC3E}">
-        <p14:creationId xmlns:p14="http://schemas.microsoft.com/office/powerpoint/2010/main" val="4021594251"/>
-      </p:ext>
-    </p:extLst>
   </p:cSld>
   <p:clrMapOvr>
     <a:masterClrMapping/>
@@ -1126,7 +1204,7 @@
 </file>
 
 <file path=ppt/slideLayouts/slideLayout4.xml><?xml version="1.0" encoding="utf-8"?>
-<p:sldLayout xmlns:a="http://schemas.openxmlformats.org/drawingml/2006/main" xmlns:r="http://schemas.openxmlformats.org/officeDocument/2006/relationships" xmlns:p="http://schemas.openxmlformats.org/presentationml/2006/main" type="twoObj" preserve="1">
+<p:sldLayout xmlns:a="http://schemas.openxmlformats.org/drawingml/2006/main" xmlns:r="http://schemas.openxmlformats.org/officeDocument/2006/relationships" xmlns:p="http://schemas.openxmlformats.org/presentationml/2006/main" xmlns:m="http://schemas.openxmlformats.org/officeDocument/2006/math" xmlns:w="http://schemas.openxmlformats.org/wordprocessingml/2006/main" matchingName="" preserve="1" showMasterPhAnim="0" type="twoObj" userDrawn="1">
   <p:cSld name="Два объекта">
     <p:spTree>
       <p:nvGrpSpPr>
@@ -1134,7 +1212,7 @@
         <p:cNvGrpSpPr/>
         <p:nvPr/>
       </p:nvGrpSpPr>
-      <p:grpSpPr>
+      <p:grpSpPr bwMode="auto">
         <a:xfrm>
           <a:off x="0" y="0"/>
           <a:ext cx="0" cy="0"/>
@@ -1152,13 +1230,16 @@
             <p:ph type="title"/>
           </p:nvPr>
         </p:nvSpPr>
-        <p:spPr/>
+        <p:spPr bwMode="auto"/>
         <p:txBody>
           <a:bodyPr/>
           <a:lstStyle/>
           <a:p>
+            <a:pPr>
+              <a:defRPr/>
+            </a:pPr>
             <a:r>
-              <a:rPr lang="ru-RU" smtClean="0"/>
+              <a:rPr lang="ru-RU"/>
               <a:t>Образец заголовка</a:t>
             </a:r>
             <a:endParaRPr lang="ru-RU"/>
@@ -1175,7 +1256,7 @@
             <p:ph sz="half" idx="1"/>
           </p:nvPr>
         </p:nvSpPr>
-        <p:spPr>
+        <p:spPr bwMode="auto">
           <a:xfrm>
             <a:off x="838200" y="1825625"/>
             <a:ext cx="5181600" cy="4351338"/>
@@ -1185,37 +1266,51 @@
           <a:bodyPr/>
           <a:lstStyle/>
           <a:p>
-            <a:pPr lvl="0"/>
+            <a:pPr lvl="0">
+              <a:defRPr/>
+            </a:pPr>
             <a:r>
-              <a:rPr lang="ru-RU" smtClean="0"/>
+              <a:rPr lang="ru-RU"/>
               <a:t>Образец текста</a:t>
             </a:r>
-          </a:p>
-          <a:p>
-            <a:pPr lvl="1"/>
+            <a:endParaRPr/>
+          </a:p>
+          <a:p>
+            <a:pPr lvl="1">
+              <a:defRPr/>
+            </a:pPr>
             <a:r>
-              <a:rPr lang="ru-RU" smtClean="0"/>
+              <a:rPr lang="ru-RU"/>
               <a:t>Второй уровень</a:t>
             </a:r>
-          </a:p>
-          <a:p>
-            <a:pPr lvl="2"/>
+            <a:endParaRPr/>
+          </a:p>
+          <a:p>
+            <a:pPr lvl="2">
+              <a:defRPr/>
+            </a:pPr>
             <a:r>
-              <a:rPr lang="ru-RU" smtClean="0"/>
+              <a:rPr lang="ru-RU"/>
               <a:t>Третий уровень</a:t>
             </a:r>
-          </a:p>
-          <a:p>
-            <a:pPr lvl="3"/>
+            <a:endParaRPr/>
+          </a:p>
+          <a:p>
+            <a:pPr lvl="3">
+              <a:defRPr/>
+            </a:pPr>
             <a:r>
-              <a:rPr lang="ru-RU" smtClean="0"/>
+              <a:rPr lang="ru-RU"/>
               <a:t>Четвертый уровень</a:t>
             </a:r>
-          </a:p>
-          <a:p>
-            <a:pPr lvl="4"/>
+            <a:endParaRPr/>
+          </a:p>
+          <a:p>
+            <a:pPr lvl="4">
+              <a:defRPr/>
+            </a:pPr>
             <a:r>
-              <a:rPr lang="ru-RU" smtClean="0"/>
+              <a:rPr lang="ru-RU"/>
               <a:t>Пятый уровень</a:t>
             </a:r>
             <a:endParaRPr lang="ru-RU"/>
@@ -1232,7 +1327,7 @@
             <p:ph sz="half" idx="2"/>
           </p:nvPr>
         </p:nvSpPr>
-        <p:spPr>
+        <p:spPr bwMode="auto">
           <a:xfrm>
             <a:off x="6172200" y="1825625"/>
             <a:ext cx="5181600" cy="4351338"/>
@@ -1242,37 +1337,51 @@
           <a:bodyPr/>
           <a:lstStyle/>
           <a:p>
-            <a:pPr lvl="0"/>
+            <a:pPr lvl="0">
+              <a:defRPr/>
+            </a:pPr>
             <a:r>
-              <a:rPr lang="ru-RU" smtClean="0"/>
+              <a:rPr lang="ru-RU"/>
               <a:t>Образец текста</a:t>
             </a:r>
-          </a:p>
-          <a:p>
-            <a:pPr lvl="1"/>
+            <a:endParaRPr/>
+          </a:p>
+          <a:p>
+            <a:pPr lvl="1">
+              <a:defRPr/>
+            </a:pPr>
             <a:r>
-              <a:rPr lang="ru-RU" smtClean="0"/>
+              <a:rPr lang="ru-RU"/>
               <a:t>Второй уровень</a:t>
             </a:r>
-          </a:p>
-          <a:p>
-            <a:pPr lvl="2"/>
+            <a:endParaRPr/>
+          </a:p>
+          <a:p>
+            <a:pPr lvl="2">
+              <a:defRPr/>
+            </a:pPr>
             <a:r>
-              <a:rPr lang="ru-RU" smtClean="0"/>
+              <a:rPr lang="ru-RU"/>
               <a:t>Третий уровень</a:t>
             </a:r>
-          </a:p>
-          <a:p>
-            <a:pPr lvl="3"/>
+            <a:endParaRPr/>
+          </a:p>
+          <a:p>
+            <a:pPr lvl="3">
+              <a:defRPr/>
+            </a:pPr>
             <a:r>
-              <a:rPr lang="ru-RU" smtClean="0"/>
+              <a:rPr lang="ru-RU"/>
               <a:t>Четвертый уровень</a:t>
             </a:r>
-          </a:p>
-          <a:p>
-            <a:pPr lvl="4"/>
+            <a:endParaRPr/>
+          </a:p>
+          <a:p>
+            <a:pPr lvl="4">
+              <a:defRPr/>
+            </a:pPr>
             <a:r>
-              <a:rPr lang="ru-RU" smtClean="0"/>
+              <a:rPr lang="ru-RU"/>
               <a:t>Пятый уровень</a:t>
             </a:r>
             <a:endParaRPr lang="ru-RU"/>
@@ -1289,14 +1398,17 @@
             <p:ph type="dt" sz="half" idx="10"/>
           </p:nvPr>
         </p:nvSpPr>
-        <p:spPr/>
+        <p:spPr bwMode="auto"/>
         <p:txBody>
           <a:bodyPr/>
           <a:lstStyle/>
           <a:p>
+            <a:pPr>
+              <a:defRPr/>
+            </a:pPr>
             <a:fld id="{096B5ACF-9422-4143-8CB6-6CA06ACF38B3}" type="datetimeFigureOut">
-              <a:rPr lang="ru-RU" smtClean="0"/>
-              <a:t>19.10.2016</a:t>
+              <a:rPr lang="ru-RU"/>
+              <a:t/>
             </a:fld>
             <a:endParaRPr lang="ru-RU"/>
           </a:p>
@@ -1312,11 +1424,14 @@
             <p:ph type="ftr" sz="quarter" idx="11"/>
           </p:nvPr>
         </p:nvSpPr>
-        <p:spPr/>
+        <p:spPr bwMode="auto"/>
         <p:txBody>
           <a:bodyPr/>
           <a:lstStyle/>
           <a:p>
+            <a:pPr>
+              <a:defRPr/>
+            </a:pPr>
             <a:endParaRPr lang="ru-RU"/>
           </a:p>
         </p:txBody>
@@ -1331,25 +1446,23 @@
             <p:ph type="sldNum" sz="quarter" idx="12"/>
           </p:nvPr>
         </p:nvSpPr>
-        <p:spPr/>
+        <p:spPr bwMode="auto"/>
         <p:txBody>
           <a:bodyPr/>
           <a:lstStyle/>
           <a:p>
+            <a:pPr>
+              <a:defRPr/>
+            </a:pPr>
             <a:fld id="{3A608ECE-20C0-4535-A831-9F9716D75B16}" type="slidenum">
-              <a:rPr lang="ru-RU" smtClean="0"/>
-              <a:t>‹#›</a:t>
+              <a:rPr lang="ru-RU"/>
+              <a:t/>
             </a:fld>
             <a:endParaRPr lang="ru-RU"/>
           </a:p>
         </p:txBody>
       </p:sp>
     </p:spTree>
-    <p:extLst>
-      <p:ext uri="{BB962C8B-B14F-4D97-AF65-F5344CB8AC3E}">
-        <p14:creationId xmlns:p14="http://schemas.microsoft.com/office/powerpoint/2010/main" val="1710440787"/>
-      </p:ext>
-    </p:extLst>
   </p:cSld>
   <p:clrMapOvr>
     <a:masterClrMapping/>
@@ -1358,7 +1471,7 @@
 </file>
 
 <file path=ppt/slideLayouts/slideLayout5.xml><?xml version="1.0" encoding="utf-8"?>
-<p:sldLayout xmlns:a="http://schemas.openxmlformats.org/drawingml/2006/main" xmlns:r="http://schemas.openxmlformats.org/officeDocument/2006/relationships" xmlns:p="http://schemas.openxmlformats.org/presentationml/2006/main" type="twoTxTwoObj" preserve="1">
+<p:sldLayout xmlns:a="http://schemas.openxmlformats.org/drawingml/2006/main" xmlns:r="http://schemas.openxmlformats.org/officeDocument/2006/relationships" xmlns:p="http://schemas.openxmlformats.org/presentationml/2006/main" xmlns:m="http://schemas.openxmlformats.org/officeDocument/2006/math" xmlns:w="http://schemas.openxmlformats.org/wordprocessingml/2006/main" matchingName="" preserve="1" showMasterPhAnim="0" type="twoTxTwoObj" userDrawn="1">
   <p:cSld name="Сравнение">
     <p:spTree>
       <p:nvGrpSpPr>
@@ -1366,7 +1479,7 @@
         <p:cNvGrpSpPr/>
         <p:nvPr/>
       </p:nvGrpSpPr>
-      <p:grpSpPr>
+      <p:grpSpPr bwMode="auto">
         <a:xfrm>
           <a:off x="0" y="0"/>
           <a:ext cx="0" cy="0"/>
@@ -1384,7 +1497,7 @@
             <p:ph type="title"/>
           </p:nvPr>
         </p:nvSpPr>
-        <p:spPr>
+        <p:spPr bwMode="auto">
           <a:xfrm>
             <a:off x="839788" y="365125"/>
             <a:ext cx="10515600" cy="1325563"/>
@@ -1394,8 +1507,11 @@
           <a:bodyPr/>
           <a:lstStyle/>
           <a:p>
+            <a:pPr>
+              <a:defRPr/>
+            </a:pPr>
             <a:r>
-              <a:rPr lang="ru-RU" smtClean="0"/>
+              <a:rPr lang="ru-RU"/>
               <a:t>Образец заголовка</a:t>
             </a:r>
             <a:endParaRPr lang="ru-RU"/>
@@ -1412,7 +1528,7 @@
             <p:ph type="body" idx="1"/>
           </p:nvPr>
         </p:nvSpPr>
-        <p:spPr>
+        <p:spPr bwMode="auto">
           <a:xfrm>
             <a:off x="839788" y="1681163"/>
             <a:ext cx="5157787" cy="823912"/>
@@ -1459,11 +1575,14 @@
             </a:lvl9pPr>
           </a:lstStyle>
           <a:p>
-            <a:pPr lvl="0"/>
+            <a:pPr lvl="0">
+              <a:defRPr/>
+            </a:pPr>
             <a:r>
-              <a:rPr lang="ru-RU" smtClean="0"/>
+              <a:rPr lang="ru-RU"/>
               <a:t>Образец текста</a:t>
             </a:r>
+            <a:endParaRPr/>
           </a:p>
         </p:txBody>
       </p:sp>
@@ -1477,9 +1596,9 @@
             <p:ph sz="half" idx="2"/>
           </p:nvPr>
         </p:nvSpPr>
-        <p:spPr>
-          <a:xfrm>
-            <a:off x="839788" y="2505075"/>
+        <p:spPr bwMode="auto">
+          <a:xfrm>
+            <a:off x="839788" y="2505074"/>
             <a:ext cx="5157787" cy="3684588"/>
           </a:xfrm>
         </p:spPr>
@@ -1487,37 +1606,51 @@
           <a:bodyPr/>
           <a:lstStyle/>
           <a:p>
-            <a:pPr lvl="0"/>
+            <a:pPr lvl="0">
+              <a:defRPr/>
+            </a:pPr>
             <a:r>
-              <a:rPr lang="ru-RU" smtClean="0"/>
+              <a:rPr lang="ru-RU"/>
               <a:t>Образец текста</a:t>
             </a:r>
-          </a:p>
-          <a:p>
-            <a:pPr lvl="1"/>
+            <a:endParaRPr/>
+          </a:p>
+          <a:p>
+            <a:pPr lvl="1">
+              <a:defRPr/>
+            </a:pPr>
             <a:r>
-              <a:rPr lang="ru-RU" smtClean="0"/>
+              <a:rPr lang="ru-RU"/>
               <a:t>Второй уровень</a:t>
             </a:r>
-          </a:p>
-          <a:p>
-            <a:pPr lvl="2"/>
+            <a:endParaRPr/>
+          </a:p>
+          <a:p>
+            <a:pPr lvl="2">
+              <a:defRPr/>
+            </a:pPr>
             <a:r>
-              <a:rPr lang="ru-RU" smtClean="0"/>
+              <a:rPr lang="ru-RU"/>
               <a:t>Третий уровень</a:t>
             </a:r>
-          </a:p>
-          <a:p>
-            <a:pPr lvl="3"/>
+            <a:endParaRPr/>
+          </a:p>
+          <a:p>
+            <a:pPr lvl="3">
+              <a:defRPr/>
+            </a:pPr>
             <a:r>
-              <a:rPr lang="ru-RU" smtClean="0"/>
+              <a:rPr lang="ru-RU"/>
               <a:t>Четвертый уровень</a:t>
             </a:r>
-          </a:p>
-          <a:p>
-            <a:pPr lvl="4"/>
+            <a:endParaRPr/>
+          </a:p>
+          <a:p>
+            <a:pPr lvl="4">
+              <a:defRPr/>
+            </a:pPr>
             <a:r>
-              <a:rPr lang="ru-RU" smtClean="0"/>
+              <a:rPr lang="ru-RU"/>
               <a:t>Пятый уровень</a:t>
             </a:r>
             <a:endParaRPr lang="ru-RU"/>
@@ -1534,7 +1667,7 @@
             <p:ph type="body" sz="quarter" idx="3"/>
           </p:nvPr>
         </p:nvSpPr>
-        <p:spPr>
+        <p:spPr bwMode="auto">
           <a:xfrm>
             <a:off x="6172200" y="1681163"/>
             <a:ext cx="5183188" cy="823912"/>
@@ -1581,11 +1714,14 @@
             </a:lvl9pPr>
           </a:lstStyle>
           <a:p>
-            <a:pPr lvl="0"/>
+            <a:pPr lvl="0">
+              <a:defRPr/>
+            </a:pPr>
             <a:r>
-              <a:rPr lang="ru-RU" smtClean="0"/>
+              <a:rPr lang="ru-RU"/>
               <a:t>Образец текста</a:t>
             </a:r>
+            <a:endParaRPr/>
           </a:p>
         </p:txBody>
       </p:sp>
@@ -1599,9 +1735,9 @@
             <p:ph sz="quarter" idx="4"/>
           </p:nvPr>
         </p:nvSpPr>
-        <p:spPr>
-          <a:xfrm>
-            <a:off x="6172200" y="2505075"/>
+        <p:spPr bwMode="auto">
+          <a:xfrm>
+            <a:off x="6172200" y="2505074"/>
             <a:ext cx="5183188" cy="3684588"/>
           </a:xfrm>
         </p:spPr>
@@ -1609,37 +1745,51 @@
           <a:bodyPr/>
           <a:lstStyle/>
           <a:p>
-            <a:pPr lvl="0"/>
+            <a:pPr lvl="0">
+              <a:defRPr/>
+            </a:pPr>
             <a:r>
-              <a:rPr lang="ru-RU" smtClean="0"/>
+              <a:rPr lang="ru-RU"/>
               <a:t>Образец текста</a:t>
             </a:r>
-          </a:p>
-          <a:p>
-            <a:pPr lvl="1"/>
+            <a:endParaRPr/>
+          </a:p>
+          <a:p>
+            <a:pPr lvl="1">
+              <a:defRPr/>
+            </a:pPr>
             <a:r>
-              <a:rPr lang="ru-RU" smtClean="0"/>
+              <a:rPr lang="ru-RU"/>
               <a:t>Второй уровень</a:t>
             </a:r>
-          </a:p>
-          <a:p>
-            <a:pPr lvl="2"/>
+            <a:endParaRPr/>
+          </a:p>
+          <a:p>
+            <a:pPr lvl="2">
+              <a:defRPr/>
+            </a:pPr>
             <a:r>
-              <a:rPr lang="ru-RU" smtClean="0"/>
+              <a:rPr lang="ru-RU"/>
               <a:t>Третий уровень</a:t>
             </a:r>
-          </a:p>
-          <a:p>
-            <a:pPr lvl="3"/>
+            <a:endParaRPr/>
+          </a:p>
+          <a:p>
+            <a:pPr lvl="3">
+              <a:defRPr/>
+            </a:pPr>
             <a:r>
-              <a:rPr lang="ru-RU" smtClean="0"/>
+              <a:rPr lang="ru-RU"/>
               <a:t>Четвертый уровень</a:t>
             </a:r>
-          </a:p>
-          <a:p>
-            <a:pPr lvl="4"/>
+            <a:endParaRPr/>
+          </a:p>
+          <a:p>
+            <a:pPr lvl="4">
+              <a:defRPr/>
+            </a:pPr>
             <a:r>
-              <a:rPr lang="ru-RU" smtClean="0"/>
+              <a:rPr lang="ru-RU"/>
               <a:t>Пятый уровень</a:t>
             </a:r>
             <a:endParaRPr lang="ru-RU"/>
@@ -1656,14 +1806,17 @@
             <p:ph type="dt" sz="half" idx="10"/>
           </p:nvPr>
         </p:nvSpPr>
-        <p:spPr/>
+        <p:spPr bwMode="auto"/>
         <p:txBody>
           <a:bodyPr/>
           <a:lstStyle/>
           <a:p>
+            <a:pPr>
+              <a:defRPr/>
+            </a:pPr>
             <a:fld id="{096B5ACF-9422-4143-8CB6-6CA06ACF38B3}" type="datetimeFigureOut">
-              <a:rPr lang="ru-RU" smtClean="0"/>
-              <a:t>19.10.2016</a:t>
+              <a:rPr lang="ru-RU"/>
+              <a:t/>
             </a:fld>
             <a:endParaRPr lang="ru-RU"/>
           </a:p>
@@ -1679,11 +1832,14 @@
             <p:ph type="ftr" sz="quarter" idx="11"/>
           </p:nvPr>
         </p:nvSpPr>
-        <p:spPr/>
+        <p:spPr bwMode="auto"/>
         <p:txBody>
           <a:bodyPr/>
           <a:lstStyle/>
           <a:p>
+            <a:pPr>
+              <a:defRPr/>
+            </a:pPr>
             <a:endParaRPr lang="ru-RU"/>
           </a:p>
         </p:txBody>
@@ -1698,25 +1854,23 @@
             <p:ph type="sldNum" sz="quarter" idx="12"/>
           </p:nvPr>
         </p:nvSpPr>
-        <p:spPr/>
+        <p:spPr bwMode="auto"/>
         <p:txBody>
           <a:bodyPr/>
           <a:lstStyle/>
           <a:p>
+            <a:pPr>
+              <a:defRPr/>
+            </a:pPr>
             <a:fld id="{3A608ECE-20C0-4535-A831-9F9716D75B16}" type="slidenum">
-              <a:rPr lang="ru-RU" smtClean="0"/>
-              <a:t>‹#›</a:t>
+              <a:rPr lang="ru-RU"/>
+              <a:t/>
             </a:fld>
             <a:endParaRPr lang="ru-RU"/>
           </a:p>
         </p:txBody>
       </p:sp>
     </p:spTree>
-    <p:extLst>
-      <p:ext uri="{BB962C8B-B14F-4D97-AF65-F5344CB8AC3E}">
-        <p14:creationId xmlns:p14="http://schemas.microsoft.com/office/powerpoint/2010/main" val="98233588"/>
-      </p:ext>
-    </p:extLst>
   </p:cSld>
   <p:clrMapOvr>
     <a:masterClrMapping/>
@@ -1725,7 +1879,7 @@
 </file>
 
 <file path=ppt/slideLayouts/slideLayout6.xml><?xml version="1.0" encoding="utf-8"?>
-<p:sldLayout xmlns:a="http://schemas.openxmlformats.org/drawingml/2006/main" xmlns:r="http://schemas.openxmlformats.org/officeDocument/2006/relationships" xmlns:p="http://schemas.openxmlformats.org/presentationml/2006/main" type="titleOnly" preserve="1">
+<p:sldLayout xmlns:a="http://schemas.openxmlformats.org/drawingml/2006/main" xmlns:r="http://schemas.openxmlformats.org/officeDocument/2006/relationships" xmlns:p="http://schemas.openxmlformats.org/presentationml/2006/main" xmlns:m="http://schemas.openxmlformats.org/officeDocument/2006/math" xmlns:w="http://schemas.openxmlformats.org/wordprocessingml/2006/main" matchingName="" preserve="1" showMasterPhAnim="0" type="titleOnly" userDrawn="1">
   <p:cSld name="Только заголовок">
     <p:spTree>
       <p:nvGrpSpPr>
@@ -1733,7 +1887,7 @@
         <p:cNvGrpSpPr/>
         <p:nvPr/>
       </p:nvGrpSpPr>
-      <p:grpSpPr>
+      <p:grpSpPr bwMode="auto">
         <a:xfrm>
           <a:off x="0" y="0"/>
           <a:ext cx="0" cy="0"/>
@@ -1751,13 +1905,16 @@
             <p:ph type="title"/>
           </p:nvPr>
         </p:nvSpPr>
-        <p:spPr/>
+        <p:spPr bwMode="auto"/>
         <p:txBody>
           <a:bodyPr/>
           <a:lstStyle/>
           <a:p>
+            <a:pPr>
+              <a:defRPr/>
+            </a:pPr>
             <a:r>
-              <a:rPr lang="ru-RU" smtClean="0"/>
+              <a:rPr lang="ru-RU"/>
               <a:t>Образец заголовка</a:t>
             </a:r>
             <a:endParaRPr lang="ru-RU"/>
@@ -1774,14 +1931,17 @@
             <p:ph type="dt" sz="half" idx="10"/>
           </p:nvPr>
         </p:nvSpPr>
-        <p:spPr/>
+        <p:spPr bwMode="auto"/>
         <p:txBody>
           <a:bodyPr/>
           <a:lstStyle/>
           <a:p>
+            <a:pPr>
+              <a:defRPr/>
+            </a:pPr>
             <a:fld id="{096B5ACF-9422-4143-8CB6-6CA06ACF38B3}" type="datetimeFigureOut">
-              <a:rPr lang="ru-RU" smtClean="0"/>
-              <a:t>19.10.2016</a:t>
+              <a:rPr lang="ru-RU"/>
+              <a:t/>
             </a:fld>
             <a:endParaRPr lang="ru-RU"/>
           </a:p>
@@ -1797,11 +1957,14 @@
             <p:ph type="ftr" sz="quarter" idx="11"/>
           </p:nvPr>
         </p:nvSpPr>
-        <p:spPr/>
+        <p:spPr bwMode="auto"/>
         <p:txBody>
           <a:bodyPr/>
           <a:lstStyle/>
           <a:p>
+            <a:pPr>
+              <a:defRPr/>
+            </a:pPr>
             <a:endParaRPr lang="ru-RU"/>
           </a:p>
         </p:txBody>
@@ -1816,25 +1979,23 @@
             <p:ph type="sldNum" sz="quarter" idx="12"/>
           </p:nvPr>
         </p:nvSpPr>
-        <p:spPr/>
+        <p:spPr bwMode="auto"/>
         <p:txBody>
           <a:bodyPr/>
           <a:lstStyle/>
           <a:p>
+            <a:pPr>
+              <a:defRPr/>
+            </a:pPr>
             <a:fld id="{3A608ECE-20C0-4535-A831-9F9716D75B16}" type="slidenum">
-              <a:rPr lang="ru-RU" smtClean="0"/>
-              <a:t>‹#›</a:t>
+              <a:rPr lang="ru-RU"/>
+              <a:t/>
             </a:fld>
             <a:endParaRPr lang="ru-RU"/>
           </a:p>
         </p:txBody>
       </p:sp>
     </p:spTree>
-    <p:extLst>
-      <p:ext uri="{BB962C8B-B14F-4D97-AF65-F5344CB8AC3E}">
-        <p14:creationId xmlns:p14="http://schemas.microsoft.com/office/powerpoint/2010/main" val="366724737"/>
-      </p:ext>
-    </p:extLst>
   </p:cSld>
   <p:clrMapOvr>
     <a:masterClrMapping/>
@@ -1843,7 +2004,7 @@
 </file>
 
 <file path=ppt/slideLayouts/slideLayout7.xml><?xml version="1.0" encoding="utf-8"?>
-<p:sldLayout xmlns:a="http://schemas.openxmlformats.org/drawingml/2006/main" xmlns:r="http://schemas.openxmlformats.org/officeDocument/2006/relationships" xmlns:p="http://schemas.openxmlformats.org/presentationml/2006/main" type="blank" preserve="1">
+<p:sldLayout xmlns:a="http://schemas.openxmlformats.org/drawingml/2006/main" xmlns:r="http://schemas.openxmlformats.org/officeDocument/2006/relationships" xmlns:p="http://schemas.openxmlformats.org/presentationml/2006/main" xmlns:m="http://schemas.openxmlformats.org/officeDocument/2006/math" xmlns:w="http://schemas.openxmlformats.org/wordprocessingml/2006/main" matchingName="" preserve="1" showMasterPhAnim="0" type="blank" userDrawn="1">
   <p:cSld name="Пустой слайд">
     <p:spTree>
       <p:nvGrpSpPr>
@@ -1851,7 +2012,7 @@
         <p:cNvGrpSpPr/>
         <p:nvPr/>
       </p:nvGrpSpPr>
-      <p:grpSpPr>
+      <p:grpSpPr bwMode="auto">
         <a:xfrm>
           <a:off x="0" y="0"/>
           <a:ext cx="0" cy="0"/>
@@ -1869,14 +2030,17 @@
             <p:ph type="dt" sz="half" idx="10"/>
           </p:nvPr>
         </p:nvSpPr>
-        <p:spPr/>
+        <p:spPr bwMode="auto"/>
         <p:txBody>
           <a:bodyPr/>
           <a:lstStyle/>
           <a:p>
+            <a:pPr>
+              <a:defRPr/>
+            </a:pPr>
             <a:fld id="{096B5ACF-9422-4143-8CB6-6CA06ACF38B3}" type="datetimeFigureOut">
-              <a:rPr lang="ru-RU" smtClean="0"/>
-              <a:t>19.10.2016</a:t>
+              <a:rPr lang="ru-RU"/>
+              <a:t/>
             </a:fld>
             <a:endParaRPr lang="ru-RU"/>
           </a:p>
@@ -1892,11 +2056,14 @@
             <p:ph type="ftr" sz="quarter" idx="11"/>
           </p:nvPr>
         </p:nvSpPr>
-        <p:spPr/>
+        <p:spPr bwMode="auto"/>
         <p:txBody>
           <a:bodyPr/>
           <a:lstStyle/>
           <a:p>
+            <a:pPr>
+              <a:defRPr/>
+            </a:pPr>
             <a:endParaRPr lang="ru-RU"/>
           </a:p>
         </p:txBody>
@@ -1911,25 +2078,23 @@
             <p:ph type="sldNum" sz="quarter" idx="12"/>
           </p:nvPr>
         </p:nvSpPr>
-        <p:spPr/>
+        <p:spPr bwMode="auto"/>
         <p:txBody>
           <a:bodyPr/>
           <a:lstStyle/>
           <a:p>
+            <a:pPr>
+              <a:defRPr/>
+            </a:pPr>
             <a:fld id="{3A608ECE-20C0-4535-A831-9F9716D75B16}" type="slidenum">
-              <a:rPr lang="ru-RU" smtClean="0"/>
-              <a:t>‹#›</a:t>
+              <a:rPr lang="ru-RU"/>
+              <a:t/>
             </a:fld>
             <a:endParaRPr lang="ru-RU"/>
           </a:p>
         </p:txBody>
       </p:sp>
     </p:spTree>
-    <p:extLst>
-      <p:ext uri="{BB962C8B-B14F-4D97-AF65-F5344CB8AC3E}">
-        <p14:creationId xmlns:p14="http://schemas.microsoft.com/office/powerpoint/2010/main" val="467961186"/>
-      </p:ext>
-    </p:extLst>
   </p:cSld>
   <p:clrMapOvr>
     <a:masterClrMapping/>
@@ -1938,7 +2103,7 @@
 </file>
 
 <file path=ppt/slideLayouts/slideLayout8.xml><?xml version="1.0" encoding="utf-8"?>
-<p:sldLayout xmlns:a="http://schemas.openxmlformats.org/drawingml/2006/main" xmlns:r="http://schemas.openxmlformats.org/officeDocument/2006/relationships" xmlns:p="http://schemas.openxmlformats.org/presentationml/2006/main" type="objTx" preserve="1">
+<p:sldLayout xmlns:a="http://schemas.openxmlformats.org/drawingml/2006/main" xmlns:r="http://schemas.openxmlformats.org/officeDocument/2006/relationships" xmlns:p="http://schemas.openxmlformats.org/presentationml/2006/main" xmlns:m="http://schemas.openxmlformats.org/officeDocument/2006/math" xmlns:w="http://schemas.openxmlformats.org/wordprocessingml/2006/main" matchingName="" preserve="1" showMasterPhAnim="0" type="objTx" userDrawn="1">
   <p:cSld name="Объект с подписью">
     <p:spTree>
       <p:nvGrpSpPr>
@@ -1946,7 +2111,7 @@
         <p:cNvGrpSpPr/>
         <p:nvPr/>
       </p:nvGrpSpPr>
-      <p:grpSpPr>
+      <p:grpSpPr bwMode="auto">
         <a:xfrm>
           <a:off x="0" y="0"/>
           <a:ext cx="0" cy="0"/>
@@ -1964,7 +2129,7 @@
             <p:ph type="title"/>
           </p:nvPr>
         </p:nvSpPr>
-        <p:spPr>
+        <p:spPr bwMode="auto">
           <a:xfrm>
             <a:off x="839788" y="457200"/>
             <a:ext cx="3932237" cy="1600200"/>
@@ -1978,8 +2143,11 @@
             </a:lvl1pPr>
           </a:lstStyle>
           <a:p>
+            <a:pPr>
+              <a:defRPr/>
+            </a:pPr>
             <a:r>
-              <a:rPr lang="ru-RU" smtClean="0"/>
+              <a:rPr lang="ru-RU"/>
               <a:t>Образец заголовка</a:t>
             </a:r>
             <a:endParaRPr lang="ru-RU"/>
@@ -1996,7 +2164,7 @@
             <p:ph idx="1"/>
           </p:nvPr>
         </p:nvSpPr>
-        <p:spPr>
+        <p:spPr bwMode="auto">
           <a:xfrm>
             <a:off x="5183188" y="987425"/>
             <a:ext cx="6172200" cy="4873625"/>
@@ -2034,37 +2202,51 @@
             </a:lvl9pPr>
           </a:lstStyle>
           <a:p>
-            <a:pPr lvl="0"/>
+            <a:pPr lvl="0">
+              <a:defRPr/>
+            </a:pPr>
             <a:r>
-              <a:rPr lang="ru-RU" smtClean="0"/>
+              <a:rPr lang="ru-RU"/>
               <a:t>Образец текста</a:t>
             </a:r>
-          </a:p>
-          <a:p>
-            <a:pPr lvl="1"/>
+            <a:endParaRPr/>
+          </a:p>
+          <a:p>
+            <a:pPr lvl="1">
+              <a:defRPr/>
+            </a:pPr>
             <a:r>
-              <a:rPr lang="ru-RU" smtClean="0"/>
+              <a:rPr lang="ru-RU"/>
               <a:t>Второй уровень</a:t>
             </a:r>
-          </a:p>
-          <a:p>
-            <a:pPr lvl="2"/>
+            <a:endParaRPr/>
+          </a:p>
+          <a:p>
+            <a:pPr lvl="2">
+              <a:defRPr/>
+            </a:pPr>
             <a:r>
-              <a:rPr lang="ru-RU" smtClean="0"/>
+              <a:rPr lang="ru-RU"/>
               <a:t>Третий уровень</a:t>
             </a:r>
-          </a:p>
-          <a:p>
-            <a:pPr lvl="3"/>
+            <a:endParaRPr/>
+          </a:p>
+          <a:p>
+            <a:pPr lvl="3">
+              <a:defRPr/>
+            </a:pPr>
             <a:r>
-              <a:rPr lang="ru-RU" smtClean="0"/>
+              <a:rPr lang="ru-RU"/>
               <a:t>Четвертый уровень</a:t>
             </a:r>
-          </a:p>
-          <a:p>
-            <a:pPr lvl="4"/>
+            <a:endParaRPr/>
+          </a:p>
+          <a:p>
+            <a:pPr lvl="4">
+              <a:defRPr/>
+            </a:pPr>
             <a:r>
-              <a:rPr lang="ru-RU" smtClean="0"/>
+              <a:rPr lang="ru-RU"/>
               <a:t>Пятый уровень</a:t>
             </a:r>
             <a:endParaRPr lang="ru-RU"/>
@@ -2081,7 +2263,7 @@
             <p:ph type="body" sz="half" idx="2"/>
           </p:nvPr>
         </p:nvSpPr>
-        <p:spPr>
+        <p:spPr bwMode="auto">
           <a:xfrm>
             <a:off x="839788" y="2057400"/>
             <a:ext cx="3932237" cy="3811588"/>
@@ -2128,11 +2310,14 @@
             </a:lvl9pPr>
           </a:lstStyle>
           <a:p>
-            <a:pPr lvl="0"/>
+            <a:pPr lvl="0">
+              <a:defRPr/>
+            </a:pPr>
             <a:r>
-              <a:rPr lang="ru-RU" smtClean="0"/>
+              <a:rPr lang="ru-RU"/>
               <a:t>Образец текста</a:t>
             </a:r>
+            <a:endParaRPr/>
           </a:p>
         </p:txBody>
       </p:sp>
@@ -2146,14 +2331,17 @@
             <p:ph type="dt" sz="half" idx="10"/>
           </p:nvPr>
         </p:nvSpPr>
-        <p:spPr/>
+        <p:spPr bwMode="auto"/>
         <p:txBody>
           <a:bodyPr/>
           <a:lstStyle/>
           <a:p>
+            <a:pPr>
+              <a:defRPr/>
+            </a:pPr>
             <a:fld id="{096B5ACF-9422-4143-8CB6-6CA06ACF38B3}" type="datetimeFigureOut">
-              <a:rPr lang="ru-RU" smtClean="0"/>
-              <a:t>19.10.2016</a:t>
+              <a:rPr lang="ru-RU"/>
+              <a:t/>
             </a:fld>
             <a:endParaRPr lang="ru-RU"/>
           </a:p>
@@ -2169,11 +2357,14 @@
             <p:ph type="ftr" sz="quarter" idx="11"/>
           </p:nvPr>
         </p:nvSpPr>
-        <p:spPr/>
+        <p:spPr bwMode="auto"/>
         <p:txBody>
           <a:bodyPr/>
           <a:lstStyle/>
           <a:p>
+            <a:pPr>
+              <a:defRPr/>
+            </a:pPr>
             <a:endParaRPr lang="ru-RU"/>
           </a:p>
         </p:txBody>
@@ -2188,25 +2379,23 @@
             <p:ph type="sldNum" sz="quarter" idx="12"/>
           </p:nvPr>
         </p:nvSpPr>
-        <p:spPr/>
+        <p:spPr bwMode="auto"/>
         <p:txBody>
           <a:bodyPr/>
           <a:lstStyle/>
           <a:p>
+            <a:pPr>
+              <a:defRPr/>
+            </a:pPr>
             <a:fld id="{3A608ECE-20C0-4535-A831-9F9716D75B16}" type="slidenum">
-              <a:rPr lang="ru-RU" smtClean="0"/>
-              <a:t>‹#›</a:t>
+              <a:rPr lang="ru-RU"/>
+              <a:t/>
             </a:fld>
             <a:endParaRPr lang="ru-RU"/>
           </a:p>
         </p:txBody>
       </p:sp>
     </p:spTree>
-    <p:extLst>
-      <p:ext uri="{BB962C8B-B14F-4D97-AF65-F5344CB8AC3E}">
-        <p14:creationId xmlns:p14="http://schemas.microsoft.com/office/powerpoint/2010/main" val="3103324756"/>
-      </p:ext>
-    </p:extLst>
   </p:cSld>
   <p:clrMapOvr>
     <a:masterClrMapping/>
@@ -2215,7 +2404,7 @@
 </file>
 
 <file path=ppt/slideLayouts/slideLayout9.xml><?xml version="1.0" encoding="utf-8"?>
-<p:sldLayout xmlns:a="http://schemas.openxmlformats.org/drawingml/2006/main" xmlns:r="http://schemas.openxmlformats.org/officeDocument/2006/relationships" xmlns:p="http://schemas.openxmlformats.org/presentationml/2006/main" type="picTx" preserve="1">
+<p:sldLayout xmlns:a="http://schemas.openxmlformats.org/drawingml/2006/main" xmlns:r="http://schemas.openxmlformats.org/officeDocument/2006/relationships" xmlns:p="http://schemas.openxmlformats.org/presentationml/2006/main" xmlns:m="http://schemas.openxmlformats.org/officeDocument/2006/math" xmlns:w="http://schemas.openxmlformats.org/wordprocessingml/2006/main" matchingName="" preserve="1" showMasterPhAnim="0" type="picTx" userDrawn="1">
   <p:cSld name="Рисунок с подписью">
     <p:spTree>
       <p:nvGrpSpPr>
@@ -2223,7 +2412,7 @@
         <p:cNvGrpSpPr/>
         <p:nvPr/>
       </p:nvGrpSpPr>
-      <p:grpSpPr>
+      <p:grpSpPr bwMode="auto">
         <a:xfrm>
           <a:off x="0" y="0"/>
           <a:ext cx="0" cy="0"/>
@@ -2241,7 +2430,7 @@
             <p:ph type="title"/>
           </p:nvPr>
         </p:nvSpPr>
-        <p:spPr>
+        <p:spPr bwMode="auto">
           <a:xfrm>
             <a:off x="839788" y="457200"/>
             <a:ext cx="3932237" cy="1600200"/>
@@ -2255,8 +2444,11 @@
             </a:lvl1pPr>
           </a:lstStyle>
           <a:p>
+            <a:pPr>
+              <a:defRPr/>
+            </a:pPr>
             <a:r>
-              <a:rPr lang="ru-RU" smtClean="0"/>
+              <a:rPr lang="ru-RU"/>
               <a:t>Образец заголовка</a:t>
             </a:r>
             <a:endParaRPr lang="ru-RU"/>
@@ -2273,7 +2465,7 @@
             <p:ph type="pic" idx="1"/>
           </p:nvPr>
         </p:nvSpPr>
-        <p:spPr>
+        <p:spPr bwMode="auto">
           <a:xfrm>
             <a:off x="5183188" y="987425"/>
             <a:ext cx="6172200" cy="4873625"/>
@@ -2320,6 +2512,9 @@
             </a:lvl9pPr>
           </a:lstStyle>
           <a:p>
+            <a:pPr>
+              <a:defRPr/>
+            </a:pPr>
             <a:endParaRPr lang="ru-RU"/>
           </a:p>
         </p:txBody>
@@ -2334,7 +2529,7 @@
             <p:ph type="body" sz="half" idx="2"/>
           </p:nvPr>
         </p:nvSpPr>
-        <p:spPr>
+        <p:spPr bwMode="auto">
           <a:xfrm>
             <a:off x="839788" y="2057400"/>
             <a:ext cx="3932237" cy="3811588"/>
@@ -2381,11 +2576,14 @@
             </a:lvl9pPr>
           </a:lstStyle>
           <a:p>
-            <a:pPr lvl="0"/>
+            <a:pPr lvl="0">
+              <a:defRPr/>
+            </a:pPr>
             <a:r>
-              <a:rPr lang="ru-RU" smtClean="0"/>
+              <a:rPr lang="ru-RU"/>
               <a:t>Образец текста</a:t>
             </a:r>
+            <a:endParaRPr/>
           </a:p>
         </p:txBody>
       </p:sp>
@@ -2399,14 +2597,17 @@
             <p:ph type="dt" sz="half" idx="10"/>
           </p:nvPr>
         </p:nvSpPr>
-        <p:spPr/>
+        <p:spPr bwMode="auto"/>
         <p:txBody>
           <a:bodyPr/>
           <a:lstStyle/>
           <a:p>
+            <a:pPr>
+              <a:defRPr/>
+            </a:pPr>
             <a:fld id="{096B5ACF-9422-4143-8CB6-6CA06ACF38B3}" type="datetimeFigureOut">
-              <a:rPr lang="ru-RU" smtClean="0"/>
-              <a:t>19.10.2016</a:t>
+              <a:rPr lang="ru-RU"/>
+              <a:t/>
             </a:fld>
             <a:endParaRPr lang="ru-RU"/>
           </a:p>
@@ -2422,11 +2623,14 @@
             <p:ph type="ftr" sz="quarter" idx="11"/>
           </p:nvPr>
         </p:nvSpPr>
-        <p:spPr/>
+        <p:spPr bwMode="auto"/>
         <p:txBody>
           <a:bodyPr/>
           <a:lstStyle/>
           <a:p>
+            <a:pPr>
+              <a:defRPr/>
+            </a:pPr>
             <a:endParaRPr lang="ru-RU"/>
           </a:p>
         </p:txBody>
@@ -2441,25 +2645,23 @@
             <p:ph type="sldNum" sz="quarter" idx="12"/>
           </p:nvPr>
         </p:nvSpPr>
-        <p:spPr/>
+        <p:spPr bwMode="auto"/>
         <p:txBody>
           <a:bodyPr/>
           <a:lstStyle/>
           <a:p>
+            <a:pPr>
+              <a:defRPr/>
+            </a:pPr>
             <a:fld id="{3A608ECE-20C0-4535-A831-9F9716D75B16}" type="slidenum">
-              <a:rPr lang="ru-RU" smtClean="0"/>
-              <a:t>‹#›</a:t>
+              <a:rPr lang="ru-RU"/>
+              <a:t/>
             </a:fld>
             <a:endParaRPr lang="ru-RU"/>
           </a:p>
         </p:txBody>
       </p:sp>
     </p:spTree>
-    <p:extLst>
-      <p:ext uri="{BB962C8B-B14F-4D97-AF65-F5344CB8AC3E}">
-        <p14:creationId xmlns:p14="http://schemas.microsoft.com/office/powerpoint/2010/main" val="201728719"/>
-      </p:ext>
-    </p:extLst>
   </p:cSld>
   <p:clrMapOvr>
     <a:masterClrMapping/>
@@ -2468,8 +2670,8 @@
 </file>
 
 <file path=ppt/slideMasters/slideMaster1.xml><?xml version="1.0" encoding="utf-8"?>
-<p:sldMaster xmlns:a="http://schemas.openxmlformats.org/drawingml/2006/main" xmlns:r="http://schemas.openxmlformats.org/officeDocument/2006/relationships" xmlns:p="http://schemas.openxmlformats.org/presentationml/2006/main">
-  <p:cSld>
+<p:sldMaster xmlns:a="http://schemas.openxmlformats.org/drawingml/2006/main" xmlns:r="http://schemas.openxmlformats.org/officeDocument/2006/relationships" xmlns:p="http://schemas.openxmlformats.org/presentationml/2006/main" xmlns:m="http://schemas.openxmlformats.org/officeDocument/2006/math" xmlns:w="http://schemas.openxmlformats.org/wordprocessingml/2006/main" preserve="0">
+  <p:cSld name="">
     <p:bg>
       <p:bgRef idx="1001">
         <a:schemeClr val="bg1"/>
@@ -2481,7 +2683,7 @@
         <p:cNvGrpSpPr/>
         <p:nvPr/>
       </p:nvGrpSpPr>
-      <p:grpSpPr>
+      <p:grpSpPr bwMode="auto">
         <a:xfrm>
           <a:off x="0" y="0"/>
           <a:ext cx="0" cy="0"/>
@@ -2499,7 +2701,7 @@
             <p:ph type="title"/>
           </p:nvPr>
         </p:nvSpPr>
-        <p:spPr>
+        <p:spPr bwMode="auto">
           <a:xfrm>
             <a:off x="838200" y="365125"/>
             <a:ext cx="10515600" cy="1325563"/>
@@ -2514,8 +2716,11 @@
           </a:bodyPr>
           <a:lstStyle/>
           <a:p>
+            <a:pPr>
+              <a:defRPr/>
+            </a:pPr>
             <a:r>
-              <a:rPr lang="ru-RU" smtClean="0"/>
+              <a:rPr lang="ru-RU"/>
               <a:t>Образец заголовка</a:t>
             </a:r>
             <a:endParaRPr lang="ru-RU"/>
@@ -2532,7 +2737,7 @@
             <p:ph type="body" idx="1"/>
           </p:nvPr>
         </p:nvSpPr>
-        <p:spPr>
+        <p:spPr bwMode="auto">
           <a:xfrm>
             <a:off x="838200" y="1825625"/>
             <a:ext cx="10515600" cy="4351338"/>
@@ -2547,37 +2752,51 @@
           </a:bodyPr>
           <a:lstStyle/>
           <a:p>
-            <a:pPr lvl="0"/>
+            <a:pPr lvl="0">
+              <a:defRPr/>
+            </a:pPr>
             <a:r>
-              <a:rPr lang="ru-RU" smtClean="0"/>
+              <a:rPr lang="ru-RU"/>
               <a:t>Образец текста</a:t>
             </a:r>
-          </a:p>
-          <a:p>
-            <a:pPr lvl="1"/>
+            <a:endParaRPr/>
+          </a:p>
+          <a:p>
+            <a:pPr lvl="1">
+              <a:defRPr/>
+            </a:pPr>
             <a:r>
-              <a:rPr lang="ru-RU" smtClean="0"/>
+              <a:rPr lang="ru-RU"/>
               <a:t>Второй уровень</a:t>
             </a:r>
-          </a:p>
-          <a:p>
-            <a:pPr lvl="2"/>
+            <a:endParaRPr/>
+          </a:p>
+          <a:p>
+            <a:pPr lvl="2">
+              <a:defRPr/>
+            </a:pPr>
             <a:r>
-              <a:rPr lang="ru-RU" smtClean="0"/>
+              <a:rPr lang="ru-RU"/>
               <a:t>Третий уровень</a:t>
             </a:r>
-          </a:p>
-          <a:p>
-            <a:pPr lvl="3"/>
+            <a:endParaRPr/>
+          </a:p>
+          <a:p>
+            <a:pPr lvl="3">
+              <a:defRPr/>
+            </a:pPr>
             <a:r>
-              <a:rPr lang="ru-RU" smtClean="0"/>
+              <a:rPr lang="ru-RU"/>
               <a:t>Четвертый уровень</a:t>
             </a:r>
-          </a:p>
-          <a:p>
-            <a:pPr lvl="4"/>
+            <a:endParaRPr/>
+          </a:p>
+          <a:p>
+            <a:pPr lvl="4">
+              <a:defRPr/>
+            </a:pPr>
             <a:r>
-              <a:rPr lang="ru-RU" smtClean="0"/>
+              <a:rPr lang="ru-RU"/>
               <a:t>Пятый уровень</a:t>
             </a:r>
             <a:endParaRPr lang="ru-RU"/>
@@ -2594,7 +2813,7 @@
             <p:ph type="dt" sz="half" idx="2"/>
           </p:nvPr>
         </p:nvSpPr>
-        <p:spPr>
+        <p:spPr bwMode="auto">
           <a:xfrm>
             <a:off x="838200" y="6356350"/>
             <a:ext cx="2743200" cy="365125"/>
@@ -2617,9 +2836,12 @@
             </a:lvl1pPr>
           </a:lstStyle>
           <a:p>
+            <a:pPr>
+              <a:defRPr/>
+            </a:pPr>
             <a:fld id="{096B5ACF-9422-4143-8CB6-6CA06ACF38B3}" type="datetimeFigureOut">
-              <a:rPr lang="ru-RU" smtClean="0"/>
-              <a:t>19.10.2016</a:t>
+              <a:rPr lang="ru-RU"/>
+              <a:t/>
             </a:fld>
             <a:endParaRPr lang="ru-RU"/>
           </a:p>
@@ -2635,7 +2857,7 @@
             <p:ph type="ftr" sz="quarter" idx="3"/>
           </p:nvPr>
         </p:nvSpPr>
-        <p:spPr>
+        <p:spPr bwMode="auto">
           <a:xfrm>
             <a:off x="4038600" y="6356350"/>
             <a:ext cx="4114800" cy="365125"/>
@@ -2658,6 +2880,9 @@
             </a:lvl1pPr>
           </a:lstStyle>
           <a:p>
+            <a:pPr>
+              <a:defRPr/>
+            </a:pPr>
             <a:endParaRPr lang="ru-RU"/>
           </a:p>
         </p:txBody>
@@ -2672,7 +2897,7 @@
             <p:ph type="sldNum" sz="quarter" idx="4"/>
           </p:nvPr>
         </p:nvSpPr>
-        <p:spPr>
+        <p:spPr bwMode="auto">
           <a:xfrm>
             <a:off x="8610600" y="6356350"/>
             <a:ext cx="2743200" cy="365125"/>
@@ -2695,20 +2920,18 @@
             </a:lvl1pPr>
           </a:lstStyle>
           <a:p>
+            <a:pPr>
+              <a:defRPr/>
+            </a:pPr>
             <a:fld id="{3A608ECE-20C0-4535-A831-9F9716D75B16}" type="slidenum">
-              <a:rPr lang="ru-RU" smtClean="0"/>
-              <a:t>‹#›</a:t>
+              <a:rPr lang="ru-RU"/>
+              <a:t/>
             </a:fld>
             <a:endParaRPr lang="ru-RU"/>
           </a:p>
         </p:txBody>
       </p:sp>
     </p:spTree>
-    <p:extLst>
-      <p:ext uri="{BB962C8B-B14F-4D97-AF65-F5344CB8AC3E}">
-        <p14:creationId xmlns:p14="http://schemas.microsoft.com/office/powerpoint/2010/main" val="306718183"/>
-      </p:ext>
-    </p:extLst>
   </p:cSld>
   <p:clrMap bg1="lt1" tx1="dk1" bg2="lt2" tx2="dk2" accent1="accent1" accent2="accent2" accent3="accent3" accent4="accent4" accent5="accent5" accent6="accent6" hlink="hlink" folHlink="folHlink"/>
   <p:sldLayoutIdLst>
@@ -2726,15 +2949,15 @@
   </p:sldLayoutIdLst>
   <p:txStyles>
     <p:titleStyle>
-      <a:lvl1pPr algn="l" defTabSz="914400" rtl="0" eaLnBrk="1" latinLnBrk="0" hangingPunct="1">
+      <a:lvl1pPr algn="l" defTabSz="914400">
         <a:lnSpc>
           <a:spcPct val="90000"/>
         </a:lnSpc>
         <a:spcBef>
-          <a:spcPct val="0"/>
+          <a:spcPts val="0"/>
         </a:spcBef>
         <a:buNone/>
-        <a:defRPr sz="4400" kern="1200">
+        <a:defRPr sz="4400">
           <a:solidFill>
             <a:schemeClr val="tx1"/>
           </a:solidFill>
@@ -2745,16 +2968,16 @@
       </a:lvl1pPr>
     </p:titleStyle>
     <p:bodyStyle>
-      <a:lvl1pPr marL="228600" indent="-228600" algn="l" defTabSz="914400" rtl="0" eaLnBrk="1" latinLnBrk="0" hangingPunct="1">
+      <a:lvl1pPr marL="228600" indent="-228600" algn="l" defTabSz="914400">
         <a:lnSpc>
           <a:spcPct val="90000"/>
         </a:lnSpc>
         <a:spcBef>
           <a:spcPts val="1000"/>
         </a:spcBef>
-        <a:buFont typeface="Arial" panose="020B0604020202020204" pitchFamily="34" charset="0"/>
+        <a:buFont typeface="Arial"/>
         <a:buChar char="•"/>
-        <a:defRPr sz="2800" kern="1200">
+        <a:defRPr sz="2800">
           <a:solidFill>
             <a:schemeClr val="tx1"/>
           </a:solidFill>
@@ -2763,16 +2986,16 @@
           <a:cs typeface="+mn-cs"/>
         </a:defRPr>
       </a:lvl1pPr>
-      <a:lvl2pPr marL="685800" indent="-228600" algn="l" defTabSz="914400" rtl="0" eaLnBrk="1" latinLnBrk="0" hangingPunct="1">
+      <a:lvl2pPr marL="685800" indent="-228600" algn="l" defTabSz="914400">
         <a:lnSpc>
           <a:spcPct val="90000"/>
         </a:lnSpc>
         <a:spcBef>
           <a:spcPts val="500"/>
         </a:spcBef>
-        <a:buFont typeface="Arial" panose="020B0604020202020204" pitchFamily="34" charset="0"/>
+        <a:buFont typeface="Arial"/>
         <a:buChar char="•"/>
-        <a:defRPr sz="2400" kern="1200">
+        <a:defRPr sz="2400">
           <a:solidFill>
             <a:schemeClr val="tx1"/>
           </a:solidFill>
@@ -2781,16 +3004,16 @@
           <a:cs typeface="+mn-cs"/>
         </a:defRPr>
       </a:lvl2pPr>
-      <a:lvl3pPr marL="1143000" indent="-228600" algn="l" defTabSz="914400" rtl="0" eaLnBrk="1" latinLnBrk="0" hangingPunct="1">
+      <a:lvl3pPr marL="1143000" indent="-228600" algn="l" defTabSz="914400">
         <a:lnSpc>
           <a:spcPct val="90000"/>
         </a:lnSpc>
         <a:spcBef>
           <a:spcPts val="500"/>
         </a:spcBef>
-        <a:buFont typeface="Arial" panose="020B0604020202020204" pitchFamily="34" charset="0"/>
+        <a:buFont typeface="Arial"/>
         <a:buChar char="•"/>
-        <a:defRPr sz="2000" kern="1200">
+        <a:defRPr sz="2000">
           <a:solidFill>
             <a:schemeClr val="tx1"/>
           </a:solidFill>
@@ -2799,16 +3022,16 @@
           <a:cs typeface="+mn-cs"/>
         </a:defRPr>
       </a:lvl3pPr>
-      <a:lvl4pPr marL="1600200" indent="-228600" algn="l" defTabSz="914400" rtl="0" eaLnBrk="1" latinLnBrk="0" hangingPunct="1">
+      <a:lvl4pPr marL="1600200" indent="-228600" algn="l" defTabSz="914400">
         <a:lnSpc>
           <a:spcPct val="90000"/>
         </a:lnSpc>
         <a:spcBef>
           <a:spcPts val="500"/>
         </a:spcBef>
-        <a:buFont typeface="Arial" panose="020B0604020202020204" pitchFamily="34" charset="0"/>
+        <a:buFont typeface="Arial"/>
         <a:buChar char="•"/>
-        <a:defRPr sz="1800" kern="1200">
+        <a:defRPr sz="1800">
           <a:solidFill>
             <a:schemeClr val="tx1"/>
           </a:solidFill>
@@ -2817,16 +3040,16 @@
           <a:cs typeface="+mn-cs"/>
         </a:defRPr>
       </a:lvl4pPr>
-      <a:lvl5pPr marL="2057400" indent="-228600" algn="l" defTabSz="914400" rtl="0" eaLnBrk="1" latinLnBrk="0" hangingPunct="1">
+      <a:lvl5pPr marL="2057400" indent="-228600" algn="l" defTabSz="914400">
         <a:lnSpc>
           <a:spcPct val="90000"/>
         </a:lnSpc>
         <a:spcBef>
           <a:spcPts val="500"/>
         </a:spcBef>
-        <a:buFont typeface="Arial" panose="020B0604020202020204" pitchFamily="34" charset="0"/>
+        <a:buFont typeface="Arial"/>
         <a:buChar char="•"/>
-        <a:defRPr sz="1800" kern="1200">
+        <a:defRPr sz="1800">
           <a:solidFill>
             <a:schemeClr val="tx1"/>
           </a:solidFill>
@@ -2835,16 +3058,16 @@
           <a:cs typeface="+mn-cs"/>
         </a:defRPr>
       </a:lvl5pPr>
-      <a:lvl6pPr marL="2514600" indent="-228600" algn="l" defTabSz="914400" rtl="0" eaLnBrk="1" latinLnBrk="0" hangingPunct="1">
+      <a:lvl6pPr marL="2514600" indent="-228600" algn="l" defTabSz="914400">
         <a:lnSpc>
           <a:spcPct val="90000"/>
         </a:lnSpc>
         <a:spcBef>
           <a:spcPts val="500"/>
         </a:spcBef>
-        <a:buFont typeface="Arial" panose="020B0604020202020204" pitchFamily="34" charset="0"/>
+        <a:buFont typeface="Arial"/>
         <a:buChar char="•"/>
-        <a:defRPr sz="1800" kern="1200">
+        <a:defRPr sz="1800">
           <a:solidFill>
             <a:schemeClr val="tx1"/>
           </a:solidFill>
@@ -2853,16 +3076,16 @@
           <a:cs typeface="+mn-cs"/>
         </a:defRPr>
       </a:lvl6pPr>
-      <a:lvl7pPr marL="2971800" indent="-228600" algn="l" defTabSz="914400" rtl="0" eaLnBrk="1" latinLnBrk="0" hangingPunct="1">
+      <a:lvl7pPr marL="2971800" indent="-228600" algn="l" defTabSz="914400">
         <a:lnSpc>
           <a:spcPct val="90000"/>
         </a:lnSpc>
         <a:spcBef>
           <a:spcPts val="500"/>
         </a:spcBef>
-        <a:buFont typeface="Arial" panose="020B0604020202020204" pitchFamily="34" charset="0"/>
+        <a:buFont typeface="Arial"/>
         <a:buChar char="•"/>
-        <a:defRPr sz="1800" kern="1200">
+        <a:defRPr sz="1800">
           <a:solidFill>
             <a:schemeClr val="tx1"/>
           </a:solidFill>
@@ -2871,16 +3094,16 @@
           <a:cs typeface="+mn-cs"/>
         </a:defRPr>
       </a:lvl7pPr>
-      <a:lvl8pPr marL="3429000" indent="-228600" algn="l" defTabSz="914400" rtl="0" eaLnBrk="1" latinLnBrk="0" hangingPunct="1">
+      <a:lvl8pPr marL="3429000" indent="-228600" algn="l" defTabSz="914400">
         <a:lnSpc>
           <a:spcPct val="90000"/>
         </a:lnSpc>
         <a:spcBef>
           <a:spcPts val="500"/>
         </a:spcBef>
-        <a:buFont typeface="Arial" panose="020B0604020202020204" pitchFamily="34" charset="0"/>
+        <a:buFont typeface="Arial"/>
         <a:buChar char="•"/>
-        <a:defRPr sz="1800" kern="1200">
+        <a:defRPr sz="1800">
           <a:solidFill>
             <a:schemeClr val="tx1"/>
           </a:solidFill>
@@ -2889,16 +3112,16 @@
           <a:cs typeface="+mn-cs"/>
         </a:defRPr>
       </a:lvl8pPr>
-      <a:lvl9pPr marL="3886200" indent="-228600" algn="l" defTabSz="914400" rtl="0" eaLnBrk="1" latinLnBrk="0" hangingPunct="1">
+      <a:lvl9pPr marL="3886200" indent="-228600" algn="l" defTabSz="914400">
         <a:lnSpc>
           <a:spcPct val="90000"/>
         </a:lnSpc>
         <a:spcBef>
           <a:spcPts val="500"/>
         </a:spcBef>
-        <a:buFont typeface="Arial" panose="020B0604020202020204" pitchFamily="34" charset="0"/>
+        <a:buFont typeface="Arial"/>
         <a:buChar char="•"/>
-        <a:defRPr sz="1800" kern="1200">
+        <a:defRPr sz="1800">
           <a:solidFill>
             <a:schemeClr val="tx1"/>
           </a:solidFill>
@@ -2912,8 +3135,8 @@
       <a:defPPr>
         <a:defRPr lang="ru-RU"/>
       </a:defPPr>
-      <a:lvl1pPr marL="0" algn="l" defTabSz="914400" rtl="0" eaLnBrk="1" latinLnBrk="0" hangingPunct="1">
-        <a:defRPr sz="1800" kern="1200">
+      <a:lvl1pPr marL="0" algn="l" defTabSz="914400">
+        <a:defRPr sz="1800">
           <a:solidFill>
             <a:schemeClr val="tx1"/>
           </a:solidFill>
@@ -2922,8 +3145,8 @@
           <a:cs typeface="+mn-cs"/>
         </a:defRPr>
       </a:lvl1pPr>
-      <a:lvl2pPr marL="457200" algn="l" defTabSz="914400" rtl="0" eaLnBrk="1" latinLnBrk="0" hangingPunct="1">
-        <a:defRPr sz="1800" kern="1200">
+      <a:lvl2pPr marL="457200" algn="l" defTabSz="914400">
+        <a:defRPr sz="1800">
           <a:solidFill>
             <a:schemeClr val="tx1"/>
           </a:solidFill>
@@ -2932,8 +3155,8 @@
           <a:cs typeface="+mn-cs"/>
         </a:defRPr>
       </a:lvl2pPr>
-      <a:lvl3pPr marL="914400" algn="l" defTabSz="914400" rtl="0" eaLnBrk="1" latinLnBrk="0" hangingPunct="1">
-        <a:defRPr sz="1800" kern="1200">
+      <a:lvl3pPr marL="914400" algn="l" defTabSz="914400">
+        <a:defRPr sz="1800">
           <a:solidFill>
             <a:schemeClr val="tx1"/>
           </a:solidFill>
@@ -2942,8 +3165,8 @@
           <a:cs typeface="+mn-cs"/>
         </a:defRPr>
       </a:lvl3pPr>
-      <a:lvl4pPr marL="1371600" algn="l" defTabSz="914400" rtl="0" eaLnBrk="1" latinLnBrk="0" hangingPunct="1">
-        <a:defRPr sz="1800" kern="1200">
+      <a:lvl4pPr marL="1371600" algn="l" defTabSz="914400">
+        <a:defRPr sz="1800">
           <a:solidFill>
             <a:schemeClr val="tx1"/>
           </a:solidFill>
@@ -2952,8 +3175,8 @@
           <a:cs typeface="+mn-cs"/>
         </a:defRPr>
       </a:lvl4pPr>
-      <a:lvl5pPr marL="1828800" algn="l" defTabSz="914400" rtl="0" eaLnBrk="1" latinLnBrk="0" hangingPunct="1">
-        <a:defRPr sz="1800" kern="1200">
+      <a:lvl5pPr marL="1828800" algn="l" defTabSz="914400">
+        <a:defRPr sz="1800">
           <a:solidFill>
             <a:schemeClr val="tx1"/>
           </a:solidFill>
@@ -2962,8 +3185,8 @@
           <a:cs typeface="+mn-cs"/>
         </a:defRPr>
       </a:lvl5pPr>
-      <a:lvl6pPr marL="2286000" algn="l" defTabSz="914400" rtl="0" eaLnBrk="1" latinLnBrk="0" hangingPunct="1">
-        <a:defRPr sz="1800" kern="1200">
+      <a:lvl6pPr marL="2286000" algn="l" defTabSz="914400">
+        <a:defRPr sz="1800">
           <a:solidFill>
             <a:schemeClr val="tx1"/>
           </a:solidFill>
@@ -2972,8 +3195,8 @@
           <a:cs typeface="+mn-cs"/>
         </a:defRPr>
       </a:lvl6pPr>
-      <a:lvl7pPr marL="2743200" algn="l" defTabSz="914400" rtl="0" eaLnBrk="1" latinLnBrk="0" hangingPunct="1">
-        <a:defRPr sz="1800" kern="1200">
+      <a:lvl7pPr marL="2743200" algn="l" defTabSz="914400">
+        <a:defRPr sz="1800">
           <a:solidFill>
             <a:schemeClr val="tx1"/>
           </a:solidFill>
@@ -2982,8 +3205,8 @@
           <a:cs typeface="+mn-cs"/>
         </a:defRPr>
       </a:lvl7pPr>
-      <a:lvl8pPr marL="3200400" algn="l" defTabSz="914400" rtl="0" eaLnBrk="1" latinLnBrk="0" hangingPunct="1">
-        <a:defRPr sz="1800" kern="1200">
+      <a:lvl8pPr marL="3200400" algn="l" defTabSz="914400">
+        <a:defRPr sz="1800">
           <a:solidFill>
             <a:schemeClr val="tx1"/>
           </a:solidFill>
@@ -2992,8 +3215,8 @@
           <a:cs typeface="+mn-cs"/>
         </a:defRPr>
       </a:lvl8pPr>
-      <a:lvl9pPr marL="3657600" algn="l" defTabSz="914400" rtl="0" eaLnBrk="1" latinLnBrk="0" hangingPunct="1">
-        <a:defRPr sz="1800" kern="1200">
+      <a:lvl9pPr marL="3657600" algn="l" defTabSz="914400">
+        <a:defRPr sz="1800">
           <a:solidFill>
             <a:schemeClr val="tx1"/>
           </a:solidFill>
@@ -3008,15 +3231,15 @@
 </file>
 
 <file path=ppt/slides/slide1.xml><?xml version="1.0" encoding="utf-8"?>
-<p:sld xmlns:a="http://schemas.openxmlformats.org/drawingml/2006/main" xmlns:r="http://schemas.openxmlformats.org/officeDocument/2006/relationships" xmlns:p="http://schemas.openxmlformats.org/presentationml/2006/main">
-  <p:cSld>
+<p:sld xmlns:a="http://schemas.openxmlformats.org/drawingml/2006/main" xmlns:r="http://schemas.openxmlformats.org/officeDocument/2006/relationships" xmlns:p="http://schemas.openxmlformats.org/presentationml/2006/main" xmlns:m="http://schemas.openxmlformats.org/officeDocument/2006/math" xmlns:w="http://schemas.openxmlformats.org/wordprocessingml/2006/main" showMasterPhAnim="0" show="1">
+  <p:cSld name="">
     <p:spTree>
       <p:nvGrpSpPr>
         <p:cNvPr id="1" name=""/>
         <p:cNvGrpSpPr/>
         <p:nvPr/>
       </p:nvGrpSpPr>
-      <p:grpSpPr>
+      <p:grpSpPr bwMode="auto">
         <a:xfrm>
           <a:off x="0" y="0"/>
           <a:ext cx="0" cy="0"/>
@@ -3034,7 +3257,7 @@
             <p:ph type="ctrTitle"/>
           </p:nvPr>
         </p:nvSpPr>
-        <p:spPr>
+        <p:spPr bwMode="auto">
           <a:xfrm>
             <a:off x="1524000" y="442137"/>
             <a:ext cx="9144000" cy="2387600"/>
@@ -3046,53 +3269,24 @@
           </a:bodyPr>
           <a:lstStyle/>
           <a:p>
+            <a:pPr>
+              <a:defRPr/>
+            </a:pPr>
             <a:r>
-              <a:rPr lang="ru-RU" sz="4800" dirty="0" smtClean="0"/>
+              <a:rPr lang="ru-RU" sz="4800"/>
               <a:t>Интернет-программирование</a:t>
             </a:r>
-            <a:endParaRPr lang="ru-RU" sz="4800" dirty="0"/>
+            <a:endParaRPr lang="ru-RU" sz="4800"/>
           </a:p>
         </p:txBody>
       </p:sp>
-      <p:pic>
-        <p:nvPicPr>
-          <p:cNvPr id="3" name="Изображение 2"/>
-          <p:cNvPicPr>
-            <a:picLocks noChangeAspect="1"/>
-          </p:cNvPicPr>
-          <p:nvPr/>
-        </p:nvPicPr>
-        <p:blipFill>
-          <a:blip r:embed="rId2" cstate="print">
-            <a:extLst>
-              <a:ext uri="{28A0092B-C50C-407E-A947-70E740481C1C}">
-                <a14:useLocalDpi xmlns:a14="http://schemas.microsoft.com/office/drawing/2010/main" val="0"/>
-              </a:ext>
-            </a:extLst>
-          </a:blip>
-          <a:stretch>
-            <a:fillRect/>
-          </a:stretch>
-        </p:blipFill>
-        <p:spPr>
-          <a:xfrm>
-            <a:off x="10437541" y="86110"/>
-            <a:ext cx="1683835" cy="1568160"/>
-          </a:xfrm>
-          <a:prstGeom prst="rect">
-            <a:avLst/>
-          </a:prstGeom>
-        </p:spPr>
-      </p:pic>
       <p:sp>
         <p:nvSpPr>
           <p:cNvPr id="4" name="Заголовок 1"/>
-          <p:cNvSpPr txBox="1">
-            <a:spLocks/>
-          </p:cNvSpPr>
+          <p:cNvSpPr txBox="1"/>
           <p:nvPr/>
         </p:nvSpPr>
-        <p:spPr>
+        <p:spPr bwMode="auto">
           <a:xfrm>
             <a:off x="1524000" y="1542393"/>
             <a:ext cx="9144000" cy="2387600"/>
@@ -3106,15 +3300,15 @@
             <a:normAutofit/>
           </a:bodyPr>
           <a:lstStyle>
-            <a:lvl1pPr algn="ctr" defTabSz="914400" rtl="0" eaLnBrk="1" latinLnBrk="0" hangingPunct="1">
+            <a:lvl1pPr algn="ctr" defTabSz="914400">
               <a:lnSpc>
                 <a:spcPct val="90000"/>
               </a:lnSpc>
               <a:spcBef>
-                <a:spcPct val="0"/>
+                <a:spcPts val="0"/>
               </a:spcBef>
               <a:buNone/>
-              <a:defRPr sz="6000" kern="1200">
+              <a:defRPr sz="6000">
                 <a:solidFill>
                   <a:schemeClr val="tx1"/>
                 </a:solidFill>
@@ -3125,27 +3319,28 @@
             </a:lvl1pPr>
           </a:lstStyle>
           <a:p>
+            <a:pPr>
+              <a:defRPr/>
+            </a:pPr>
             <a:r>
-              <a:rPr lang="ru-RU" sz="4000" dirty="0" smtClean="0"/>
+              <a:rPr lang="ru-RU" sz="4000"/>
               <a:t>Тема: Основы </a:t>
             </a:r>
             <a:r>
-              <a:rPr lang="en-US" sz="4000" dirty="0" smtClean="0"/>
+              <a:rPr lang="en-US" sz="4000"/>
               <a:t>JavaScript</a:t>
             </a:r>
-            <a:endParaRPr lang="ru-RU" sz="4000" dirty="0"/>
+            <a:endParaRPr lang="ru-RU" sz="4000"/>
           </a:p>
         </p:txBody>
       </p:sp>
       <p:sp>
         <p:nvSpPr>
           <p:cNvPr id="5" name="Заголовок 1"/>
-          <p:cNvSpPr txBox="1">
-            <a:spLocks/>
-          </p:cNvSpPr>
+          <p:cNvSpPr txBox="1"/>
           <p:nvPr/>
         </p:nvSpPr>
-        <p:spPr>
+        <p:spPr bwMode="auto">
           <a:xfrm>
             <a:off x="3048000" y="4337631"/>
             <a:ext cx="9144000" cy="2387600"/>
@@ -3159,15 +3354,15 @@
             <a:normAutofit/>
           </a:bodyPr>
           <a:lstStyle>
-            <a:lvl1pPr algn="ctr" defTabSz="914400" rtl="0" eaLnBrk="1" latinLnBrk="0" hangingPunct="1">
+            <a:lvl1pPr algn="ctr" defTabSz="914400">
               <a:lnSpc>
                 <a:spcPct val="90000"/>
               </a:lnSpc>
               <a:spcBef>
-                <a:spcPct val="0"/>
+                <a:spcPts val="0"/>
               </a:spcBef>
               <a:buNone/>
-              <a:defRPr sz="6000" kern="1200">
+              <a:defRPr sz="6000">
                 <a:solidFill>
                   <a:schemeClr val="tx1"/>
                 </a:solidFill>
@@ -3178,28 +3373,34 @@
             </a:lvl1pPr>
           </a:lstStyle>
           <a:p>
-            <a:pPr algn="r"/>
+            <a:pPr algn="r">
+              <a:defRPr/>
+            </a:pPr>
             <a:r>
-              <a:rPr lang="ru-RU" sz="2800" dirty="0" smtClean="0"/>
+              <a:rPr lang="ru-RU" sz="2800"/>
               <a:t>Малоярославцев К.В</a:t>
             </a:r>
-            <a:endParaRPr lang="ru-RU" sz="2800" dirty="0"/>
+            <a:endParaRPr lang="ru-RU" sz="2800"/>
           </a:p>
         </p:txBody>
       </p:sp>
     </p:spTree>
-    <p:extLst>
-      <p:ext uri="{BB962C8B-B14F-4D97-AF65-F5344CB8AC3E}">
-        <p14:creationId xmlns:p14="http://schemas.microsoft.com/office/powerpoint/2010/main" val="2384441774"/>
-      </p:ext>
-    </p:extLst>
   </p:cSld>
   <p:clrMapOvr>
     <a:masterClrMapping/>
   </p:clrMapOvr>
-  <p:transition spd="slow">
-    <p:cover/>
-  </p:transition>
+  <mc:AlternateContent xmlns:mc="http://schemas.openxmlformats.org/markup-compatibility/2006">
+    <mc:Choice xmlns:p14="http://schemas.microsoft.com/office/powerpoint/2010/main" Requires="p14">
+      <p:transition spd="med" p14:dur="750" advClick="1">
+        <p:cover dir="l"/>
+      </p:transition>
+    </mc:Choice>
+    <mc:Fallback>
+      <p:transition spd="med" advClick="1">
+        <p:cover dir="l"/>
+      </p:transition>
+    </mc:Fallback>
+  </mc:AlternateContent>
   <p:timing>
     <p:tnLst>
       <p:par>
@@ -3211,15 +3412,15 @@
 </file>
 
 <file path=ppt/slides/slide10.xml><?xml version="1.0" encoding="utf-8"?>
-<p:sld xmlns:a="http://schemas.openxmlformats.org/drawingml/2006/main" xmlns:r="http://schemas.openxmlformats.org/officeDocument/2006/relationships" xmlns:p="http://schemas.openxmlformats.org/presentationml/2006/main">
-  <p:cSld>
+<p:sld xmlns:a="http://schemas.openxmlformats.org/drawingml/2006/main" xmlns:r="http://schemas.openxmlformats.org/officeDocument/2006/relationships" xmlns:p="http://schemas.openxmlformats.org/presentationml/2006/main" xmlns:m="http://schemas.openxmlformats.org/officeDocument/2006/math" xmlns:w="http://schemas.openxmlformats.org/wordprocessingml/2006/main" showMasterPhAnim="0" show="1">
+  <p:cSld name="">
     <p:spTree>
       <p:nvGrpSpPr>
         <p:cNvPr id="1" name=""/>
         <p:cNvGrpSpPr/>
         <p:nvPr/>
       </p:nvGrpSpPr>
-      <p:grpSpPr>
+      <p:grpSpPr bwMode="auto">
         <a:xfrm>
           <a:off x="0" y="0"/>
           <a:ext cx="0" cy="0"/>
@@ -3237,11 +3438,9 @@
         </p:nvPicPr>
         <p:blipFill>
           <a:blip r:embed="rId2"/>
-          <a:stretch>
-            <a:fillRect/>
-          </a:stretch>
+          <a:stretch/>
         </p:blipFill>
-        <p:spPr>
+        <p:spPr bwMode="auto">
           <a:xfrm>
             <a:off x="19050" y="728662"/>
             <a:ext cx="12153900" cy="5400675"/>
@@ -3252,31 +3451,35 @@
         </p:spPr>
       </p:pic>
     </p:spTree>
-    <p:extLst>
-      <p:ext uri="{BB962C8B-B14F-4D97-AF65-F5344CB8AC3E}">
-        <p14:creationId xmlns:p14="http://schemas.microsoft.com/office/powerpoint/2010/main" val="130741957"/>
-      </p:ext>
-    </p:extLst>
   </p:cSld>
   <p:clrMapOvr>
     <a:masterClrMapping/>
   </p:clrMapOvr>
-  <p:transition spd="slow">
-    <p:cover/>
-  </p:transition>
+  <mc:AlternateContent xmlns:mc="http://schemas.openxmlformats.org/markup-compatibility/2006">
+    <mc:Choice xmlns:p14="http://schemas.microsoft.com/office/powerpoint/2010/main" Requires="p14">
+      <p:transition spd="med" p14:dur="750" advClick="1">
+        <p:cover dir="l"/>
+      </p:transition>
+    </mc:Choice>
+    <mc:Fallback>
+      <p:transition spd="med" advClick="1">
+        <p:cover dir="l"/>
+      </p:transition>
+    </mc:Fallback>
+  </mc:AlternateContent>
 </p:sld>
 </file>
 
 <file path=ppt/slides/slide11.xml><?xml version="1.0" encoding="utf-8"?>
-<p:sld xmlns:a="http://schemas.openxmlformats.org/drawingml/2006/main" xmlns:r="http://schemas.openxmlformats.org/officeDocument/2006/relationships" xmlns:p="http://schemas.openxmlformats.org/presentationml/2006/main">
-  <p:cSld>
+<p:sld xmlns:a="http://schemas.openxmlformats.org/drawingml/2006/main" xmlns:r="http://schemas.openxmlformats.org/officeDocument/2006/relationships" xmlns:p="http://schemas.openxmlformats.org/presentationml/2006/main" xmlns:m="http://schemas.openxmlformats.org/officeDocument/2006/math" xmlns:w="http://schemas.openxmlformats.org/wordprocessingml/2006/main" showMasterPhAnim="0" show="1">
+  <p:cSld name="">
     <p:spTree>
       <p:nvGrpSpPr>
         <p:cNvPr id="1" name=""/>
         <p:cNvGrpSpPr/>
         <p:nvPr/>
       </p:nvGrpSpPr>
-      <p:grpSpPr>
+      <p:grpSpPr bwMode="auto">
         <a:xfrm>
           <a:off x="0" y="0"/>
           <a:ext cx="0" cy="0"/>
@@ -3294,14 +3497,12 @@
         </p:nvPicPr>
         <p:blipFill>
           <a:blip r:embed="rId2"/>
-          <a:stretch>
-            <a:fillRect/>
-          </a:stretch>
+          <a:stretch/>
         </p:blipFill>
-        <p:spPr>
+        <p:spPr bwMode="auto">
           <a:xfrm>
             <a:off x="28575" y="781050"/>
-            <a:ext cx="12134850" cy="5295900"/>
+            <a:ext cx="12134850" cy="5295899"/>
           </a:xfrm>
           <a:prstGeom prst="rect">
             <a:avLst/>
@@ -3309,31 +3510,35 @@
         </p:spPr>
       </p:pic>
     </p:spTree>
-    <p:extLst>
-      <p:ext uri="{BB962C8B-B14F-4D97-AF65-F5344CB8AC3E}">
-        <p14:creationId xmlns:p14="http://schemas.microsoft.com/office/powerpoint/2010/main" val="3246450564"/>
-      </p:ext>
-    </p:extLst>
   </p:cSld>
   <p:clrMapOvr>
     <a:masterClrMapping/>
   </p:clrMapOvr>
-  <p:transition spd="slow">
-    <p:cover/>
-  </p:transition>
+  <mc:AlternateContent xmlns:mc="http://schemas.openxmlformats.org/markup-compatibility/2006">
+    <mc:Choice xmlns:p14="http://schemas.microsoft.com/office/powerpoint/2010/main" Requires="p14">
+      <p:transition spd="med" p14:dur="750" advClick="1">
+        <p:cover dir="l"/>
+      </p:transition>
+    </mc:Choice>
+    <mc:Fallback>
+      <p:transition spd="med" advClick="1">
+        <p:cover dir="l"/>
+      </p:transition>
+    </mc:Fallback>
+  </mc:AlternateContent>
 </p:sld>
 </file>
 
 <file path=ppt/slides/slide12.xml><?xml version="1.0" encoding="utf-8"?>
-<p:sld xmlns:a="http://schemas.openxmlformats.org/drawingml/2006/main" xmlns:r="http://schemas.openxmlformats.org/officeDocument/2006/relationships" xmlns:p="http://schemas.openxmlformats.org/presentationml/2006/main">
-  <p:cSld>
+<p:sld xmlns:a="http://schemas.openxmlformats.org/drawingml/2006/main" xmlns:r="http://schemas.openxmlformats.org/officeDocument/2006/relationships" xmlns:p="http://schemas.openxmlformats.org/presentationml/2006/main" xmlns:m="http://schemas.openxmlformats.org/officeDocument/2006/math" xmlns:w="http://schemas.openxmlformats.org/wordprocessingml/2006/main" showMasterPhAnim="0" show="1">
+  <p:cSld name="">
     <p:spTree>
       <p:nvGrpSpPr>
         <p:cNvPr id="1" name=""/>
         <p:cNvGrpSpPr/>
         <p:nvPr/>
       </p:nvGrpSpPr>
-      <p:grpSpPr>
+      <p:grpSpPr bwMode="auto">
         <a:xfrm>
           <a:off x="0" y="0"/>
           <a:ext cx="0" cy="0"/>
@@ -3351,11 +3556,9 @@
         </p:nvPicPr>
         <p:blipFill>
           <a:blip r:embed="rId2"/>
-          <a:stretch>
-            <a:fillRect/>
-          </a:stretch>
+          <a:stretch/>
         </p:blipFill>
-        <p:spPr>
+        <p:spPr bwMode="auto">
           <a:xfrm>
             <a:off x="47625" y="747712"/>
             <a:ext cx="12096750" cy="5362575"/>
@@ -3366,31 +3569,35 @@
         </p:spPr>
       </p:pic>
     </p:spTree>
-    <p:extLst>
-      <p:ext uri="{BB962C8B-B14F-4D97-AF65-F5344CB8AC3E}">
-        <p14:creationId xmlns:p14="http://schemas.microsoft.com/office/powerpoint/2010/main" val="2180530189"/>
-      </p:ext>
-    </p:extLst>
   </p:cSld>
   <p:clrMapOvr>
     <a:masterClrMapping/>
   </p:clrMapOvr>
-  <p:transition spd="slow">
-    <p:cover/>
-  </p:transition>
+  <mc:AlternateContent xmlns:mc="http://schemas.openxmlformats.org/markup-compatibility/2006">
+    <mc:Choice xmlns:p14="http://schemas.microsoft.com/office/powerpoint/2010/main" Requires="p14">
+      <p:transition spd="med" p14:dur="750" advClick="1">
+        <p:cover dir="l"/>
+      </p:transition>
+    </mc:Choice>
+    <mc:Fallback>
+      <p:transition spd="med" advClick="1">
+        <p:cover dir="l"/>
+      </p:transition>
+    </mc:Fallback>
+  </mc:AlternateContent>
 </p:sld>
 </file>
 
 <file path=ppt/slides/slide13.xml><?xml version="1.0" encoding="utf-8"?>
-<p:sld xmlns:a="http://schemas.openxmlformats.org/drawingml/2006/main" xmlns:r="http://schemas.openxmlformats.org/officeDocument/2006/relationships" xmlns:p="http://schemas.openxmlformats.org/presentationml/2006/main">
-  <p:cSld>
+<p:sld xmlns:a="http://schemas.openxmlformats.org/drawingml/2006/main" xmlns:r="http://schemas.openxmlformats.org/officeDocument/2006/relationships" xmlns:p="http://schemas.openxmlformats.org/presentationml/2006/main" xmlns:m="http://schemas.openxmlformats.org/officeDocument/2006/math" xmlns:w="http://schemas.openxmlformats.org/wordprocessingml/2006/main" showMasterPhAnim="0" show="1">
+  <p:cSld name="">
     <p:spTree>
       <p:nvGrpSpPr>
         <p:cNvPr id="1" name=""/>
         <p:cNvGrpSpPr/>
         <p:nvPr/>
       </p:nvGrpSpPr>
-      <p:grpSpPr>
+      <p:grpSpPr bwMode="auto">
         <a:xfrm>
           <a:off x="0" y="0"/>
           <a:ext cx="0" cy="0"/>
@@ -3408,11 +3615,9 @@
         </p:nvPicPr>
         <p:blipFill>
           <a:blip r:embed="rId2"/>
-          <a:stretch>
-            <a:fillRect/>
-          </a:stretch>
+          <a:stretch/>
         </p:blipFill>
-        <p:spPr>
+        <p:spPr bwMode="auto">
           <a:xfrm>
             <a:off x="38100" y="752475"/>
             <a:ext cx="12115800" cy="5353050"/>
@@ -3423,31 +3628,35 @@
         </p:spPr>
       </p:pic>
     </p:spTree>
-    <p:extLst>
-      <p:ext uri="{BB962C8B-B14F-4D97-AF65-F5344CB8AC3E}">
-        <p14:creationId xmlns:p14="http://schemas.microsoft.com/office/powerpoint/2010/main" val="324320891"/>
-      </p:ext>
-    </p:extLst>
   </p:cSld>
   <p:clrMapOvr>
     <a:masterClrMapping/>
   </p:clrMapOvr>
-  <p:transition spd="slow">
-    <p:cover/>
-  </p:transition>
+  <mc:AlternateContent xmlns:mc="http://schemas.openxmlformats.org/markup-compatibility/2006">
+    <mc:Choice xmlns:p14="http://schemas.microsoft.com/office/powerpoint/2010/main" Requires="p14">
+      <p:transition spd="med" p14:dur="750" advClick="1">
+        <p:cover dir="l"/>
+      </p:transition>
+    </mc:Choice>
+    <mc:Fallback>
+      <p:transition spd="med" advClick="1">
+        <p:cover dir="l"/>
+      </p:transition>
+    </mc:Fallback>
+  </mc:AlternateContent>
 </p:sld>
 </file>
 
 <file path=ppt/slides/slide14.xml><?xml version="1.0" encoding="utf-8"?>
-<p:sld xmlns:a="http://schemas.openxmlformats.org/drawingml/2006/main" xmlns:r="http://schemas.openxmlformats.org/officeDocument/2006/relationships" xmlns:p="http://schemas.openxmlformats.org/presentationml/2006/main">
-  <p:cSld>
+<p:sld xmlns:a="http://schemas.openxmlformats.org/drawingml/2006/main" xmlns:r="http://schemas.openxmlformats.org/officeDocument/2006/relationships" xmlns:p="http://schemas.openxmlformats.org/presentationml/2006/main" xmlns:m="http://schemas.openxmlformats.org/officeDocument/2006/math" xmlns:w="http://schemas.openxmlformats.org/wordprocessingml/2006/main" showMasterPhAnim="0" show="1">
+  <p:cSld name="">
     <p:spTree>
       <p:nvGrpSpPr>
         <p:cNvPr id="1" name=""/>
         <p:cNvGrpSpPr/>
         <p:nvPr/>
       </p:nvGrpSpPr>
-      <p:grpSpPr>
+      <p:grpSpPr bwMode="auto">
         <a:xfrm>
           <a:off x="0" y="0"/>
           <a:ext cx="0" cy="0"/>
@@ -3465,11 +3674,9 @@
         </p:nvPicPr>
         <p:blipFill>
           <a:blip r:embed="rId2"/>
-          <a:stretch>
-            <a:fillRect/>
-          </a:stretch>
+          <a:stretch/>
         </p:blipFill>
-        <p:spPr>
+        <p:spPr bwMode="auto">
           <a:xfrm>
             <a:off x="33337" y="728662"/>
             <a:ext cx="12125325" cy="5400675"/>
@@ -3480,31 +3687,35 @@
         </p:spPr>
       </p:pic>
     </p:spTree>
-    <p:extLst>
-      <p:ext uri="{BB962C8B-B14F-4D97-AF65-F5344CB8AC3E}">
-        <p14:creationId xmlns:p14="http://schemas.microsoft.com/office/powerpoint/2010/main" val="4044047522"/>
-      </p:ext>
-    </p:extLst>
   </p:cSld>
   <p:clrMapOvr>
     <a:masterClrMapping/>
   </p:clrMapOvr>
-  <p:transition spd="slow">
-    <p:cover/>
-  </p:transition>
+  <mc:AlternateContent xmlns:mc="http://schemas.openxmlformats.org/markup-compatibility/2006">
+    <mc:Choice xmlns:p14="http://schemas.microsoft.com/office/powerpoint/2010/main" Requires="p14">
+      <p:transition spd="med" p14:dur="750" advClick="1">
+        <p:cover dir="l"/>
+      </p:transition>
+    </mc:Choice>
+    <mc:Fallback>
+      <p:transition spd="med" advClick="1">
+        <p:cover dir="l"/>
+      </p:transition>
+    </mc:Fallback>
+  </mc:AlternateContent>
 </p:sld>
 </file>
 
 <file path=ppt/slides/slide15.xml><?xml version="1.0" encoding="utf-8"?>
-<p:sld xmlns:a="http://schemas.openxmlformats.org/drawingml/2006/main" xmlns:r="http://schemas.openxmlformats.org/officeDocument/2006/relationships" xmlns:p="http://schemas.openxmlformats.org/presentationml/2006/main">
-  <p:cSld>
+<p:sld xmlns:a="http://schemas.openxmlformats.org/drawingml/2006/main" xmlns:r="http://schemas.openxmlformats.org/officeDocument/2006/relationships" xmlns:p="http://schemas.openxmlformats.org/presentationml/2006/main" xmlns:m="http://schemas.openxmlformats.org/officeDocument/2006/math" xmlns:w="http://schemas.openxmlformats.org/wordprocessingml/2006/main" showMasterPhAnim="0" show="1">
+  <p:cSld name="">
     <p:spTree>
       <p:nvGrpSpPr>
         <p:cNvPr id="1" name=""/>
         <p:cNvGrpSpPr/>
         <p:nvPr/>
       </p:nvGrpSpPr>
-      <p:grpSpPr>
+      <p:grpSpPr bwMode="auto">
         <a:xfrm>
           <a:off x="0" y="0"/>
           <a:ext cx="0" cy="0"/>
@@ -3522,14 +3733,12 @@
         </p:nvPicPr>
         <p:blipFill>
           <a:blip r:embed="rId2"/>
-          <a:stretch>
-            <a:fillRect/>
-          </a:stretch>
+          <a:stretch/>
         </p:blipFill>
-        <p:spPr>
+        <p:spPr bwMode="auto">
           <a:xfrm>
             <a:off x="85725" y="747712"/>
-            <a:ext cx="12020550" cy="5362575"/>
+            <a:ext cx="12020549" cy="5362575"/>
           </a:xfrm>
           <a:prstGeom prst="rect">
             <a:avLst/>
@@ -3537,31 +3746,35 @@
         </p:spPr>
       </p:pic>
     </p:spTree>
-    <p:extLst>
-      <p:ext uri="{BB962C8B-B14F-4D97-AF65-F5344CB8AC3E}">
-        <p14:creationId xmlns:p14="http://schemas.microsoft.com/office/powerpoint/2010/main" val="3527746455"/>
-      </p:ext>
-    </p:extLst>
   </p:cSld>
   <p:clrMapOvr>
     <a:masterClrMapping/>
   </p:clrMapOvr>
-  <p:transition spd="slow">
-    <p:cover/>
-  </p:transition>
+  <mc:AlternateContent xmlns:mc="http://schemas.openxmlformats.org/markup-compatibility/2006">
+    <mc:Choice xmlns:p14="http://schemas.microsoft.com/office/powerpoint/2010/main" Requires="p14">
+      <p:transition spd="med" p14:dur="750" advClick="1">
+        <p:cover dir="l"/>
+      </p:transition>
+    </mc:Choice>
+    <mc:Fallback>
+      <p:transition spd="med" advClick="1">
+        <p:cover dir="l"/>
+      </p:transition>
+    </mc:Fallback>
+  </mc:AlternateContent>
 </p:sld>
 </file>
 
 <file path=ppt/slides/slide16.xml><?xml version="1.0" encoding="utf-8"?>
-<p:sld xmlns:a="http://schemas.openxmlformats.org/drawingml/2006/main" xmlns:r="http://schemas.openxmlformats.org/officeDocument/2006/relationships" xmlns:p="http://schemas.openxmlformats.org/presentationml/2006/main">
-  <p:cSld>
+<p:sld xmlns:a="http://schemas.openxmlformats.org/drawingml/2006/main" xmlns:r="http://schemas.openxmlformats.org/officeDocument/2006/relationships" xmlns:p="http://schemas.openxmlformats.org/presentationml/2006/main" xmlns:m="http://schemas.openxmlformats.org/officeDocument/2006/math" xmlns:w="http://schemas.openxmlformats.org/wordprocessingml/2006/main" showMasterPhAnim="0" show="1">
+  <p:cSld name="">
     <p:spTree>
       <p:nvGrpSpPr>
         <p:cNvPr id="1" name=""/>
         <p:cNvGrpSpPr/>
         <p:nvPr/>
       </p:nvGrpSpPr>
-      <p:grpSpPr>
+      <p:grpSpPr bwMode="auto">
         <a:xfrm>
           <a:off x="0" y="0"/>
           <a:ext cx="0" cy="0"/>
@@ -3579,14 +3792,12 @@
         </p:nvPicPr>
         <p:blipFill>
           <a:blip r:embed="rId2"/>
-          <a:stretch>
-            <a:fillRect/>
-          </a:stretch>
+          <a:stretch/>
         </p:blipFill>
-        <p:spPr>
+        <p:spPr bwMode="auto">
           <a:xfrm>
             <a:off x="71437" y="709612"/>
-            <a:ext cx="12049125" cy="5438775"/>
+            <a:ext cx="12049125" cy="5438774"/>
           </a:xfrm>
           <a:prstGeom prst="rect">
             <a:avLst/>
@@ -3594,31 +3805,35 @@
         </p:spPr>
       </p:pic>
     </p:spTree>
-    <p:extLst>
-      <p:ext uri="{BB962C8B-B14F-4D97-AF65-F5344CB8AC3E}">
-        <p14:creationId xmlns:p14="http://schemas.microsoft.com/office/powerpoint/2010/main" val="1998081263"/>
-      </p:ext>
-    </p:extLst>
   </p:cSld>
   <p:clrMapOvr>
     <a:masterClrMapping/>
   </p:clrMapOvr>
-  <p:transition spd="slow">
-    <p:cover/>
-  </p:transition>
+  <mc:AlternateContent xmlns:mc="http://schemas.openxmlformats.org/markup-compatibility/2006">
+    <mc:Choice xmlns:p14="http://schemas.microsoft.com/office/powerpoint/2010/main" Requires="p14">
+      <p:transition spd="med" p14:dur="750" advClick="1">
+        <p:cover dir="l"/>
+      </p:transition>
+    </mc:Choice>
+    <mc:Fallback>
+      <p:transition spd="med" advClick="1">
+        <p:cover dir="l"/>
+      </p:transition>
+    </mc:Fallback>
+  </mc:AlternateContent>
 </p:sld>
 </file>
 
 <file path=ppt/slides/slide17.xml><?xml version="1.0" encoding="utf-8"?>
-<p:sld xmlns:a="http://schemas.openxmlformats.org/drawingml/2006/main" xmlns:r="http://schemas.openxmlformats.org/officeDocument/2006/relationships" xmlns:p="http://schemas.openxmlformats.org/presentationml/2006/main">
-  <p:cSld>
+<p:sld xmlns:a="http://schemas.openxmlformats.org/drawingml/2006/main" xmlns:r="http://schemas.openxmlformats.org/officeDocument/2006/relationships" xmlns:p="http://schemas.openxmlformats.org/presentationml/2006/main" xmlns:m="http://schemas.openxmlformats.org/officeDocument/2006/math" xmlns:w="http://schemas.openxmlformats.org/wordprocessingml/2006/main" showMasterPhAnim="0" show="1">
+  <p:cSld name="">
     <p:spTree>
       <p:nvGrpSpPr>
         <p:cNvPr id="1" name=""/>
         <p:cNvGrpSpPr/>
         <p:nvPr/>
       </p:nvGrpSpPr>
-      <p:grpSpPr>
+      <p:grpSpPr bwMode="auto">
         <a:xfrm>
           <a:off x="0" y="0"/>
           <a:ext cx="0" cy="0"/>
@@ -3636,11 +3851,9 @@
         </p:nvPicPr>
         <p:blipFill>
           <a:blip r:embed="rId2"/>
-          <a:stretch>
-            <a:fillRect/>
-          </a:stretch>
+          <a:stretch/>
         </p:blipFill>
-        <p:spPr>
+        <p:spPr bwMode="auto">
           <a:xfrm>
             <a:off x="71437" y="714375"/>
             <a:ext cx="12049125" cy="5429250"/>
@@ -3651,31 +3864,35 @@
         </p:spPr>
       </p:pic>
     </p:spTree>
-    <p:extLst>
-      <p:ext uri="{BB962C8B-B14F-4D97-AF65-F5344CB8AC3E}">
-        <p14:creationId xmlns:p14="http://schemas.microsoft.com/office/powerpoint/2010/main" val="1896038848"/>
-      </p:ext>
-    </p:extLst>
   </p:cSld>
   <p:clrMapOvr>
     <a:masterClrMapping/>
   </p:clrMapOvr>
-  <p:transition spd="slow">
-    <p:cover/>
-  </p:transition>
+  <mc:AlternateContent xmlns:mc="http://schemas.openxmlformats.org/markup-compatibility/2006">
+    <mc:Choice xmlns:p14="http://schemas.microsoft.com/office/powerpoint/2010/main" Requires="p14">
+      <p:transition spd="med" p14:dur="750" advClick="1">
+        <p:cover dir="l"/>
+      </p:transition>
+    </mc:Choice>
+    <mc:Fallback>
+      <p:transition spd="med" advClick="1">
+        <p:cover dir="l"/>
+      </p:transition>
+    </mc:Fallback>
+  </mc:AlternateContent>
 </p:sld>
 </file>
 
 <file path=ppt/slides/slide18.xml><?xml version="1.0" encoding="utf-8"?>
-<p:sld xmlns:a="http://schemas.openxmlformats.org/drawingml/2006/main" xmlns:r="http://schemas.openxmlformats.org/officeDocument/2006/relationships" xmlns:p="http://schemas.openxmlformats.org/presentationml/2006/main">
-  <p:cSld>
+<p:sld xmlns:a="http://schemas.openxmlformats.org/drawingml/2006/main" xmlns:r="http://schemas.openxmlformats.org/officeDocument/2006/relationships" xmlns:p="http://schemas.openxmlformats.org/presentationml/2006/main" xmlns:m="http://schemas.openxmlformats.org/officeDocument/2006/math" xmlns:w="http://schemas.openxmlformats.org/wordprocessingml/2006/main" showMasterPhAnim="0" show="1">
+  <p:cSld name="">
     <p:spTree>
       <p:nvGrpSpPr>
         <p:cNvPr id="1" name=""/>
         <p:cNvGrpSpPr/>
         <p:nvPr/>
       </p:nvGrpSpPr>
-      <p:grpSpPr>
+      <p:grpSpPr bwMode="auto">
         <a:xfrm>
           <a:off x="0" y="0"/>
           <a:ext cx="0" cy="0"/>
@@ -3693,11 +3910,9 @@
         </p:nvPicPr>
         <p:blipFill>
           <a:blip r:embed="rId2"/>
-          <a:stretch>
-            <a:fillRect/>
-          </a:stretch>
+          <a:stretch/>
         </p:blipFill>
-        <p:spPr>
+        <p:spPr bwMode="auto">
           <a:xfrm>
             <a:off x="19050" y="690562"/>
             <a:ext cx="12153900" cy="5476875"/>
@@ -3708,31 +3923,35 @@
         </p:spPr>
       </p:pic>
     </p:spTree>
-    <p:extLst>
-      <p:ext uri="{BB962C8B-B14F-4D97-AF65-F5344CB8AC3E}">
-        <p14:creationId xmlns:p14="http://schemas.microsoft.com/office/powerpoint/2010/main" val="980770023"/>
-      </p:ext>
-    </p:extLst>
   </p:cSld>
   <p:clrMapOvr>
     <a:masterClrMapping/>
   </p:clrMapOvr>
-  <p:transition spd="slow">
-    <p:cover/>
-  </p:transition>
+  <mc:AlternateContent xmlns:mc="http://schemas.openxmlformats.org/markup-compatibility/2006">
+    <mc:Choice xmlns:p14="http://schemas.microsoft.com/office/powerpoint/2010/main" Requires="p14">
+      <p:transition spd="med" p14:dur="750" advClick="1">
+        <p:cover dir="l"/>
+      </p:transition>
+    </mc:Choice>
+    <mc:Fallback>
+      <p:transition spd="med" advClick="1">
+        <p:cover dir="l"/>
+      </p:transition>
+    </mc:Fallback>
+  </mc:AlternateContent>
 </p:sld>
 </file>
 
 <file path=ppt/slides/slide19.xml><?xml version="1.0" encoding="utf-8"?>
-<p:sld xmlns:a="http://schemas.openxmlformats.org/drawingml/2006/main" xmlns:r="http://schemas.openxmlformats.org/officeDocument/2006/relationships" xmlns:p="http://schemas.openxmlformats.org/presentationml/2006/main">
-  <p:cSld>
+<p:sld xmlns:a="http://schemas.openxmlformats.org/drawingml/2006/main" xmlns:r="http://schemas.openxmlformats.org/officeDocument/2006/relationships" xmlns:p="http://schemas.openxmlformats.org/presentationml/2006/main" xmlns:m="http://schemas.openxmlformats.org/officeDocument/2006/math" xmlns:w="http://schemas.openxmlformats.org/wordprocessingml/2006/main" showMasterPhAnim="0" show="1">
+  <p:cSld name="">
     <p:spTree>
       <p:nvGrpSpPr>
         <p:cNvPr id="1" name=""/>
         <p:cNvGrpSpPr/>
         <p:nvPr/>
       </p:nvGrpSpPr>
-      <p:grpSpPr>
+      <p:grpSpPr bwMode="auto">
         <a:xfrm>
           <a:off x="0" y="0"/>
           <a:ext cx="0" cy="0"/>
@@ -3750,11 +3969,9 @@
         </p:nvPicPr>
         <p:blipFill>
           <a:blip r:embed="rId2"/>
-          <a:stretch>
-            <a:fillRect/>
-          </a:stretch>
+          <a:stretch/>
         </p:blipFill>
-        <p:spPr>
+        <p:spPr bwMode="auto">
           <a:xfrm>
             <a:off x="57150" y="728662"/>
             <a:ext cx="12077700" cy="5400675"/>
@@ -3765,31 +3982,35 @@
         </p:spPr>
       </p:pic>
     </p:spTree>
-    <p:extLst>
-      <p:ext uri="{BB962C8B-B14F-4D97-AF65-F5344CB8AC3E}">
-        <p14:creationId xmlns:p14="http://schemas.microsoft.com/office/powerpoint/2010/main" val="4264417056"/>
-      </p:ext>
-    </p:extLst>
   </p:cSld>
   <p:clrMapOvr>
     <a:masterClrMapping/>
   </p:clrMapOvr>
-  <p:transition spd="slow">
-    <p:cover/>
-  </p:transition>
+  <mc:AlternateContent xmlns:mc="http://schemas.openxmlformats.org/markup-compatibility/2006">
+    <mc:Choice xmlns:p14="http://schemas.microsoft.com/office/powerpoint/2010/main" Requires="p14">
+      <p:transition spd="med" p14:dur="750" advClick="1">
+        <p:cover dir="l"/>
+      </p:transition>
+    </mc:Choice>
+    <mc:Fallback>
+      <p:transition spd="med" advClick="1">
+        <p:cover dir="l"/>
+      </p:transition>
+    </mc:Fallback>
+  </mc:AlternateContent>
 </p:sld>
 </file>
 
 <file path=ppt/slides/slide2.xml><?xml version="1.0" encoding="utf-8"?>
-<p:sld xmlns:a="http://schemas.openxmlformats.org/drawingml/2006/main" xmlns:r="http://schemas.openxmlformats.org/officeDocument/2006/relationships" xmlns:p="http://schemas.openxmlformats.org/presentationml/2006/main">
-  <p:cSld>
+<p:sld xmlns:a="http://schemas.openxmlformats.org/drawingml/2006/main" xmlns:r="http://schemas.openxmlformats.org/officeDocument/2006/relationships" xmlns:p="http://schemas.openxmlformats.org/presentationml/2006/main" xmlns:m="http://schemas.openxmlformats.org/officeDocument/2006/math" xmlns:w="http://schemas.openxmlformats.org/wordprocessingml/2006/main" showMasterPhAnim="0" show="1">
+  <p:cSld name="">
     <p:spTree>
       <p:nvGrpSpPr>
         <p:cNvPr id="1" name=""/>
         <p:cNvGrpSpPr/>
         <p:nvPr/>
       </p:nvGrpSpPr>
-      <p:grpSpPr>
+      <p:grpSpPr bwMode="auto">
         <a:xfrm>
           <a:off x="0" y="0"/>
           <a:ext cx="0" cy="0"/>
@@ -3807,11 +4028,9 @@
         </p:nvPicPr>
         <p:blipFill>
           <a:blip r:embed="rId2"/>
-          <a:stretch>
-            <a:fillRect/>
-          </a:stretch>
+          <a:stretch/>
         </p:blipFill>
-        <p:spPr>
+        <p:spPr bwMode="auto">
           <a:xfrm>
             <a:off x="42862" y="704850"/>
             <a:ext cx="12106275" cy="5448300"/>
@@ -3822,18 +4041,22 @@
         </p:spPr>
       </p:pic>
     </p:spTree>
-    <p:extLst>
-      <p:ext uri="{BB962C8B-B14F-4D97-AF65-F5344CB8AC3E}">
-        <p14:creationId xmlns:p14="http://schemas.microsoft.com/office/powerpoint/2010/main" val="2062786151"/>
-      </p:ext>
-    </p:extLst>
   </p:cSld>
   <p:clrMapOvr>
     <a:masterClrMapping/>
   </p:clrMapOvr>
-  <p:transition spd="slow">
-    <p:cover/>
-  </p:transition>
+  <mc:AlternateContent xmlns:mc="http://schemas.openxmlformats.org/markup-compatibility/2006">
+    <mc:Choice xmlns:p14="http://schemas.microsoft.com/office/powerpoint/2010/main" Requires="p14">
+      <p:transition spd="med" p14:dur="750" advClick="1">
+        <p:cover dir="l"/>
+      </p:transition>
+    </mc:Choice>
+    <mc:Fallback>
+      <p:transition spd="med" advClick="1">
+        <p:cover dir="l"/>
+      </p:transition>
+    </mc:Fallback>
+  </mc:AlternateContent>
   <p:timing>
     <p:tnLst>
       <p:par>
@@ -3845,15 +4068,15 @@
 </file>
 
 <file path=ppt/slides/slide20.xml><?xml version="1.0" encoding="utf-8"?>
-<p:sld xmlns:a="http://schemas.openxmlformats.org/drawingml/2006/main" xmlns:r="http://schemas.openxmlformats.org/officeDocument/2006/relationships" xmlns:p="http://schemas.openxmlformats.org/presentationml/2006/main">
-  <p:cSld>
+<p:sld xmlns:a="http://schemas.openxmlformats.org/drawingml/2006/main" xmlns:r="http://schemas.openxmlformats.org/officeDocument/2006/relationships" xmlns:p="http://schemas.openxmlformats.org/presentationml/2006/main" xmlns:m="http://schemas.openxmlformats.org/officeDocument/2006/math" xmlns:w="http://schemas.openxmlformats.org/wordprocessingml/2006/main" showMasterPhAnim="0" show="1">
+  <p:cSld name="">
     <p:spTree>
       <p:nvGrpSpPr>
         <p:cNvPr id="1" name=""/>
         <p:cNvGrpSpPr/>
         <p:nvPr/>
       </p:nvGrpSpPr>
-      <p:grpSpPr>
+      <p:grpSpPr bwMode="auto">
         <a:xfrm>
           <a:off x="0" y="0"/>
           <a:ext cx="0" cy="0"/>
@@ -3871,11 +4094,9 @@
         </p:nvPicPr>
         <p:blipFill>
           <a:blip r:embed="rId2"/>
-          <a:stretch>
-            <a:fillRect/>
-          </a:stretch>
+          <a:stretch/>
         </p:blipFill>
-        <p:spPr>
+        <p:spPr bwMode="auto">
           <a:xfrm>
             <a:off x="66675" y="657225"/>
             <a:ext cx="12058650" cy="5543550"/>
@@ -3886,31 +4107,35 @@
         </p:spPr>
       </p:pic>
     </p:spTree>
-    <p:extLst>
-      <p:ext uri="{BB962C8B-B14F-4D97-AF65-F5344CB8AC3E}">
-        <p14:creationId xmlns:p14="http://schemas.microsoft.com/office/powerpoint/2010/main" val="1818176900"/>
-      </p:ext>
-    </p:extLst>
   </p:cSld>
   <p:clrMapOvr>
     <a:masterClrMapping/>
   </p:clrMapOvr>
-  <p:transition spd="slow">
-    <p:cover/>
-  </p:transition>
+  <mc:AlternateContent xmlns:mc="http://schemas.openxmlformats.org/markup-compatibility/2006">
+    <mc:Choice xmlns:p14="http://schemas.microsoft.com/office/powerpoint/2010/main" Requires="p14">
+      <p:transition spd="med" p14:dur="750" advClick="1">
+        <p:cover dir="l"/>
+      </p:transition>
+    </mc:Choice>
+    <mc:Fallback>
+      <p:transition spd="med" advClick="1">
+        <p:cover dir="l"/>
+      </p:transition>
+    </mc:Fallback>
+  </mc:AlternateContent>
 </p:sld>
 </file>
 
 <file path=ppt/slides/slide21.xml><?xml version="1.0" encoding="utf-8"?>
-<p:sld xmlns:a="http://schemas.openxmlformats.org/drawingml/2006/main" xmlns:r="http://schemas.openxmlformats.org/officeDocument/2006/relationships" xmlns:p="http://schemas.openxmlformats.org/presentationml/2006/main">
-  <p:cSld>
+<p:sld xmlns:a="http://schemas.openxmlformats.org/drawingml/2006/main" xmlns:r="http://schemas.openxmlformats.org/officeDocument/2006/relationships" xmlns:p="http://schemas.openxmlformats.org/presentationml/2006/main" xmlns:m="http://schemas.openxmlformats.org/officeDocument/2006/math" xmlns:w="http://schemas.openxmlformats.org/wordprocessingml/2006/main" showMasterPhAnim="0" show="1">
+  <p:cSld name="">
     <p:spTree>
       <p:nvGrpSpPr>
         <p:cNvPr id="1" name=""/>
         <p:cNvGrpSpPr/>
         <p:nvPr/>
       </p:nvGrpSpPr>
-      <p:grpSpPr>
+      <p:grpSpPr bwMode="auto">
         <a:xfrm>
           <a:off x="0" y="0"/>
           <a:ext cx="0" cy="0"/>
@@ -3928,11 +4153,9 @@
         </p:nvPicPr>
         <p:blipFill>
           <a:blip r:embed="rId2"/>
-          <a:stretch>
-            <a:fillRect/>
-          </a:stretch>
+          <a:stretch/>
         </p:blipFill>
-        <p:spPr>
+        <p:spPr bwMode="auto">
           <a:xfrm>
             <a:off x="71437" y="676275"/>
             <a:ext cx="12049125" cy="5505450"/>
@@ -3943,31 +4166,35 @@
         </p:spPr>
       </p:pic>
     </p:spTree>
-    <p:extLst>
-      <p:ext uri="{BB962C8B-B14F-4D97-AF65-F5344CB8AC3E}">
-        <p14:creationId xmlns:p14="http://schemas.microsoft.com/office/powerpoint/2010/main" val="3165852243"/>
-      </p:ext>
-    </p:extLst>
   </p:cSld>
   <p:clrMapOvr>
     <a:masterClrMapping/>
   </p:clrMapOvr>
-  <p:transition spd="slow">
-    <p:cover/>
-  </p:transition>
+  <mc:AlternateContent xmlns:mc="http://schemas.openxmlformats.org/markup-compatibility/2006">
+    <mc:Choice xmlns:p14="http://schemas.microsoft.com/office/powerpoint/2010/main" Requires="p14">
+      <p:transition spd="med" p14:dur="750" advClick="1">
+        <p:cover dir="l"/>
+      </p:transition>
+    </mc:Choice>
+    <mc:Fallback>
+      <p:transition spd="med" advClick="1">
+        <p:cover dir="l"/>
+      </p:transition>
+    </mc:Fallback>
+  </mc:AlternateContent>
 </p:sld>
 </file>
 
 <file path=ppt/slides/slide22.xml><?xml version="1.0" encoding="utf-8"?>
-<p:sld xmlns:a="http://schemas.openxmlformats.org/drawingml/2006/main" xmlns:r="http://schemas.openxmlformats.org/officeDocument/2006/relationships" xmlns:p="http://schemas.openxmlformats.org/presentationml/2006/main">
-  <p:cSld>
+<p:sld xmlns:a="http://schemas.openxmlformats.org/drawingml/2006/main" xmlns:r="http://schemas.openxmlformats.org/officeDocument/2006/relationships" xmlns:p="http://schemas.openxmlformats.org/presentationml/2006/main" xmlns:m="http://schemas.openxmlformats.org/officeDocument/2006/math" xmlns:w="http://schemas.openxmlformats.org/wordprocessingml/2006/main" showMasterPhAnim="0" show="1">
+  <p:cSld name="">
     <p:spTree>
       <p:nvGrpSpPr>
         <p:cNvPr id="1" name=""/>
         <p:cNvGrpSpPr/>
         <p:nvPr/>
       </p:nvGrpSpPr>
-      <p:grpSpPr>
+      <p:grpSpPr bwMode="auto">
         <a:xfrm>
           <a:off x="0" y="0"/>
           <a:ext cx="0" cy="0"/>
@@ -3985,11 +4212,9 @@
         </p:nvPicPr>
         <p:blipFill>
           <a:blip r:embed="rId2"/>
-          <a:stretch>
-            <a:fillRect/>
-          </a:stretch>
+          <a:stretch/>
         </p:blipFill>
-        <p:spPr>
+        <p:spPr bwMode="auto">
           <a:xfrm>
             <a:off x="61912" y="676275"/>
             <a:ext cx="12068175" cy="5505450"/>
@@ -4000,31 +4225,35 @@
         </p:spPr>
       </p:pic>
     </p:spTree>
-    <p:extLst>
-      <p:ext uri="{BB962C8B-B14F-4D97-AF65-F5344CB8AC3E}">
-        <p14:creationId xmlns:p14="http://schemas.microsoft.com/office/powerpoint/2010/main" val="3797929873"/>
-      </p:ext>
-    </p:extLst>
   </p:cSld>
   <p:clrMapOvr>
     <a:masterClrMapping/>
   </p:clrMapOvr>
-  <p:transition spd="slow">
-    <p:cover/>
-  </p:transition>
+  <mc:AlternateContent xmlns:mc="http://schemas.openxmlformats.org/markup-compatibility/2006">
+    <mc:Choice xmlns:p14="http://schemas.microsoft.com/office/powerpoint/2010/main" Requires="p14">
+      <p:transition spd="med" p14:dur="750" advClick="1">
+        <p:cover dir="l"/>
+      </p:transition>
+    </mc:Choice>
+    <mc:Fallback>
+      <p:transition spd="med" advClick="1">
+        <p:cover dir="l"/>
+      </p:transition>
+    </mc:Fallback>
+  </mc:AlternateContent>
 </p:sld>
 </file>
 
 <file path=ppt/slides/slide23.xml><?xml version="1.0" encoding="utf-8"?>
-<p:sld xmlns:a="http://schemas.openxmlformats.org/drawingml/2006/main" xmlns:r="http://schemas.openxmlformats.org/officeDocument/2006/relationships" xmlns:p="http://schemas.openxmlformats.org/presentationml/2006/main">
-  <p:cSld>
+<p:sld xmlns:a="http://schemas.openxmlformats.org/drawingml/2006/main" xmlns:r="http://schemas.openxmlformats.org/officeDocument/2006/relationships" xmlns:p="http://schemas.openxmlformats.org/presentationml/2006/main" xmlns:m="http://schemas.openxmlformats.org/officeDocument/2006/math" xmlns:w="http://schemas.openxmlformats.org/wordprocessingml/2006/main" showMasterPhAnim="0" show="1">
+  <p:cSld name="">
     <p:spTree>
       <p:nvGrpSpPr>
         <p:cNvPr id="1" name=""/>
         <p:cNvGrpSpPr/>
         <p:nvPr/>
       </p:nvGrpSpPr>
-      <p:grpSpPr>
+      <p:grpSpPr bwMode="auto">
         <a:xfrm>
           <a:off x="0" y="0"/>
           <a:ext cx="0" cy="0"/>
@@ -4042,11 +4271,9 @@
         </p:nvPicPr>
         <p:blipFill>
           <a:blip r:embed="rId2"/>
-          <a:stretch>
-            <a:fillRect/>
-          </a:stretch>
+          <a:stretch/>
         </p:blipFill>
-        <p:spPr>
+        <p:spPr bwMode="auto">
           <a:xfrm>
             <a:off x="42862" y="676275"/>
             <a:ext cx="12106275" cy="5505450"/>
@@ -4057,31 +4284,35 @@
         </p:spPr>
       </p:pic>
     </p:spTree>
-    <p:extLst>
-      <p:ext uri="{BB962C8B-B14F-4D97-AF65-F5344CB8AC3E}">
-        <p14:creationId xmlns:p14="http://schemas.microsoft.com/office/powerpoint/2010/main" val="1942336038"/>
-      </p:ext>
-    </p:extLst>
   </p:cSld>
   <p:clrMapOvr>
     <a:masterClrMapping/>
   </p:clrMapOvr>
-  <p:transition spd="slow">
-    <p:cover/>
-  </p:transition>
+  <mc:AlternateContent xmlns:mc="http://schemas.openxmlformats.org/markup-compatibility/2006">
+    <mc:Choice xmlns:p14="http://schemas.microsoft.com/office/powerpoint/2010/main" Requires="p14">
+      <p:transition spd="med" p14:dur="750" advClick="1">
+        <p:cover dir="l"/>
+      </p:transition>
+    </mc:Choice>
+    <mc:Fallback>
+      <p:transition spd="med" advClick="1">
+        <p:cover dir="l"/>
+      </p:transition>
+    </mc:Fallback>
+  </mc:AlternateContent>
 </p:sld>
 </file>
 
 <file path=ppt/slides/slide24.xml><?xml version="1.0" encoding="utf-8"?>
-<p:sld xmlns:a="http://schemas.openxmlformats.org/drawingml/2006/main" xmlns:r="http://schemas.openxmlformats.org/officeDocument/2006/relationships" xmlns:p="http://schemas.openxmlformats.org/presentationml/2006/main">
-  <p:cSld>
+<p:sld xmlns:a="http://schemas.openxmlformats.org/drawingml/2006/main" xmlns:r="http://schemas.openxmlformats.org/officeDocument/2006/relationships" xmlns:p="http://schemas.openxmlformats.org/presentationml/2006/main" xmlns:m="http://schemas.openxmlformats.org/officeDocument/2006/math" xmlns:w="http://schemas.openxmlformats.org/wordprocessingml/2006/main" showMasterPhAnim="0" show="1">
+  <p:cSld name="">
     <p:spTree>
       <p:nvGrpSpPr>
         <p:cNvPr id="1" name=""/>
         <p:cNvGrpSpPr/>
         <p:nvPr/>
       </p:nvGrpSpPr>
-      <p:grpSpPr>
+      <p:grpSpPr bwMode="auto">
         <a:xfrm>
           <a:off x="0" y="0"/>
           <a:ext cx="0" cy="0"/>
@@ -4099,11 +4330,9 @@
         </p:nvPicPr>
         <p:blipFill>
           <a:blip r:embed="rId2"/>
-          <a:stretch>
-            <a:fillRect/>
-          </a:stretch>
+          <a:stretch/>
         </p:blipFill>
-        <p:spPr>
+        <p:spPr bwMode="auto">
           <a:xfrm>
             <a:off x="52387" y="671512"/>
             <a:ext cx="12087225" cy="5514975"/>
@@ -4114,31 +4343,35 @@
         </p:spPr>
       </p:pic>
     </p:spTree>
-    <p:extLst>
-      <p:ext uri="{BB962C8B-B14F-4D97-AF65-F5344CB8AC3E}">
-        <p14:creationId xmlns:p14="http://schemas.microsoft.com/office/powerpoint/2010/main" val="2310806904"/>
-      </p:ext>
-    </p:extLst>
   </p:cSld>
   <p:clrMapOvr>
     <a:masterClrMapping/>
   </p:clrMapOvr>
-  <p:transition spd="slow">
-    <p:cover/>
-  </p:transition>
+  <mc:AlternateContent xmlns:mc="http://schemas.openxmlformats.org/markup-compatibility/2006">
+    <mc:Choice xmlns:p14="http://schemas.microsoft.com/office/powerpoint/2010/main" Requires="p14">
+      <p:transition spd="med" p14:dur="750" advClick="1">
+        <p:cover dir="l"/>
+      </p:transition>
+    </mc:Choice>
+    <mc:Fallback>
+      <p:transition spd="med" advClick="1">
+        <p:cover dir="l"/>
+      </p:transition>
+    </mc:Fallback>
+  </mc:AlternateContent>
 </p:sld>
 </file>
 
 <file path=ppt/slides/slide25.xml><?xml version="1.0" encoding="utf-8"?>
-<p:sld xmlns:a="http://schemas.openxmlformats.org/drawingml/2006/main" xmlns:r="http://schemas.openxmlformats.org/officeDocument/2006/relationships" xmlns:p="http://schemas.openxmlformats.org/presentationml/2006/main">
-  <p:cSld>
+<p:sld xmlns:a="http://schemas.openxmlformats.org/drawingml/2006/main" xmlns:r="http://schemas.openxmlformats.org/officeDocument/2006/relationships" xmlns:p="http://schemas.openxmlformats.org/presentationml/2006/main" xmlns:m="http://schemas.openxmlformats.org/officeDocument/2006/math" xmlns:w="http://schemas.openxmlformats.org/wordprocessingml/2006/main" showMasterPhAnim="0" show="1">
+  <p:cSld name="">
     <p:spTree>
       <p:nvGrpSpPr>
         <p:cNvPr id="1" name=""/>
         <p:cNvGrpSpPr/>
         <p:nvPr/>
       </p:nvGrpSpPr>
-      <p:grpSpPr>
+      <p:grpSpPr bwMode="auto">
         <a:xfrm>
           <a:off x="0" y="0"/>
           <a:ext cx="0" cy="0"/>
@@ -4156,14 +4389,12 @@
         </p:nvPicPr>
         <p:blipFill>
           <a:blip r:embed="rId2"/>
-          <a:stretch>
-            <a:fillRect/>
-          </a:stretch>
+          <a:stretch/>
         </p:blipFill>
-        <p:spPr>
+        <p:spPr bwMode="auto">
           <a:xfrm>
             <a:off x="4762" y="709612"/>
-            <a:ext cx="12182475" cy="5438775"/>
+            <a:ext cx="12182475" cy="5438774"/>
           </a:xfrm>
           <a:prstGeom prst="rect">
             <a:avLst/>
@@ -4171,31 +4402,35 @@
         </p:spPr>
       </p:pic>
     </p:spTree>
-    <p:extLst>
-      <p:ext uri="{BB962C8B-B14F-4D97-AF65-F5344CB8AC3E}">
-        <p14:creationId xmlns:p14="http://schemas.microsoft.com/office/powerpoint/2010/main" val="4262713537"/>
-      </p:ext>
-    </p:extLst>
   </p:cSld>
   <p:clrMapOvr>
     <a:masterClrMapping/>
   </p:clrMapOvr>
-  <p:transition spd="slow">
-    <p:cover/>
-  </p:transition>
+  <mc:AlternateContent xmlns:mc="http://schemas.openxmlformats.org/markup-compatibility/2006">
+    <mc:Choice xmlns:p14="http://schemas.microsoft.com/office/powerpoint/2010/main" Requires="p14">
+      <p:transition spd="med" p14:dur="750" advClick="1">
+        <p:cover dir="l"/>
+      </p:transition>
+    </mc:Choice>
+    <mc:Fallback>
+      <p:transition spd="med" advClick="1">
+        <p:cover dir="l"/>
+      </p:transition>
+    </mc:Fallback>
+  </mc:AlternateContent>
 </p:sld>
 </file>
 
 <file path=ppt/slides/slide26.xml><?xml version="1.0" encoding="utf-8"?>
-<p:sld xmlns:a="http://schemas.openxmlformats.org/drawingml/2006/main" xmlns:r="http://schemas.openxmlformats.org/officeDocument/2006/relationships" xmlns:p="http://schemas.openxmlformats.org/presentationml/2006/main">
-  <p:cSld>
+<p:sld xmlns:a="http://schemas.openxmlformats.org/drawingml/2006/main" xmlns:r="http://schemas.openxmlformats.org/officeDocument/2006/relationships" xmlns:p="http://schemas.openxmlformats.org/presentationml/2006/main" xmlns:m="http://schemas.openxmlformats.org/officeDocument/2006/math" xmlns:w="http://schemas.openxmlformats.org/wordprocessingml/2006/main" showMasterPhAnim="0" show="1">
+  <p:cSld name="">
     <p:spTree>
       <p:nvGrpSpPr>
         <p:cNvPr id="1" name=""/>
         <p:cNvGrpSpPr/>
         <p:nvPr/>
       </p:nvGrpSpPr>
-      <p:grpSpPr>
+      <p:grpSpPr bwMode="auto">
         <a:xfrm>
           <a:off x="0" y="0"/>
           <a:ext cx="0" cy="0"/>
@@ -4213,11 +4448,9 @@
         </p:nvPicPr>
         <p:blipFill>
           <a:blip r:embed="rId2"/>
-          <a:stretch>
-            <a:fillRect/>
-          </a:stretch>
+          <a:stretch/>
         </p:blipFill>
-        <p:spPr>
+        <p:spPr bwMode="auto">
           <a:xfrm>
             <a:off x="38100" y="723900"/>
             <a:ext cx="12115800" cy="5410200"/>
@@ -4228,31 +4461,35 @@
         </p:spPr>
       </p:pic>
     </p:spTree>
-    <p:extLst>
-      <p:ext uri="{BB962C8B-B14F-4D97-AF65-F5344CB8AC3E}">
-        <p14:creationId xmlns:p14="http://schemas.microsoft.com/office/powerpoint/2010/main" val="2745921780"/>
-      </p:ext>
-    </p:extLst>
   </p:cSld>
   <p:clrMapOvr>
     <a:masterClrMapping/>
   </p:clrMapOvr>
-  <p:transition spd="slow">
-    <p:cover/>
-  </p:transition>
+  <mc:AlternateContent xmlns:mc="http://schemas.openxmlformats.org/markup-compatibility/2006">
+    <mc:Choice xmlns:p14="http://schemas.microsoft.com/office/powerpoint/2010/main" Requires="p14">
+      <p:transition spd="med" p14:dur="750" advClick="1">
+        <p:cover dir="l"/>
+      </p:transition>
+    </mc:Choice>
+    <mc:Fallback>
+      <p:transition spd="med" advClick="1">
+        <p:cover dir="l"/>
+      </p:transition>
+    </mc:Fallback>
+  </mc:AlternateContent>
 </p:sld>
 </file>
 
 <file path=ppt/slides/slide27.xml><?xml version="1.0" encoding="utf-8"?>
-<p:sld xmlns:a="http://schemas.openxmlformats.org/drawingml/2006/main" xmlns:r="http://schemas.openxmlformats.org/officeDocument/2006/relationships" xmlns:p="http://schemas.openxmlformats.org/presentationml/2006/main">
-  <p:cSld>
+<p:sld xmlns:a="http://schemas.openxmlformats.org/drawingml/2006/main" xmlns:r="http://schemas.openxmlformats.org/officeDocument/2006/relationships" xmlns:p="http://schemas.openxmlformats.org/presentationml/2006/main" xmlns:m="http://schemas.openxmlformats.org/officeDocument/2006/math" xmlns:w="http://schemas.openxmlformats.org/wordprocessingml/2006/main" showMasterPhAnim="0" show="1">
+  <p:cSld name="">
     <p:spTree>
       <p:nvGrpSpPr>
         <p:cNvPr id="1" name=""/>
         <p:cNvGrpSpPr/>
         <p:nvPr/>
       </p:nvGrpSpPr>
-      <p:grpSpPr>
+      <p:grpSpPr bwMode="auto">
         <a:xfrm>
           <a:off x="0" y="0"/>
           <a:ext cx="0" cy="0"/>
@@ -4270,11 +4507,9 @@
         </p:nvPicPr>
         <p:blipFill>
           <a:blip r:embed="rId2"/>
-          <a:stretch>
-            <a:fillRect/>
-          </a:stretch>
+          <a:stretch/>
         </p:blipFill>
-        <p:spPr>
+        <p:spPr bwMode="auto">
           <a:xfrm>
             <a:off x="38100" y="719137"/>
             <a:ext cx="12115800" cy="5419725"/>
@@ -4285,31 +4520,35 @@
         </p:spPr>
       </p:pic>
     </p:spTree>
-    <p:extLst>
-      <p:ext uri="{BB962C8B-B14F-4D97-AF65-F5344CB8AC3E}">
-        <p14:creationId xmlns:p14="http://schemas.microsoft.com/office/powerpoint/2010/main" val="1030779880"/>
-      </p:ext>
-    </p:extLst>
   </p:cSld>
   <p:clrMapOvr>
     <a:masterClrMapping/>
   </p:clrMapOvr>
-  <p:transition spd="slow">
-    <p:cover/>
-  </p:transition>
+  <mc:AlternateContent xmlns:mc="http://schemas.openxmlformats.org/markup-compatibility/2006">
+    <mc:Choice xmlns:p14="http://schemas.microsoft.com/office/powerpoint/2010/main" Requires="p14">
+      <p:transition spd="med" p14:dur="750" advClick="1">
+        <p:cover dir="l"/>
+      </p:transition>
+    </mc:Choice>
+    <mc:Fallback>
+      <p:transition spd="med" advClick="1">
+        <p:cover dir="l"/>
+      </p:transition>
+    </mc:Fallback>
+  </mc:AlternateContent>
 </p:sld>
 </file>
 
 <file path=ppt/slides/slide28.xml><?xml version="1.0" encoding="utf-8"?>
-<p:sld xmlns:a="http://schemas.openxmlformats.org/drawingml/2006/main" xmlns:r="http://schemas.openxmlformats.org/officeDocument/2006/relationships" xmlns:p="http://schemas.openxmlformats.org/presentationml/2006/main">
-  <p:cSld>
+<p:sld xmlns:a="http://schemas.openxmlformats.org/drawingml/2006/main" xmlns:r="http://schemas.openxmlformats.org/officeDocument/2006/relationships" xmlns:p="http://schemas.openxmlformats.org/presentationml/2006/main" xmlns:m="http://schemas.openxmlformats.org/officeDocument/2006/math" xmlns:w="http://schemas.openxmlformats.org/wordprocessingml/2006/main" showMasterPhAnim="0" show="1">
+  <p:cSld name="">
     <p:spTree>
       <p:nvGrpSpPr>
         <p:cNvPr id="1" name=""/>
         <p:cNvGrpSpPr/>
         <p:nvPr/>
       </p:nvGrpSpPr>
-      <p:grpSpPr>
+      <p:grpSpPr bwMode="auto">
         <a:xfrm>
           <a:off x="0" y="0"/>
           <a:ext cx="0" cy="0"/>
@@ -4327,11 +4566,9 @@
         </p:nvPicPr>
         <p:blipFill>
           <a:blip r:embed="rId2"/>
-          <a:stretch>
-            <a:fillRect/>
-          </a:stretch>
+          <a:stretch/>
         </p:blipFill>
-        <p:spPr>
+        <p:spPr bwMode="auto">
           <a:xfrm>
             <a:off x="47625" y="714375"/>
             <a:ext cx="12096750" cy="5429250"/>
@@ -4342,31 +4579,35 @@
         </p:spPr>
       </p:pic>
     </p:spTree>
-    <p:extLst>
-      <p:ext uri="{BB962C8B-B14F-4D97-AF65-F5344CB8AC3E}">
-        <p14:creationId xmlns:p14="http://schemas.microsoft.com/office/powerpoint/2010/main" val="989798116"/>
-      </p:ext>
-    </p:extLst>
   </p:cSld>
   <p:clrMapOvr>
     <a:masterClrMapping/>
   </p:clrMapOvr>
-  <p:transition spd="slow">
-    <p:cover/>
-  </p:transition>
+  <mc:AlternateContent xmlns:mc="http://schemas.openxmlformats.org/markup-compatibility/2006">
+    <mc:Choice xmlns:p14="http://schemas.microsoft.com/office/powerpoint/2010/main" Requires="p14">
+      <p:transition spd="med" p14:dur="750" advClick="1">
+        <p:cover dir="l"/>
+      </p:transition>
+    </mc:Choice>
+    <mc:Fallback>
+      <p:transition spd="med" advClick="1">
+        <p:cover dir="l"/>
+      </p:transition>
+    </mc:Fallback>
+  </mc:AlternateContent>
 </p:sld>
 </file>
 
 <file path=ppt/slides/slide29.xml><?xml version="1.0" encoding="utf-8"?>
-<p:sld xmlns:a="http://schemas.openxmlformats.org/drawingml/2006/main" xmlns:r="http://schemas.openxmlformats.org/officeDocument/2006/relationships" xmlns:p="http://schemas.openxmlformats.org/presentationml/2006/main">
-  <p:cSld>
+<p:sld xmlns:a="http://schemas.openxmlformats.org/drawingml/2006/main" xmlns:r="http://schemas.openxmlformats.org/officeDocument/2006/relationships" xmlns:p="http://schemas.openxmlformats.org/presentationml/2006/main" xmlns:m="http://schemas.openxmlformats.org/officeDocument/2006/math" xmlns:w="http://schemas.openxmlformats.org/wordprocessingml/2006/main" showMasterPhAnim="0" show="1">
+  <p:cSld name="">
     <p:spTree>
       <p:nvGrpSpPr>
         <p:cNvPr id="1" name=""/>
         <p:cNvGrpSpPr/>
         <p:nvPr/>
       </p:nvGrpSpPr>
-      <p:grpSpPr>
+      <p:grpSpPr bwMode="auto">
         <a:xfrm>
           <a:off x="0" y="0"/>
           <a:ext cx="0" cy="0"/>
@@ -4384,11 +4625,9 @@
         </p:nvPicPr>
         <p:blipFill>
           <a:blip r:embed="rId2"/>
-          <a:stretch>
-            <a:fillRect/>
-          </a:stretch>
+          <a:stretch/>
         </p:blipFill>
-        <p:spPr>
+        <p:spPr bwMode="auto">
           <a:xfrm>
             <a:off x="57150" y="695325"/>
             <a:ext cx="12077700" cy="5467350"/>
@@ -4399,31 +4638,35 @@
         </p:spPr>
       </p:pic>
     </p:spTree>
-    <p:extLst>
-      <p:ext uri="{BB962C8B-B14F-4D97-AF65-F5344CB8AC3E}">
-        <p14:creationId xmlns:p14="http://schemas.microsoft.com/office/powerpoint/2010/main" val="932235198"/>
-      </p:ext>
-    </p:extLst>
   </p:cSld>
   <p:clrMapOvr>
     <a:masterClrMapping/>
   </p:clrMapOvr>
-  <p:transition spd="slow">
-    <p:cover/>
-  </p:transition>
+  <mc:AlternateContent xmlns:mc="http://schemas.openxmlformats.org/markup-compatibility/2006">
+    <mc:Choice xmlns:p14="http://schemas.microsoft.com/office/powerpoint/2010/main" Requires="p14">
+      <p:transition spd="med" p14:dur="750" advClick="1">
+        <p:cover dir="l"/>
+      </p:transition>
+    </mc:Choice>
+    <mc:Fallback>
+      <p:transition spd="med" advClick="1">
+        <p:cover dir="l"/>
+      </p:transition>
+    </mc:Fallback>
+  </mc:AlternateContent>
 </p:sld>
 </file>
 
 <file path=ppt/slides/slide3.xml><?xml version="1.0" encoding="utf-8"?>
-<p:sld xmlns:a="http://schemas.openxmlformats.org/drawingml/2006/main" xmlns:r="http://schemas.openxmlformats.org/officeDocument/2006/relationships" xmlns:p="http://schemas.openxmlformats.org/presentationml/2006/main">
-  <p:cSld>
+<p:sld xmlns:a="http://schemas.openxmlformats.org/drawingml/2006/main" xmlns:r="http://schemas.openxmlformats.org/officeDocument/2006/relationships" xmlns:p="http://schemas.openxmlformats.org/presentationml/2006/main" xmlns:m="http://schemas.openxmlformats.org/officeDocument/2006/math" xmlns:w="http://schemas.openxmlformats.org/wordprocessingml/2006/main" showMasterPhAnim="0" show="1">
+  <p:cSld name="">
     <p:spTree>
       <p:nvGrpSpPr>
         <p:cNvPr id="1" name=""/>
         <p:cNvGrpSpPr/>
         <p:nvPr/>
       </p:nvGrpSpPr>
-      <p:grpSpPr>
+      <p:grpSpPr bwMode="auto">
         <a:xfrm>
           <a:off x="0" y="0"/>
           <a:ext cx="0" cy="0"/>
@@ -4441,11 +4684,9 @@
         </p:nvPicPr>
         <p:blipFill>
           <a:blip r:embed="rId2"/>
-          <a:stretch>
-            <a:fillRect/>
-          </a:stretch>
+          <a:stretch/>
         </p:blipFill>
-        <p:spPr>
+        <p:spPr bwMode="auto">
           <a:xfrm>
             <a:off x="33337" y="742950"/>
             <a:ext cx="12125325" cy="5372100"/>
@@ -4456,18 +4697,22 @@
         </p:spPr>
       </p:pic>
     </p:spTree>
-    <p:extLst>
-      <p:ext uri="{BB962C8B-B14F-4D97-AF65-F5344CB8AC3E}">
-        <p14:creationId xmlns:p14="http://schemas.microsoft.com/office/powerpoint/2010/main" val="3891156826"/>
-      </p:ext>
-    </p:extLst>
   </p:cSld>
   <p:clrMapOvr>
     <a:masterClrMapping/>
   </p:clrMapOvr>
-  <p:transition spd="slow">
-    <p:cover/>
-  </p:transition>
+  <mc:AlternateContent xmlns:mc="http://schemas.openxmlformats.org/markup-compatibility/2006">
+    <mc:Choice xmlns:p14="http://schemas.microsoft.com/office/powerpoint/2010/main" Requires="p14">
+      <p:transition spd="med" p14:dur="750" advClick="1">
+        <p:cover dir="l"/>
+      </p:transition>
+    </mc:Choice>
+    <mc:Fallback>
+      <p:transition spd="med" advClick="1">
+        <p:cover dir="l"/>
+      </p:transition>
+    </mc:Fallback>
+  </mc:AlternateContent>
   <p:timing>
     <p:tnLst>
       <p:par>
@@ -4479,15 +4724,15 @@
 </file>
 
 <file path=ppt/slides/slide30.xml><?xml version="1.0" encoding="utf-8"?>
-<p:sld xmlns:a="http://schemas.openxmlformats.org/drawingml/2006/main" xmlns:r="http://schemas.openxmlformats.org/officeDocument/2006/relationships" xmlns:p="http://schemas.openxmlformats.org/presentationml/2006/main">
-  <p:cSld>
+<p:sld xmlns:a="http://schemas.openxmlformats.org/drawingml/2006/main" xmlns:r="http://schemas.openxmlformats.org/officeDocument/2006/relationships" xmlns:p="http://schemas.openxmlformats.org/presentationml/2006/main" xmlns:m="http://schemas.openxmlformats.org/officeDocument/2006/math" xmlns:w="http://schemas.openxmlformats.org/wordprocessingml/2006/main" showMasterPhAnim="0" show="1">
+  <p:cSld name="">
     <p:spTree>
       <p:nvGrpSpPr>
         <p:cNvPr id="1" name=""/>
         <p:cNvGrpSpPr/>
         <p:nvPr/>
       </p:nvGrpSpPr>
-      <p:grpSpPr>
+      <p:grpSpPr bwMode="auto">
         <a:xfrm>
           <a:off x="0" y="0"/>
           <a:ext cx="0" cy="0"/>
@@ -4505,14 +4750,12 @@
         </p:nvPicPr>
         <p:blipFill>
           <a:blip r:embed="rId2"/>
-          <a:stretch>
-            <a:fillRect/>
-          </a:stretch>
+          <a:stretch/>
         </p:blipFill>
-        <p:spPr>
+        <p:spPr bwMode="auto">
           <a:xfrm>
             <a:off x="85725" y="709612"/>
-            <a:ext cx="12020550" cy="5438775"/>
+            <a:ext cx="12020549" cy="5438774"/>
           </a:xfrm>
           <a:prstGeom prst="rect">
             <a:avLst/>
@@ -4520,31 +4763,35 @@
         </p:spPr>
       </p:pic>
     </p:spTree>
-    <p:extLst>
-      <p:ext uri="{BB962C8B-B14F-4D97-AF65-F5344CB8AC3E}">
-        <p14:creationId xmlns:p14="http://schemas.microsoft.com/office/powerpoint/2010/main" val="1207913209"/>
-      </p:ext>
-    </p:extLst>
   </p:cSld>
   <p:clrMapOvr>
     <a:masterClrMapping/>
   </p:clrMapOvr>
-  <p:transition spd="slow">
-    <p:cover/>
-  </p:transition>
+  <mc:AlternateContent xmlns:mc="http://schemas.openxmlformats.org/markup-compatibility/2006">
+    <mc:Choice xmlns:p14="http://schemas.microsoft.com/office/powerpoint/2010/main" Requires="p14">
+      <p:transition spd="med" p14:dur="750" advClick="1">
+        <p:cover dir="l"/>
+      </p:transition>
+    </mc:Choice>
+    <mc:Fallback>
+      <p:transition spd="med" advClick="1">
+        <p:cover dir="l"/>
+      </p:transition>
+    </mc:Fallback>
+  </mc:AlternateContent>
 </p:sld>
 </file>
 
 <file path=ppt/slides/slide31.xml><?xml version="1.0" encoding="utf-8"?>
-<p:sld xmlns:a="http://schemas.openxmlformats.org/drawingml/2006/main" xmlns:r="http://schemas.openxmlformats.org/officeDocument/2006/relationships" xmlns:p="http://schemas.openxmlformats.org/presentationml/2006/main">
-  <p:cSld>
+<p:sld xmlns:a="http://schemas.openxmlformats.org/drawingml/2006/main" xmlns:r="http://schemas.openxmlformats.org/officeDocument/2006/relationships" xmlns:p="http://schemas.openxmlformats.org/presentationml/2006/main" xmlns:m="http://schemas.openxmlformats.org/officeDocument/2006/math" xmlns:w="http://schemas.openxmlformats.org/wordprocessingml/2006/main" showMasterPhAnim="0" show="1">
+  <p:cSld name="">
     <p:spTree>
       <p:nvGrpSpPr>
         <p:cNvPr id="1" name=""/>
         <p:cNvGrpSpPr/>
         <p:nvPr/>
       </p:nvGrpSpPr>
-      <p:grpSpPr>
+      <p:grpSpPr bwMode="auto">
         <a:xfrm>
           <a:off x="0" y="0"/>
           <a:ext cx="0" cy="0"/>
@@ -4562,11 +4809,9 @@
         </p:nvPicPr>
         <p:blipFill>
           <a:blip r:embed="rId2"/>
-          <a:stretch>
-            <a:fillRect/>
-          </a:stretch>
+          <a:stretch/>
         </p:blipFill>
-        <p:spPr>
+        <p:spPr bwMode="auto">
           <a:xfrm>
             <a:off x="28575" y="695325"/>
             <a:ext cx="12134850" cy="5467350"/>
@@ -4577,31 +4822,35 @@
         </p:spPr>
       </p:pic>
     </p:spTree>
-    <p:extLst>
-      <p:ext uri="{BB962C8B-B14F-4D97-AF65-F5344CB8AC3E}">
-        <p14:creationId xmlns:p14="http://schemas.microsoft.com/office/powerpoint/2010/main" val="3499160891"/>
-      </p:ext>
-    </p:extLst>
   </p:cSld>
   <p:clrMapOvr>
     <a:masterClrMapping/>
   </p:clrMapOvr>
-  <p:transition spd="slow">
-    <p:cover/>
-  </p:transition>
+  <mc:AlternateContent xmlns:mc="http://schemas.openxmlformats.org/markup-compatibility/2006">
+    <mc:Choice xmlns:p14="http://schemas.microsoft.com/office/powerpoint/2010/main" Requires="p14">
+      <p:transition spd="med" p14:dur="750" advClick="1">
+        <p:cover dir="l"/>
+      </p:transition>
+    </mc:Choice>
+    <mc:Fallback>
+      <p:transition spd="med" advClick="1">
+        <p:cover dir="l"/>
+      </p:transition>
+    </mc:Fallback>
+  </mc:AlternateContent>
 </p:sld>
 </file>
 
 <file path=ppt/slides/slide32.xml><?xml version="1.0" encoding="utf-8"?>
-<p:sld xmlns:a="http://schemas.openxmlformats.org/drawingml/2006/main" xmlns:r="http://schemas.openxmlformats.org/officeDocument/2006/relationships" xmlns:p="http://schemas.openxmlformats.org/presentationml/2006/main">
-  <p:cSld>
+<p:sld xmlns:a="http://schemas.openxmlformats.org/drawingml/2006/main" xmlns:r="http://schemas.openxmlformats.org/officeDocument/2006/relationships" xmlns:p="http://schemas.openxmlformats.org/presentationml/2006/main" xmlns:m="http://schemas.openxmlformats.org/officeDocument/2006/math" xmlns:w="http://schemas.openxmlformats.org/wordprocessingml/2006/main" showMasterPhAnim="0" show="1">
+  <p:cSld name="">
     <p:spTree>
       <p:nvGrpSpPr>
         <p:cNvPr id="1" name=""/>
         <p:cNvGrpSpPr/>
         <p:nvPr/>
       </p:nvGrpSpPr>
-      <p:grpSpPr>
+      <p:grpSpPr bwMode="auto">
         <a:xfrm>
           <a:off x="0" y="0"/>
           <a:ext cx="0" cy="0"/>
@@ -4619,11 +4868,9 @@
         </p:nvPicPr>
         <p:blipFill>
           <a:blip r:embed="rId2"/>
-          <a:stretch>
-            <a:fillRect/>
-          </a:stretch>
+          <a:stretch/>
         </p:blipFill>
-        <p:spPr>
+        <p:spPr bwMode="auto">
           <a:xfrm>
             <a:off x="61912" y="681037"/>
             <a:ext cx="12068175" cy="5495925"/>
@@ -4634,31 +4881,35 @@
         </p:spPr>
       </p:pic>
     </p:spTree>
-    <p:extLst>
-      <p:ext uri="{BB962C8B-B14F-4D97-AF65-F5344CB8AC3E}">
-        <p14:creationId xmlns:p14="http://schemas.microsoft.com/office/powerpoint/2010/main" val="405068430"/>
-      </p:ext>
-    </p:extLst>
   </p:cSld>
   <p:clrMapOvr>
     <a:masterClrMapping/>
   </p:clrMapOvr>
-  <p:transition spd="slow">
-    <p:cover/>
-  </p:transition>
+  <mc:AlternateContent xmlns:mc="http://schemas.openxmlformats.org/markup-compatibility/2006">
+    <mc:Choice xmlns:p14="http://schemas.microsoft.com/office/powerpoint/2010/main" Requires="p14">
+      <p:transition spd="med" p14:dur="750" advClick="1">
+        <p:cover dir="l"/>
+      </p:transition>
+    </mc:Choice>
+    <mc:Fallback>
+      <p:transition spd="med" advClick="1">
+        <p:cover dir="l"/>
+      </p:transition>
+    </mc:Fallback>
+  </mc:AlternateContent>
 </p:sld>
 </file>
 
 <file path=ppt/slides/slide33.xml><?xml version="1.0" encoding="utf-8"?>
-<p:sld xmlns:a="http://schemas.openxmlformats.org/drawingml/2006/main" xmlns:r="http://schemas.openxmlformats.org/officeDocument/2006/relationships" xmlns:p="http://schemas.openxmlformats.org/presentationml/2006/main">
-  <p:cSld>
+<p:sld xmlns:a="http://schemas.openxmlformats.org/drawingml/2006/main" xmlns:r="http://schemas.openxmlformats.org/officeDocument/2006/relationships" xmlns:p="http://schemas.openxmlformats.org/presentationml/2006/main" xmlns:m="http://schemas.openxmlformats.org/officeDocument/2006/math" xmlns:w="http://schemas.openxmlformats.org/wordprocessingml/2006/main" showMasterPhAnim="0" show="1">
+  <p:cSld name="">
     <p:spTree>
       <p:nvGrpSpPr>
         <p:cNvPr id="1" name=""/>
         <p:cNvGrpSpPr/>
         <p:nvPr/>
       </p:nvGrpSpPr>
-      <p:grpSpPr>
+      <p:grpSpPr bwMode="auto">
         <a:xfrm>
           <a:off x="0" y="0"/>
           <a:ext cx="0" cy="0"/>
@@ -4676,11 +4927,9 @@
         </p:nvPicPr>
         <p:blipFill>
           <a:blip r:embed="rId2"/>
-          <a:stretch>
-            <a:fillRect/>
-          </a:stretch>
+          <a:stretch/>
         </p:blipFill>
-        <p:spPr>
+        <p:spPr bwMode="auto">
           <a:xfrm>
             <a:off x="47625" y="685800"/>
             <a:ext cx="12096750" cy="5486400"/>
@@ -4691,31 +4940,35 @@
         </p:spPr>
       </p:pic>
     </p:spTree>
-    <p:extLst>
-      <p:ext uri="{BB962C8B-B14F-4D97-AF65-F5344CB8AC3E}">
-        <p14:creationId xmlns:p14="http://schemas.microsoft.com/office/powerpoint/2010/main" val="1951116293"/>
-      </p:ext>
-    </p:extLst>
   </p:cSld>
   <p:clrMapOvr>
     <a:masterClrMapping/>
   </p:clrMapOvr>
-  <p:transition spd="slow">
-    <p:cover/>
-  </p:transition>
+  <mc:AlternateContent xmlns:mc="http://schemas.openxmlformats.org/markup-compatibility/2006">
+    <mc:Choice xmlns:p14="http://schemas.microsoft.com/office/powerpoint/2010/main" Requires="p14">
+      <p:transition spd="med" p14:dur="750" advClick="1">
+        <p:cover dir="l"/>
+      </p:transition>
+    </mc:Choice>
+    <mc:Fallback>
+      <p:transition spd="med" advClick="1">
+        <p:cover dir="l"/>
+      </p:transition>
+    </mc:Fallback>
+  </mc:AlternateContent>
 </p:sld>
 </file>
 
 <file path=ppt/slides/slide34.xml><?xml version="1.0" encoding="utf-8"?>
-<p:sld xmlns:a="http://schemas.openxmlformats.org/drawingml/2006/main" xmlns:r="http://schemas.openxmlformats.org/officeDocument/2006/relationships" xmlns:p="http://schemas.openxmlformats.org/presentationml/2006/main">
-  <p:cSld>
+<p:sld xmlns:a="http://schemas.openxmlformats.org/drawingml/2006/main" xmlns:r="http://schemas.openxmlformats.org/officeDocument/2006/relationships" xmlns:p="http://schemas.openxmlformats.org/presentationml/2006/main" xmlns:m="http://schemas.openxmlformats.org/officeDocument/2006/math" xmlns:w="http://schemas.openxmlformats.org/wordprocessingml/2006/main" showMasterPhAnim="0" show="1">
+  <p:cSld name="">
     <p:spTree>
       <p:nvGrpSpPr>
         <p:cNvPr id="1" name=""/>
         <p:cNvGrpSpPr/>
         <p:nvPr/>
       </p:nvGrpSpPr>
-      <p:grpSpPr>
+      <p:grpSpPr bwMode="auto">
         <a:xfrm>
           <a:off x="0" y="0"/>
           <a:ext cx="0" cy="0"/>
@@ -4733,11 +4986,9 @@
         </p:nvPicPr>
         <p:blipFill>
           <a:blip r:embed="rId2"/>
-          <a:stretch>
-            <a:fillRect/>
-          </a:stretch>
+          <a:stretch/>
         </p:blipFill>
-        <p:spPr>
+        <p:spPr bwMode="auto">
           <a:xfrm>
             <a:off x="42862" y="700087"/>
             <a:ext cx="12106275" cy="5457825"/>
@@ -4748,31 +4999,35 @@
         </p:spPr>
       </p:pic>
     </p:spTree>
-    <p:extLst>
-      <p:ext uri="{BB962C8B-B14F-4D97-AF65-F5344CB8AC3E}">
-        <p14:creationId xmlns:p14="http://schemas.microsoft.com/office/powerpoint/2010/main" val="3351184646"/>
-      </p:ext>
-    </p:extLst>
   </p:cSld>
   <p:clrMapOvr>
     <a:masterClrMapping/>
   </p:clrMapOvr>
-  <p:transition spd="slow">
-    <p:cover/>
-  </p:transition>
+  <mc:AlternateContent xmlns:mc="http://schemas.openxmlformats.org/markup-compatibility/2006">
+    <mc:Choice xmlns:p14="http://schemas.microsoft.com/office/powerpoint/2010/main" Requires="p14">
+      <p:transition spd="med" p14:dur="750" advClick="1">
+        <p:cover dir="l"/>
+      </p:transition>
+    </mc:Choice>
+    <mc:Fallback>
+      <p:transition spd="med" advClick="1">
+        <p:cover dir="l"/>
+      </p:transition>
+    </mc:Fallback>
+  </mc:AlternateContent>
 </p:sld>
 </file>
 
 <file path=ppt/slides/slide35.xml><?xml version="1.0" encoding="utf-8"?>
-<p:sld xmlns:a="http://schemas.openxmlformats.org/drawingml/2006/main" xmlns:r="http://schemas.openxmlformats.org/officeDocument/2006/relationships" xmlns:p="http://schemas.openxmlformats.org/presentationml/2006/main">
-  <p:cSld>
+<p:sld xmlns:a="http://schemas.openxmlformats.org/drawingml/2006/main" xmlns:r="http://schemas.openxmlformats.org/officeDocument/2006/relationships" xmlns:p="http://schemas.openxmlformats.org/presentationml/2006/main" xmlns:m="http://schemas.openxmlformats.org/officeDocument/2006/math" xmlns:w="http://schemas.openxmlformats.org/wordprocessingml/2006/main" showMasterPhAnim="0" show="1">
+  <p:cSld name="">
     <p:spTree>
       <p:nvGrpSpPr>
         <p:cNvPr id="1" name=""/>
         <p:cNvGrpSpPr/>
         <p:nvPr/>
       </p:nvGrpSpPr>
-      <p:grpSpPr>
+      <p:grpSpPr bwMode="auto">
         <a:xfrm>
           <a:off x="0" y="0"/>
           <a:ext cx="0" cy="0"/>
@@ -4790,11 +5045,9 @@
         </p:nvPicPr>
         <p:blipFill>
           <a:blip r:embed="rId2"/>
-          <a:stretch>
-            <a:fillRect/>
-          </a:stretch>
+          <a:stretch/>
         </p:blipFill>
-        <p:spPr>
+        <p:spPr bwMode="auto">
           <a:xfrm>
             <a:off x="38100" y="728662"/>
             <a:ext cx="12115800" cy="5400675"/>
@@ -4805,31 +5058,35 @@
         </p:spPr>
       </p:pic>
     </p:spTree>
-    <p:extLst>
-      <p:ext uri="{BB962C8B-B14F-4D97-AF65-F5344CB8AC3E}">
-        <p14:creationId xmlns:p14="http://schemas.microsoft.com/office/powerpoint/2010/main" val="1781388685"/>
-      </p:ext>
-    </p:extLst>
   </p:cSld>
   <p:clrMapOvr>
     <a:masterClrMapping/>
   </p:clrMapOvr>
-  <p:transition spd="slow">
-    <p:cover/>
-  </p:transition>
+  <mc:AlternateContent xmlns:mc="http://schemas.openxmlformats.org/markup-compatibility/2006">
+    <mc:Choice xmlns:p14="http://schemas.microsoft.com/office/powerpoint/2010/main" Requires="p14">
+      <p:transition spd="med" p14:dur="750" advClick="1">
+        <p:cover dir="l"/>
+      </p:transition>
+    </mc:Choice>
+    <mc:Fallback>
+      <p:transition spd="med" advClick="1">
+        <p:cover dir="l"/>
+      </p:transition>
+    </mc:Fallback>
+  </mc:AlternateContent>
 </p:sld>
 </file>
 
 <file path=ppt/slides/slide36.xml><?xml version="1.0" encoding="utf-8"?>
-<p:sld xmlns:a="http://schemas.openxmlformats.org/drawingml/2006/main" xmlns:r="http://schemas.openxmlformats.org/officeDocument/2006/relationships" xmlns:p="http://schemas.openxmlformats.org/presentationml/2006/main">
-  <p:cSld>
+<p:sld xmlns:a="http://schemas.openxmlformats.org/drawingml/2006/main" xmlns:r="http://schemas.openxmlformats.org/officeDocument/2006/relationships" xmlns:p="http://schemas.openxmlformats.org/presentationml/2006/main" xmlns:m="http://schemas.openxmlformats.org/officeDocument/2006/math" xmlns:w="http://schemas.openxmlformats.org/wordprocessingml/2006/main" showMasterPhAnim="0" show="1">
+  <p:cSld name="">
     <p:spTree>
       <p:nvGrpSpPr>
         <p:cNvPr id="1" name=""/>
         <p:cNvGrpSpPr/>
         <p:nvPr/>
       </p:nvGrpSpPr>
-      <p:grpSpPr>
+      <p:grpSpPr bwMode="auto">
         <a:xfrm>
           <a:off x="0" y="0"/>
           <a:ext cx="0" cy="0"/>
@@ -4847,11 +5104,9 @@
         </p:nvPicPr>
         <p:blipFill>
           <a:blip r:embed="rId2"/>
-          <a:stretch>
-            <a:fillRect/>
-          </a:stretch>
+          <a:stretch/>
         </p:blipFill>
-        <p:spPr>
+        <p:spPr bwMode="auto">
           <a:xfrm>
             <a:off x="47625" y="719137"/>
             <a:ext cx="12096750" cy="5419725"/>
@@ -4862,31 +5117,35 @@
         </p:spPr>
       </p:pic>
     </p:spTree>
-    <p:extLst>
-      <p:ext uri="{BB962C8B-B14F-4D97-AF65-F5344CB8AC3E}">
-        <p14:creationId xmlns:p14="http://schemas.microsoft.com/office/powerpoint/2010/main" val="1979113624"/>
-      </p:ext>
-    </p:extLst>
   </p:cSld>
   <p:clrMapOvr>
     <a:masterClrMapping/>
   </p:clrMapOvr>
-  <p:transition spd="slow">
-    <p:cover/>
-  </p:transition>
+  <mc:AlternateContent xmlns:mc="http://schemas.openxmlformats.org/markup-compatibility/2006">
+    <mc:Choice xmlns:p14="http://schemas.microsoft.com/office/powerpoint/2010/main" Requires="p14">
+      <p:transition spd="med" p14:dur="750" advClick="1">
+        <p:cover dir="l"/>
+      </p:transition>
+    </mc:Choice>
+    <mc:Fallback>
+      <p:transition spd="med" advClick="1">
+        <p:cover dir="l"/>
+      </p:transition>
+    </mc:Fallback>
+  </mc:AlternateContent>
 </p:sld>
 </file>
 
 <file path=ppt/slides/slide37.xml><?xml version="1.0" encoding="utf-8"?>
-<p:sld xmlns:a="http://schemas.openxmlformats.org/drawingml/2006/main" xmlns:r="http://schemas.openxmlformats.org/officeDocument/2006/relationships" xmlns:p="http://schemas.openxmlformats.org/presentationml/2006/main">
-  <p:cSld>
+<p:sld xmlns:a="http://schemas.openxmlformats.org/drawingml/2006/main" xmlns:r="http://schemas.openxmlformats.org/officeDocument/2006/relationships" xmlns:p="http://schemas.openxmlformats.org/presentationml/2006/main" xmlns:m="http://schemas.openxmlformats.org/officeDocument/2006/math" xmlns:w="http://schemas.openxmlformats.org/wordprocessingml/2006/main" showMasterPhAnim="0" show="1">
+  <p:cSld name="">
     <p:spTree>
       <p:nvGrpSpPr>
         <p:cNvPr id="1" name=""/>
         <p:cNvGrpSpPr/>
         <p:nvPr/>
       </p:nvGrpSpPr>
-      <p:grpSpPr>
+      <p:grpSpPr bwMode="auto">
         <a:xfrm>
           <a:off x="0" y="0"/>
           <a:ext cx="0" cy="0"/>
@@ -4904,14 +5163,12 @@
         </p:nvPicPr>
         <p:blipFill>
           <a:blip r:embed="rId2"/>
-          <a:stretch>
-            <a:fillRect/>
-          </a:stretch>
+          <a:stretch/>
         </p:blipFill>
-        <p:spPr>
+        <p:spPr bwMode="auto">
           <a:xfrm>
             <a:off x="61912" y="709612"/>
-            <a:ext cx="12068175" cy="5438775"/>
+            <a:ext cx="12068175" cy="5438774"/>
           </a:xfrm>
           <a:prstGeom prst="rect">
             <a:avLst/>
@@ -4919,31 +5176,35 @@
         </p:spPr>
       </p:pic>
     </p:spTree>
-    <p:extLst>
-      <p:ext uri="{BB962C8B-B14F-4D97-AF65-F5344CB8AC3E}">
-        <p14:creationId xmlns:p14="http://schemas.microsoft.com/office/powerpoint/2010/main" val="1090913807"/>
-      </p:ext>
-    </p:extLst>
   </p:cSld>
   <p:clrMapOvr>
     <a:masterClrMapping/>
   </p:clrMapOvr>
-  <p:transition spd="slow">
-    <p:cover/>
-  </p:transition>
+  <mc:AlternateContent xmlns:mc="http://schemas.openxmlformats.org/markup-compatibility/2006">
+    <mc:Choice xmlns:p14="http://schemas.microsoft.com/office/powerpoint/2010/main" Requires="p14">
+      <p:transition spd="med" p14:dur="750" advClick="1">
+        <p:cover dir="l"/>
+      </p:transition>
+    </mc:Choice>
+    <mc:Fallback>
+      <p:transition spd="med" advClick="1">
+        <p:cover dir="l"/>
+      </p:transition>
+    </mc:Fallback>
+  </mc:AlternateContent>
 </p:sld>
 </file>
 
 <file path=ppt/slides/slide38.xml><?xml version="1.0" encoding="utf-8"?>
-<p:sld xmlns:a="http://schemas.openxmlformats.org/drawingml/2006/main" xmlns:r="http://schemas.openxmlformats.org/officeDocument/2006/relationships" xmlns:p="http://schemas.openxmlformats.org/presentationml/2006/main">
-  <p:cSld>
+<p:sld xmlns:a="http://schemas.openxmlformats.org/drawingml/2006/main" xmlns:r="http://schemas.openxmlformats.org/officeDocument/2006/relationships" xmlns:p="http://schemas.openxmlformats.org/presentationml/2006/main" xmlns:m="http://schemas.openxmlformats.org/officeDocument/2006/math" xmlns:w="http://schemas.openxmlformats.org/wordprocessingml/2006/main" showMasterPhAnim="0" show="1">
+  <p:cSld name="">
     <p:spTree>
       <p:nvGrpSpPr>
         <p:cNvPr id="1" name=""/>
         <p:cNvGrpSpPr/>
         <p:nvPr/>
       </p:nvGrpSpPr>
-      <p:grpSpPr>
+      <p:grpSpPr bwMode="auto">
         <a:xfrm>
           <a:off x="0" y="0"/>
           <a:ext cx="0" cy="0"/>
@@ -4961,11 +5222,9 @@
         </p:nvPicPr>
         <p:blipFill>
           <a:blip r:embed="rId2"/>
-          <a:stretch>
-            <a:fillRect/>
-          </a:stretch>
+          <a:stretch/>
         </p:blipFill>
-        <p:spPr>
+        <p:spPr bwMode="auto">
           <a:xfrm>
             <a:off x="80962" y="690562"/>
             <a:ext cx="12030075" cy="5476875"/>
@@ -4976,31 +5235,35 @@
         </p:spPr>
       </p:pic>
     </p:spTree>
-    <p:extLst>
-      <p:ext uri="{BB962C8B-B14F-4D97-AF65-F5344CB8AC3E}">
-        <p14:creationId xmlns:p14="http://schemas.microsoft.com/office/powerpoint/2010/main" val="1628023880"/>
-      </p:ext>
-    </p:extLst>
   </p:cSld>
   <p:clrMapOvr>
     <a:masterClrMapping/>
   </p:clrMapOvr>
-  <p:transition spd="slow">
-    <p:cover/>
-  </p:transition>
+  <mc:AlternateContent xmlns:mc="http://schemas.openxmlformats.org/markup-compatibility/2006">
+    <mc:Choice xmlns:p14="http://schemas.microsoft.com/office/powerpoint/2010/main" Requires="p14">
+      <p:transition spd="med" p14:dur="750" advClick="1">
+        <p:cover dir="l"/>
+      </p:transition>
+    </mc:Choice>
+    <mc:Fallback>
+      <p:transition spd="med" advClick="1">
+        <p:cover dir="l"/>
+      </p:transition>
+    </mc:Fallback>
+  </mc:AlternateContent>
 </p:sld>
 </file>
 
 <file path=ppt/slides/slide39.xml><?xml version="1.0" encoding="utf-8"?>
-<p:sld xmlns:a="http://schemas.openxmlformats.org/drawingml/2006/main" xmlns:r="http://schemas.openxmlformats.org/officeDocument/2006/relationships" xmlns:p="http://schemas.openxmlformats.org/presentationml/2006/main">
-  <p:cSld>
+<p:sld xmlns:a="http://schemas.openxmlformats.org/drawingml/2006/main" xmlns:r="http://schemas.openxmlformats.org/officeDocument/2006/relationships" xmlns:p="http://schemas.openxmlformats.org/presentationml/2006/main" xmlns:m="http://schemas.openxmlformats.org/officeDocument/2006/math" xmlns:w="http://schemas.openxmlformats.org/wordprocessingml/2006/main" showMasterPhAnim="0" show="1">
+  <p:cSld name="">
     <p:spTree>
       <p:nvGrpSpPr>
         <p:cNvPr id="1" name=""/>
         <p:cNvGrpSpPr/>
         <p:nvPr/>
       </p:nvGrpSpPr>
-      <p:grpSpPr>
+      <p:grpSpPr bwMode="auto">
         <a:xfrm>
           <a:off x="0" y="0"/>
           <a:ext cx="0" cy="0"/>
@@ -5018,11 +5281,9 @@
         </p:nvPicPr>
         <p:blipFill>
           <a:blip r:embed="rId2"/>
-          <a:stretch>
-            <a:fillRect/>
-          </a:stretch>
+          <a:stretch/>
         </p:blipFill>
-        <p:spPr>
+        <p:spPr bwMode="auto">
           <a:xfrm>
             <a:off x="61912" y="704850"/>
             <a:ext cx="12068175" cy="5448300"/>
@@ -5033,31 +5294,35 @@
         </p:spPr>
       </p:pic>
     </p:spTree>
-    <p:extLst>
-      <p:ext uri="{BB962C8B-B14F-4D97-AF65-F5344CB8AC3E}">
-        <p14:creationId xmlns:p14="http://schemas.microsoft.com/office/powerpoint/2010/main" val="2960766141"/>
-      </p:ext>
-    </p:extLst>
   </p:cSld>
   <p:clrMapOvr>
     <a:masterClrMapping/>
   </p:clrMapOvr>
-  <p:transition spd="slow">
-    <p:cover/>
-  </p:transition>
+  <mc:AlternateContent xmlns:mc="http://schemas.openxmlformats.org/markup-compatibility/2006">
+    <mc:Choice xmlns:p14="http://schemas.microsoft.com/office/powerpoint/2010/main" Requires="p14">
+      <p:transition spd="med" p14:dur="750" advClick="1">
+        <p:cover dir="l"/>
+      </p:transition>
+    </mc:Choice>
+    <mc:Fallback>
+      <p:transition spd="med" advClick="1">
+        <p:cover dir="l"/>
+      </p:transition>
+    </mc:Fallback>
+  </mc:AlternateContent>
 </p:sld>
 </file>
 
 <file path=ppt/slides/slide4.xml><?xml version="1.0" encoding="utf-8"?>
-<p:sld xmlns:a="http://schemas.openxmlformats.org/drawingml/2006/main" xmlns:r="http://schemas.openxmlformats.org/officeDocument/2006/relationships" xmlns:p="http://schemas.openxmlformats.org/presentationml/2006/main">
-  <p:cSld>
+<p:sld xmlns:a="http://schemas.openxmlformats.org/drawingml/2006/main" xmlns:r="http://schemas.openxmlformats.org/officeDocument/2006/relationships" xmlns:p="http://schemas.openxmlformats.org/presentationml/2006/main" xmlns:m="http://schemas.openxmlformats.org/officeDocument/2006/math" xmlns:w="http://schemas.openxmlformats.org/wordprocessingml/2006/main" showMasterPhAnim="0" show="1">
+  <p:cSld name="">
     <p:spTree>
       <p:nvGrpSpPr>
         <p:cNvPr id="1" name=""/>
         <p:cNvGrpSpPr/>
         <p:nvPr/>
       </p:nvGrpSpPr>
-      <p:grpSpPr>
+      <p:grpSpPr bwMode="auto">
         <a:xfrm>
           <a:off x="0" y="0"/>
           <a:ext cx="0" cy="0"/>
@@ -5075,11 +5340,9 @@
         </p:nvPicPr>
         <p:blipFill>
           <a:blip r:embed="rId2"/>
-          <a:stretch>
-            <a:fillRect/>
-          </a:stretch>
+          <a:stretch/>
         </p:blipFill>
-        <p:spPr>
+        <p:spPr bwMode="auto">
           <a:xfrm>
             <a:off x="19050" y="728662"/>
             <a:ext cx="12153900" cy="5400675"/>
@@ -5090,18 +5353,22 @@
         </p:spPr>
       </p:pic>
     </p:spTree>
-    <p:extLst>
-      <p:ext uri="{BB962C8B-B14F-4D97-AF65-F5344CB8AC3E}">
-        <p14:creationId xmlns:p14="http://schemas.microsoft.com/office/powerpoint/2010/main" val="2454225934"/>
-      </p:ext>
-    </p:extLst>
   </p:cSld>
   <p:clrMapOvr>
     <a:masterClrMapping/>
   </p:clrMapOvr>
-  <p:transition spd="slow">
-    <p:cover/>
-  </p:transition>
+  <mc:AlternateContent xmlns:mc="http://schemas.openxmlformats.org/markup-compatibility/2006">
+    <mc:Choice xmlns:p14="http://schemas.microsoft.com/office/powerpoint/2010/main" Requires="p14">
+      <p:transition spd="med" p14:dur="750" advClick="1">
+        <p:cover dir="l"/>
+      </p:transition>
+    </mc:Choice>
+    <mc:Fallback>
+      <p:transition spd="med" advClick="1">
+        <p:cover dir="l"/>
+      </p:transition>
+    </mc:Fallback>
+  </mc:AlternateContent>
   <p:timing>
     <p:tnLst>
       <p:par>
@@ -5113,15 +5380,15 @@
 </file>
 
 <file path=ppt/slides/slide40.xml><?xml version="1.0" encoding="utf-8"?>
-<p:sld xmlns:a="http://schemas.openxmlformats.org/drawingml/2006/main" xmlns:r="http://schemas.openxmlformats.org/officeDocument/2006/relationships" xmlns:p="http://schemas.openxmlformats.org/presentationml/2006/main">
-  <p:cSld>
+<p:sld xmlns:a="http://schemas.openxmlformats.org/drawingml/2006/main" xmlns:r="http://schemas.openxmlformats.org/officeDocument/2006/relationships" xmlns:p="http://schemas.openxmlformats.org/presentationml/2006/main" xmlns:m="http://schemas.openxmlformats.org/officeDocument/2006/math" xmlns:w="http://schemas.openxmlformats.org/wordprocessingml/2006/main" showMasterPhAnim="0" show="1">
+  <p:cSld name="">
     <p:spTree>
       <p:nvGrpSpPr>
         <p:cNvPr id="1" name=""/>
         <p:cNvGrpSpPr/>
         <p:nvPr/>
       </p:nvGrpSpPr>
-      <p:grpSpPr>
+      <p:grpSpPr bwMode="auto">
         <a:xfrm>
           <a:off x="0" y="0"/>
           <a:ext cx="0" cy="0"/>
@@ -5139,14 +5406,12 @@
         </p:nvPicPr>
         <p:blipFill>
           <a:blip r:embed="rId2"/>
-          <a:stretch>
-            <a:fillRect/>
-          </a:stretch>
+          <a:stretch/>
         </p:blipFill>
-        <p:spPr>
+        <p:spPr bwMode="auto">
           <a:xfrm>
             <a:off x="42862" y="709612"/>
-            <a:ext cx="12106275" cy="5438775"/>
+            <a:ext cx="12106275" cy="5438774"/>
           </a:xfrm>
           <a:prstGeom prst="rect">
             <a:avLst/>
@@ -5154,31 +5419,35 @@
         </p:spPr>
       </p:pic>
     </p:spTree>
-    <p:extLst>
-      <p:ext uri="{BB962C8B-B14F-4D97-AF65-F5344CB8AC3E}">
-        <p14:creationId xmlns:p14="http://schemas.microsoft.com/office/powerpoint/2010/main" val="2395315866"/>
-      </p:ext>
-    </p:extLst>
   </p:cSld>
   <p:clrMapOvr>
     <a:masterClrMapping/>
   </p:clrMapOvr>
-  <p:transition spd="slow">
-    <p:cover/>
-  </p:transition>
+  <mc:AlternateContent xmlns:mc="http://schemas.openxmlformats.org/markup-compatibility/2006">
+    <mc:Choice xmlns:p14="http://schemas.microsoft.com/office/powerpoint/2010/main" Requires="p14">
+      <p:transition spd="med" p14:dur="750" advClick="1">
+        <p:cover dir="l"/>
+      </p:transition>
+    </mc:Choice>
+    <mc:Fallback>
+      <p:transition spd="med" advClick="1">
+        <p:cover dir="l"/>
+      </p:transition>
+    </mc:Fallback>
+  </mc:AlternateContent>
 </p:sld>
 </file>
 
 <file path=ppt/slides/slide41.xml><?xml version="1.0" encoding="utf-8"?>
-<p:sld xmlns:a="http://schemas.openxmlformats.org/drawingml/2006/main" xmlns:r="http://schemas.openxmlformats.org/officeDocument/2006/relationships" xmlns:p="http://schemas.openxmlformats.org/presentationml/2006/main">
-  <p:cSld>
+<p:sld xmlns:a="http://schemas.openxmlformats.org/drawingml/2006/main" xmlns:r="http://schemas.openxmlformats.org/officeDocument/2006/relationships" xmlns:p="http://schemas.openxmlformats.org/presentationml/2006/main" xmlns:m="http://schemas.openxmlformats.org/officeDocument/2006/math" xmlns:w="http://schemas.openxmlformats.org/wordprocessingml/2006/main" showMasterPhAnim="0" show="1">
+  <p:cSld name="">
     <p:spTree>
       <p:nvGrpSpPr>
         <p:cNvPr id="1" name=""/>
         <p:cNvGrpSpPr/>
         <p:nvPr/>
       </p:nvGrpSpPr>
-      <p:grpSpPr>
+      <p:grpSpPr bwMode="auto">
         <a:xfrm>
           <a:off x="0" y="0"/>
           <a:ext cx="0" cy="0"/>
@@ -5196,11 +5465,9 @@
         </p:nvPicPr>
         <p:blipFill>
           <a:blip r:embed="rId2"/>
-          <a:stretch>
-            <a:fillRect/>
-          </a:stretch>
+          <a:stretch/>
         </p:blipFill>
-        <p:spPr>
+        <p:spPr bwMode="auto">
           <a:xfrm>
             <a:off x="71437" y="690562"/>
             <a:ext cx="12049125" cy="5476875"/>
@@ -5211,31 +5478,35 @@
         </p:spPr>
       </p:pic>
     </p:spTree>
-    <p:extLst>
-      <p:ext uri="{BB962C8B-B14F-4D97-AF65-F5344CB8AC3E}">
-        <p14:creationId xmlns:p14="http://schemas.microsoft.com/office/powerpoint/2010/main" val="1850754287"/>
-      </p:ext>
-    </p:extLst>
   </p:cSld>
   <p:clrMapOvr>
     <a:masterClrMapping/>
   </p:clrMapOvr>
-  <p:transition spd="slow">
-    <p:cover/>
-  </p:transition>
+  <mc:AlternateContent xmlns:mc="http://schemas.openxmlformats.org/markup-compatibility/2006">
+    <mc:Choice xmlns:p14="http://schemas.microsoft.com/office/powerpoint/2010/main" Requires="p14">
+      <p:transition spd="med" p14:dur="750" advClick="1">
+        <p:cover dir="l"/>
+      </p:transition>
+    </mc:Choice>
+    <mc:Fallback>
+      <p:transition spd="med" advClick="1">
+        <p:cover dir="l"/>
+      </p:transition>
+    </mc:Fallback>
+  </mc:AlternateContent>
 </p:sld>
 </file>
 
 <file path=ppt/slides/slide42.xml><?xml version="1.0" encoding="utf-8"?>
-<p:sld xmlns:a="http://schemas.openxmlformats.org/drawingml/2006/main" xmlns:r="http://schemas.openxmlformats.org/officeDocument/2006/relationships" xmlns:p="http://schemas.openxmlformats.org/presentationml/2006/main">
-  <p:cSld>
+<p:sld xmlns:a="http://schemas.openxmlformats.org/drawingml/2006/main" xmlns:r="http://schemas.openxmlformats.org/officeDocument/2006/relationships" xmlns:p="http://schemas.openxmlformats.org/presentationml/2006/main" xmlns:m="http://schemas.openxmlformats.org/officeDocument/2006/math" xmlns:w="http://schemas.openxmlformats.org/wordprocessingml/2006/main" showMasterPhAnim="0" show="1">
+  <p:cSld name="">
     <p:spTree>
       <p:nvGrpSpPr>
         <p:cNvPr id="1" name=""/>
         <p:cNvGrpSpPr/>
         <p:nvPr/>
       </p:nvGrpSpPr>
-      <p:grpSpPr>
+      <p:grpSpPr bwMode="auto">
         <a:xfrm>
           <a:off x="0" y="0"/>
           <a:ext cx="0" cy="0"/>
@@ -5253,13 +5524,11 @@
         </p:nvPicPr>
         <p:blipFill>
           <a:blip r:embed="rId2"/>
-          <a:stretch>
-            <a:fillRect/>
-          </a:stretch>
+          <a:stretch/>
         </p:blipFill>
-        <p:spPr>
-          <a:xfrm>
-            <a:off x="23812" y="690562"/>
+        <p:spPr bwMode="auto">
+          <a:xfrm>
+            <a:off x="23811" y="690562"/>
             <a:ext cx="12144375" cy="5476875"/>
           </a:xfrm>
           <a:prstGeom prst="rect">
@@ -5268,31 +5537,35 @@
         </p:spPr>
       </p:pic>
     </p:spTree>
-    <p:extLst>
-      <p:ext uri="{BB962C8B-B14F-4D97-AF65-F5344CB8AC3E}">
-        <p14:creationId xmlns:p14="http://schemas.microsoft.com/office/powerpoint/2010/main" val="298343115"/>
-      </p:ext>
-    </p:extLst>
   </p:cSld>
   <p:clrMapOvr>
     <a:masterClrMapping/>
   </p:clrMapOvr>
-  <p:transition spd="slow">
-    <p:cover/>
-  </p:transition>
+  <mc:AlternateContent xmlns:mc="http://schemas.openxmlformats.org/markup-compatibility/2006">
+    <mc:Choice xmlns:p14="http://schemas.microsoft.com/office/powerpoint/2010/main" Requires="p14">
+      <p:transition spd="med" p14:dur="750" advClick="1">
+        <p:cover dir="l"/>
+      </p:transition>
+    </mc:Choice>
+    <mc:Fallback>
+      <p:transition spd="med" advClick="1">
+        <p:cover dir="l"/>
+      </p:transition>
+    </mc:Fallback>
+  </mc:AlternateContent>
 </p:sld>
 </file>
 
 <file path=ppt/slides/slide43.xml><?xml version="1.0" encoding="utf-8"?>
-<p:sld xmlns:a="http://schemas.openxmlformats.org/drawingml/2006/main" xmlns:r="http://schemas.openxmlformats.org/officeDocument/2006/relationships" xmlns:p="http://schemas.openxmlformats.org/presentationml/2006/main">
-  <p:cSld>
+<p:sld xmlns:a="http://schemas.openxmlformats.org/drawingml/2006/main" xmlns:r="http://schemas.openxmlformats.org/officeDocument/2006/relationships" xmlns:p="http://schemas.openxmlformats.org/presentationml/2006/main" xmlns:m="http://schemas.openxmlformats.org/officeDocument/2006/math" xmlns:w="http://schemas.openxmlformats.org/wordprocessingml/2006/main" showMasterPhAnim="0" show="1">
+  <p:cSld name="">
     <p:spTree>
       <p:nvGrpSpPr>
         <p:cNvPr id="1" name=""/>
         <p:cNvGrpSpPr/>
         <p:nvPr/>
       </p:nvGrpSpPr>
-      <p:grpSpPr>
+      <p:grpSpPr bwMode="auto">
         <a:xfrm>
           <a:off x="0" y="0"/>
           <a:ext cx="0" cy="0"/>
@@ -5310,11 +5583,9 @@
         </p:nvPicPr>
         <p:blipFill>
           <a:blip r:embed="rId2"/>
-          <a:stretch>
-            <a:fillRect/>
-          </a:stretch>
+          <a:stretch/>
         </p:blipFill>
-        <p:spPr>
+        <p:spPr bwMode="auto">
           <a:xfrm>
             <a:off x="42862" y="671512"/>
             <a:ext cx="12106275" cy="5514975"/>
@@ -5325,31 +5596,35 @@
         </p:spPr>
       </p:pic>
     </p:spTree>
-    <p:extLst>
-      <p:ext uri="{BB962C8B-B14F-4D97-AF65-F5344CB8AC3E}">
-        <p14:creationId xmlns:p14="http://schemas.microsoft.com/office/powerpoint/2010/main" val="3055543142"/>
-      </p:ext>
-    </p:extLst>
   </p:cSld>
   <p:clrMapOvr>
     <a:masterClrMapping/>
   </p:clrMapOvr>
-  <p:transition spd="slow">
-    <p:cover/>
-  </p:transition>
+  <mc:AlternateContent xmlns:mc="http://schemas.openxmlformats.org/markup-compatibility/2006">
+    <mc:Choice xmlns:p14="http://schemas.microsoft.com/office/powerpoint/2010/main" Requires="p14">
+      <p:transition spd="med" p14:dur="750" advClick="1">
+        <p:cover dir="l"/>
+      </p:transition>
+    </mc:Choice>
+    <mc:Fallback>
+      <p:transition spd="med" advClick="1">
+        <p:cover dir="l"/>
+      </p:transition>
+    </mc:Fallback>
+  </mc:AlternateContent>
 </p:sld>
 </file>
 
 <file path=ppt/slides/slide44.xml><?xml version="1.0" encoding="utf-8"?>
-<p:sld xmlns:a="http://schemas.openxmlformats.org/drawingml/2006/main" xmlns:r="http://schemas.openxmlformats.org/officeDocument/2006/relationships" xmlns:p="http://schemas.openxmlformats.org/presentationml/2006/main">
-  <p:cSld>
+<p:sld xmlns:a="http://schemas.openxmlformats.org/drawingml/2006/main" xmlns:r="http://schemas.openxmlformats.org/officeDocument/2006/relationships" xmlns:p="http://schemas.openxmlformats.org/presentationml/2006/main" xmlns:m="http://schemas.openxmlformats.org/officeDocument/2006/math" xmlns:w="http://schemas.openxmlformats.org/wordprocessingml/2006/main" showMasterPhAnim="0" show="1">
+  <p:cSld name="">
     <p:spTree>
       <p:nvGrpSpPr>
         <p:cNvPr id="1" name=""/>
         <p:cNvGrpSpPr/>
         <p:nvPr/>
       </p:nvGrpSpPr>
-      <p:grpSpPr>
+      <p:grpSpPr bwMode="auto">
         <a:xfrm>
           <a:off x="0" y="0"/>
           <a:ext cx="0" cy="0"/>
@@ -5367,11 +5642,9 @@
         </p:nvPicPr>
         <p:blipFill>
           <a:blip r:embed="rId2"/>
-          <a:stretch>
-            <a:fillRect/>
-          </a:stretch>
+          <a:stretch/>
         </p:blipFill>
-        <p:spPr>
+        <p:spPr bwMode="auto">
           <a:xfrm>
             <a:off x="28575" y="695325"/>
             <a:ext cx="12134850" cy="5467350"/>
@@ -5382,31 +5655,35 @@
         </p:spPr>
       </p:pic>
     </p:spTree>
-    <p:extLst>
-      <p:ext uri="{BB962C8B-B14F-4D97-AF65-F5344CB8AC3E}">
-        <p14:creationId xmlns:p14="http://schemas.microsoft.com/office/powerpoint/2010/main" val="3811837214"/>
-      </p:ext>
-    </p:extLst>
   </p:cSld>
   <p:clrMapOvr>
     <a:masterClrMapping/>
   </p:clrMapOvr>
-  <p:transition spd="slow">
-    <p:cover/>
-  </p:transition>
+  <mc:AlternateContent xmlns:mc="http://schemas.openxmlformats.org/markup-compatibility/2006">
+    <mc:Choice xmlns:p14="http://schemas.microsoft.com/office/powerpoint/2010/main" Requires="p14">
+      <p:transition spd="med" p14:dur="750" advClick="1">
+        <p:cover dir="l"/>
+      </p:transition>
+    </mc:Choice>
+    <mc:Fallback>
+      <p:transition spd="med" advClick="1">
+        <p:cover dir="l"/>
+      </p:transition>
+    </mc:Fallback>
+  </mc:AlternateContent>
 </p:sld>
 </file>
 
 <file path=ppt/slides/slide45.xml><?xml version="1.0" encoding="utf-8"?>
-<p:sld xmlns:a="http://schemas.openxmlformats.org/drawingml/2006/main" xmlns:r="http://schemas.openxmlformats.org/officeDocument/2006/relationships" xmlns:p="http://schemas.openxmlformats.org/presentationml/2006/main">
-  <p:cSld>
+<p:sld xmlns:a="http://schemas.openxmlformats.org/drawingml/2006/main" xmlns:r="http://schemas.openxmlformats.org/officeDocument/2006/relationships" xmlns:p="http://schemas.openxmlformats.org/presentationml/2006/main" xmlns:m="http://schemas.openxmlformats.org/officeDocument/2006/math" xmlns:w="http://schemas.openxmlformats.org/wordprocessingml/2006/main" showMasterPhAnim="0" show="1">
+  <p:cSld name="">
     <p:spTree>
       <p:nvGrpSpPr>
         <p:cNvPr id="1" name=""/>
         <p:cNvGrpSpPr/>
         <p:nvPr/>
       </p:nvGrpSpPr>
-      <p:grpSpPr>
+      <p:grpSpPr bwMode="auto">
         <a:xfrm>
           <a:off x="0" y="0"/>
           <a:ext cx="0" cy="0"/>
@@ -5424,13 +5701,11 @@
         </p:nvPicPr>
         <p:blipFill>
           <a:blip r:embed="rId2"/>
-          <a:stretch>
-            <a:fillRect/>
-          </a:stretch>
+          <a:stretch/>
         </p:blipFill>
-        <p:spPr>
-          <a:xfrm>
-            <a:off x="23812" y="681037"/>
+        <p:spPr bwMode="auto">
+          <a:xfrm>
+            <a:off x="23811" y="681037"/>
             <a:ext cx="12144375" cy="5495925"/>
           </a:xfrm>
           <a:prstGeom prst="rect">
@@ -5439,31 +5714,35 @@
         </p:spPr>
       </p:pic>
     </p:spTree>
-    <p:extLst>
-      <p:ext uri="{BB962C8B-B14F-4D97-AF65-F5344CB8AC3E}">
-        <p14:creationId xmlns:p14="http://schemas.microsoft.com/office/powerpoint/2010/main" val="1177848528"/>
-      </p:ext>
-    </p:extLst>
   </p:cSld>
   <p:clrMapOvr>
     <a:masterClrMapping/>
   </p:clrMapOvr>
-  <p:transition spd="slow">
-    <p:cover/>
-  </p:transition>
+  <mc:AlternateContent xmlns:mc="http://schemas.openxmlformats.org/markup-compatibility/2006">
+    <mc:Choice xmlns:p14="http://schemas.microsoft.com/office/powerpoint/2010/main" Requires="p14">
+      <p:transition spd="med" p14:dur="750" advClick="1">
+        <p:cover dir="l"/>
+      </p:transition>
+    </mc:Choice>
+    <mc:Fallback>
+      <p:transition spd="med" advClick="1">
+        <p:cover dir="l"/>
+      </p:transition>
+    </mc:Fallback>
+  </mc:AlternateContent>
 </p:sld>
 </file>
 
 <file path=ppt/slides/slide46.xml><?xml version="1.0" encoding="utf-8"?>
-<p:sld xmlns:a="http://schemas.openxmlformats.org/drawingml/2006/main" xmlns:r="http://schemas.openxmlformats.org/officeDocument/2006/relationships" xmlns:p="http://schemas.openxmlformats.org/presentationml/2006/main">
-  <p:cSld>
+<p:sld xmlns:a="http://schemas.openxmlformats.org/drawingml/2006/main" xmlns:r="http://schemas.openxmlformats.org/officeDocument/2006/relationships" xmlns:p="http://schemas.openxmlformats.org/presentationml/2006/main" xmlns:m="http://schemas.openxmlformats.org/officeDocument/2006/math" xmlns:w="http://schemas.openxmlformats.org/wordprocessingml/2006/main" showMasterPhAnim="0" show="1">
+  <p:cSld name="">
     <p:spTree>
       <p:nvGrpSpPr>
         <p:cNvPr id="1" name=""/>
         <p:cNvGrpSpPr/>
         <p:nvPr/>
       </p:nvGrpSpPr>
-      <p:grpSpPr>
+      <p:grpSpPr bwMode="auto">
         <a:xfrm>
           <a:off x="0" y="0"/>
           <a:ext cx="0" cy="0"/>
@@ -5481,14 +5760,12 @@
         </p:nvPicPr>
         <p:blipFill>
           <a:blip r:embed="rId2"/>
-          <a:stretch>
-            <a:fillRect/>
-          </a:stretch>
+          <a:stretch/>
         </p:blipFill>
-        <p:spPr>
+        <p:spPr bwMode="auto">
           <a:xfrm>
             <a:off x="57150" y="709612"/>
-            <a:ext cx="12077700" cy="5438775"/>
+            <a:ext cx="12077700" cy="5438774"/>
           </a:xfrm>
           <a:prstGeom prst="rect">
             <a:avLst/>
@@ -5496,31 +5773,35 @@
         </p:spPr>
       </p:pic>
     </p:spTree>
-    <p:extLst>
-      <p:ext uri="{BB962C8B-B14F-4D97-AF65-F5344CB8AC3E}">
-        <p14:creationId xmlns:p14="http://schemas.microsoft.com/office/powerpoint/2010/main" val="2340221126"/>
-      </p:ext>
-    </p:extLst>
   </p:cSld>
   <p:clrMapOvr>
     <a:masterClrMapping/>
   </p:clrMapOvr>
-  <p:transition spd="slow">
-    <p:cover/>
-  </p:transition>
+  <mc:AlternateContent xmlns:mc="http://schemas.openxmlformats.org/markup-compatibility/2006">
+    <mc:Choice xmlns:p14="http://schemas.microsoft.com/office/powerpoint/2010/main" Requires="p14">
+      <p:transition spd="med" p14:dur="750" advClick="1">
+        <p:cover dir="l"/>
+      </p:transition>
+    </mc:Choice>
+    <mc:Fallback>
+      <p:transition spd="med" advClick="1">
+        <p:cover dir="l"/>
+      </p:transition>
+    </mc:Fallback>
+  </mc:AlternateContent>
 </p:sld>
 </file>
 
 <file path=ppt/slides/slide47.xml><?xml version="1.0" encoding="utf-8"?>
-<p:sld xmlns:a="http://schemas.openxmlformats.org/drawingml/2006/main" xmlns:r="http://schemas.openxmlformats.org/officeDocument/2006/relationships" xmlns:p="http://schemas.openxmlformats.org/presentationml/2006/main">
-  <p:cSld>
+<p:sld xmlns:a="http://schemas.openxmlformats.org/drawingml/2006/main" xmlns:r="http://schemas.openxmlformats.org/officeDocument/2006/relationships" xmlns:p="http://schemas.openxmlformats.org/presentationml/2006/main" xmlns:m="http://schemas.openxmlformats.org/officeDocument/2006/math" xmlns:w="http://schemas.openxmlformats.org/wordprocessingml/2006/main" showMasterPhAnim="0" show="1">
+  <p:cSld name="">
     <p:spTree>
       <p:nvGrpSpPr>
         <p:cNvPr id="1" name=""/>
         <p:cNvGrpSpPr/>
         <p:nvPr/>
       </p:nvGrpSpPr>
-      <p:grpSpPr>
+      <p:grpSpPr bwMode="auto">
         <a:xfrm>
           <a:off x="0" y="0"/>
           <a:ext cx="0" cy="0"/>
@@ -5538,11 +5819,9 @@
         </p:nvPicPr>
         <p:blipFill>
           <a:blip r:embed="rId2"/>
-          <a:stretch>
-            <a:fillRect/>
-          </a:stretch>
+          <a:stretch/>
         </p:blipFill>
-        <p:spPr>
+        <p:spPr bwMode="auto">
           <a:xfrm>
             <a:off x="9525" y="676275"/>
             <a:ext cx="12172950" cy="5505450"/>
@@ -5553,31 +5832,35 @@
         </p:spPr>
       </p:pic>
     </p:spTree>
-    <p:extLst>
-      <p:ext uri="{BB962C8B-B14F-4D97-AF65-F5344CB8AC3E}">
-        <p14:creationId xmlns:p14="http://schemas.microsoft.com/office/powerpoint/2010/main" val="124642655"/>
-      </p:ext>
-    </p:extLst>
   </p:cSld>
   <p:clrMapOvr>
     <a:masterClrMapping/>
   </p:clrMapOvr>
-  <p:transition spd="slow">
-    <p:cover/>
-  </p:transition>
+  <mc:AlternateContent xmlns:mc="http://schemas.openxmlformats.org/markup-compatibility/2006">
+    <mc:Choice xmlns:p14="http://schemas.microsoft.com/office/powerpoint/2010/main" Requires="p14">
+      <p:transition spd="med" p14:dur="750" advClick="1">
+        <p:cover dir="l"/>
+      </p:transition>
+    </mc:Choice>
+    <mc:Fallback>
+      <p:transition spd="med" advClick="1">
+        <p:cover dir="l"/>
+      </p:transition>
+    </mc:Fallback>
+  </mc:AlternateContent>
 </p:sld>
 </file>
 
 <file path=ppt/slides/slide48.xml><?xml version="1.0" encoding="utf-8"?>
-<p:sld xmlns:a="http://schemas.openxmlformats.org/drawingml/2006/main" xmlns:r="http://schemas.openxmlformats.org/officeDocument/2006/relationships" xmlns:p="http://schemas.openxmlformats.org/presentationml/2006/main">
-  <p:cSld>
+<p:sld xmlns:a="http://schemas.openxmlformats.org/drawingml/2006/main" xmlns:r="http://schemas.openxmlformats.org/officeDocument/2006/relationships" xmlns:p="http://schemas.openxmlformats.org/presentationml/2006/main" xmlns:m="http://schemas.openxmlformats.org/officeDocument/2006/math" xmlns:w="http://schemas.openxmlformats.org/wordprocessingml/2006/main" showMasterPhAnim="0" show="1">
+  <p:cSld name="">
     <p:spTree>
       <p:nvGrpSpPr>
         <p:cNvPr id="1" name=""/>
         <p:cNvGrpSpPr/>
         <p:nvPr/>
       </p:nvGrpSpPr>
-      <p:grpSpPr>
+      <p:grpSpPr bwMode="auto">
         <a:xfrm>
           <a:off x="0" y="0"/>
           <a:ext cx="0" cy="0"/>
@@ -5595,13 +5878,11 @@
         </p:nvPicPr>
         <p:blipFill>
           <a:blip r:embed="rId2"/>
-          <a:stretch>
-            <a:fillRect/>
-          </a:stretch>
+          <a:stretch/>
         </p:blipFill>
-        <p:spPr>
-          <a:xfrm>
-            <a:off x="23812" y="685800"/>
+        <p:spPr bwMode="auto">
+          <a:xfrm>
+            <a:off x="23811" y="685800"/>
             <a:ext cx="12144375" cy="5486400"/>
           </a:xfrm>
           <a:prstGeom prst="rect">
@@ -5610,31 +5891,35 @@
         </p:spPr>
       </p:pic>
     </p:spTree>
-    <p:extLst>
-      <p:ext uri="{BB962C8B-B14F-4D97-AF65-F5344CB8AC3E}">
-        <p14:creationId xmlns:p14="http://schemas.microsoft.com/office/powerpoint/2010/main" val="3343027577"/>
-      </p:ext>
-    </p:extLst>
   </p:cSld>
   <p:clrMapOvr>
     <a:masterClrMapping/>
   </p:clrMapOvr>
-  <p:transition spd="slow">
-    <p:cover/>
-  </p:transition>
+  <mc:AlternateContent xmlns:mc="http://schemas.openxmlformats.org/markup-compatibility/2006">
+    <mc:Choice xmlns:p14="http://schemas.microsoft.com/office/powerpoint/2010/main" Requires="p14">
+      <p:transition spd="med" p14:dur="750" advClick="1">
+        <p:cover dir="l"/>
+      </p:transition>
+    </mc:Choice>
+    <mc:Fallback>
+      <p:transition spd="med" advClick="1">
+        <p:cover dir="l"/>
+      </p:transition>
+    </mc:Fallback>
+  </mc:AlternateContent>
 </p:sld>
 </file>
 
 <file path=ppt/slides/slide49.xml><?xml version="1.0" encoding="utf-8"?>
-<p:sld xmlns:a="http://schemas.openxmlformats.org/drawingml/2006/main" xmlns:r="http://schemas.openxmlformats.org/officeDocument/2006/relationships" xmlns:p="http://schemas.openxmlformats.org/presentationml/2006/main">
-  <p:cSld>
+<p:sld xmlns:a="http://schemas.openxmlformats.org/drawingml/2006/main" xmlns:r="http://schemas.openxmlformats.org/officeDocument/2006/relationships" xmlns:p="http://schemas.openxmlformats.org/presentationml/2006/main" xmlns:m="http://schemas.openxmlformats.org/officeDocument/2006/math" xmlns:w="http://schemas.openxmlformats.org/wordprocessingml/2006/main" showMasterPhAnim="0" show="1">
+  <p:cSld name="">
     <p:spTree>
       <p:nvGrpSpPr>
         <p:cNvPr id="1" name=""/>
         <p:cNvGrpSpPr/>
         <p:nvPr/>
       </p:nvGrpSpPr>
-      <p:grpSpPr>
+      <p:grpSpPr bwMode="auto">
         <a:xfrm>
           <a:off x="0" y="0"/>
           <a:ext cx="0" cy="0"/>
@@ -5652,11 +5937,9 @@
         </p:nvPicPr>
         <p:blipFill>
           <a:blip r:embed="rId2"/>
-          <a:stretch>
-            <a:fillRect/>
-          </a:stretch>
+          <a:stretch/>
         </p:blipFill>
-        <p:spPr>
+        <p:spPr bwMode="auto">
           <a:xfrm>
             <a:off x="28575" y="671512"/>
             <a:ext cx="12134850" cy="5514975"/>
@@ -5667,31 +5950,35 @@
         </p:spPr>
       </p:pic>
     </p:spTree>
-    <p:extLst>
-      <p:ext uri="{BB962C8B-B14F-4D97-AF65-F5344CB8AC3E}">
-        <p14:creationId xmlns:p14="http://schemas.microsoft.com/office/powerpoint/2010/main" val="2908365009"/>
-      </p:ext>
-    </p:extLst>
   </p:cSld>
   <p:clrMapOvr>
     <a:masterClrMapping/>
   </p:clrMapOvr>
-  <p:transition spd="slow">
-    <p:cover/>
-  </p:transition>
+  <mc:AlternateContent xmlns:mc="http://schemas.openxmlformats.org/markup-compatibility/2006">
+    <mc:Choice xmlns:p14="http://schemas.microsoft.com/office/powerpoint/2010/main" Requires="p14">
+      <p:transition spd="med" p14:dur="750" advClick="1">
+        <p:cover dir="l"/>
+      </p:transition>
+    </mc:Choice>
+    <mc:Fallback>
+      <p:transition spd="med" advClick="1">
+        <p:cover dir="l"/>
+      </p:transition>
+    </mc:Fallback>
+  </mc:AlternateContent>
 </p:sld>
 </file>
 
 <file path=ppt/slides/slide5.xml><?xml version="1.0" encoding="utf-8"?>
-<p:sld xmlns:a="http://schemas.openxmlformats.org/drawingml/2006/main" xmlns:r="http://schemas.openxmlformats.org/officeDocument/2006/relationships" xmlns:p="http://schemas.openxmlformats.org/presentationml/2006/main">
-  <p:cSld>
+<p:sld xmlns:a="http://schemas.openxmlformats.org/drawingml/2006/main" xmlns:r="http://schemas.openxmlformats.org/officeDocument/2006/relationships" xmlns:p="http://schemas.openxmlformats.org/presentationml/2006/main" xmlns:m="http://schemas.openxmlformats.org/officeDocument/2006/math" xmlns:w="http://schemas.openxmlformats.org/wordprocessingml/2006/main" showMasterPhAnim="0" show="1">
+  <p:cSld name="">
     <p:spTree>
       <p:nvGrpSpPr>
         <p:cNvPr id="1" name=""/>
         <p:cNvGrpSpPr/>
         <p:nvPr/>
       </p:nvGrpSpPr>
-      <p:grpSpPr>
+      <p:grpSpPr bwMode="auto">
         <a:xfrm>
           <a:off x="0" y="0"/>
           <a:ext cx="0" cy="0"/>
@@ -5709,13 +5996,11 @@
         </p:nvPicPr>
         <p:blipFill>
           <a:blip r:embed="rId2"/>
-          <a:stretch>
-            <a:fillRect/>
-          </a:stretch>
+          <a:stretch/>
         </p:blipFill>
-        <p:spPr>
-          <a:xfrm>
-            <a:off x="23812" y="752475"/>
+        <p:spPr bwMode="auto">
+          <a:xfrm>
+            <a:off x="23811" y="752475"/>
             <a:ext cx="12144375" cy="5353050"/>
           </a:xfrm>
           <a:prstGeom prst="rect">
@@ -5724,18 +6009,22 @@
         </p:spPr>
       </p:pic>
     </p:spTree>
-    <p:extLst>
-      <p:ext uri="{BB962C8B-B14F-4D97-AF65-F5344CB8AC3E}">
-        <p14:creationId xmlns:p14="http://schemas.microsoft.com/office/powerpoint/2010/main" val="277732630"/>
-      </p:ext>
-    </p:extLst>
   </p:cSld>
   <p:clrMapOvr>
     <a:masterClrMapping/>
   </p:clrMapOvr>
-  <p:transition spd="slow">
-    <p:cover/>
-  </p:transition>
+  <mc:AlternateContent xmlns:mc="http://schemas.openxmlformats.org/markup-compatibility/2006">
+    <mc:Choice xmlns:p14="http://schemas.microsoft.com/office/powerpoint/2010/main" Requires="p14">
+      <p:transition spd="med" p14:dur="750" advClick="1">
+        <p:cover dir="l"/>
+      </p:transition>
+    </mc:Choice>
+    <mc:Fallback>
+      <p:transition spd="med" advClick="1">
+        <p:cover dir="l"/>
+      </p:transition>
+    </mc:Fallback>
+  </mc:AlternateContent>
   <p:timing>
     <p:tnLst>
       <p:par>
@@ -5747,15 +6036,15 @@
 </file>
 
 <file path=ppt/slides/slide50.xml><?xml version="1.0" encoding="utf-8"?>
-<p:sld xmlns:a="http://schemas.openxmlformats.org/drawingml/2006/main" xmlns:r="http://schemas.openxmlformats.org/officeDocument/2006/relationships" xmlns:p="http://schemas.openxmlformats.org/presentationml/2006/main">
-  <p:cSld>
+<p:sld xmlns:a="http://schemas.openxmlformats.org/drawingml/2006/main" xmlns:r="http://schemas.openxmlformats.org/officeDocument/2006/relationships" xmlns:p="http://schemas.openxmlformats.org/presentationml/2006/main" xmlns:m="http://schemas.openxmlformats.org/officeDocument/2006/math" xmlns:w="http://schemas.openxmlformats.org/wordprocessingml/2006/main" showMasterPhAnim="0" show="1">
+  <p:cSld name="">
     <p:spTree>
       <p:nvGrpSpPr>
         <p:cNvPr id="1" name=""/>
         <p:cNvGrpSpPr/>
         <p:nvPr/>
       </p:nvGrpSpPr>
-      <p:grpSpPr>
+      <p:grpSpPr bwMode="auto">
         <a:xfrm>
           <a:off x="0" y="0"/>
           <a:ext cx="0" cy="0"/>
@@ -5773,11 +6062,9 @@
         </p:nvPicPr>
         <p:blipFill>
           <a:blip r:embed="rId2"/>
-          <a:stretch>
-            <a:fillRect/>
-          </a:stretch>
+          <a:stretch/>
         </p:blipFill>
-        <p:spPr>
+        <p:spPr bwMode="auto">
           <a:xfrm>
             <a:off x="57150" y="719137"/>
             <a:ext cx="12077700" cy="5419725"/>
@@ -5788,31 +6075,35 @@
         </p:spPr>
       </p:pic>
     </p:spTree>
-    <p:extLst>
-      <p:ext uri="{BB962C8B-B14F-4D97-AF65-F5344CB8AC3E}">
-        <p14:creationId xmlns:p14="http://schemas.microsoft.com/office/powerpoint/2010/main" val="2235967559"/>
-      </p:ext>
-    </p:extLst>
   </p:cSld>
   <p:clrMapOvr>
     <a:masterClrMapping/>
   </p:clrMapOvr>
-  <p:transition spd="slow">
-    <p:cover/>
-  </p:transition>
+  <mc:AlternateContent xmlns:mc="http://schemas.openxmlformats.org/markup-compatibility/2006">
+    <mc:Choice xmlns:p14="http://schemas.microsoft.com/office/powerpoint/2010/main" Requires="p14">
+      <p:transition spd="med" p14:dur="750" advClick="1">
+        <p:cover dir="l"/>
+      </p:transition>
+    </mc:Choice>
+    <mc:Fallback>
+      <p:transition spd="med" advClick="1">
+        <p:cover dir="l"/>
+      </p:transition>
+    </mc:Fallback>
+  </mc:AlternateContent>
 </p:sld>
 </file>
 
 <file path=ppt/slides/slide51.xml><?xml version="1.0" encoding="utf-8"?>
-<p:sld xmlns:a="http://schemas.openxmlformats.org/drawingml/2006/main" xmlns:r="http://schemas.openxmlformats.org/officeDocument/2006/relationships" xmlns:p="http://schemas.openxmlformats.org/presentationml/2006/main">
-  <p:cSld>
+<p:sld xmlns:a="http://schemas.openxmlformats.org/drawingml/2006/main" xmlns:r="http://schemas.openxmlformats.org/officeDocument/2006/relationships" xmlns:p="http://schemas.openxmlformats.org/presentationml/2006/main" xmlns:m="http://schemas.openxmlformats.org/officeDocument/2006/math" xmlns:w="http://schemas.openxmlformats.org/wordprocessingml/2006/main" showMasterPhAnim="0" show="1">
+  <p:cSld name="">
     <p:spTree>
       <p:nvGrpSpPr>
         <p:cNvPr id="1" name=""/>
         <p:cNvGrpSpPr/>
         <p:nvPr/>
       </p:nvGrpSpPr>
-      <p:grpSpPr>
+      <p:grpSpPr bwMode="auto">
         <a:xfrm>
           <a:off x="0" y="0"/>
           <a:ext cx="0" cy="0"/>
@@ -5830,11 +6121,9 @@
         </p:nvPicPr>
         <p:blipFill>
           <a:blip r:embed="rId2"/>
-          <a:stretch>
-            <a:fillRect/>
-          </a:stretch>
+          <a:stretch/>
         </p:blipFill>
-        <p:spPr>
+        <p:spPr bwMode="auto">
           <a:xfrm>
             <a:off x="33337" y="657225"/>
             <a:ext cx="12125325" cy="5543550"/>
@@ -5845,31 +6134,35 @@
         </p:spPr>
       </p:pic>
     </p:spTree>
-    <p:extLst>
-      <p:ext uri="{BB962C8B-B14F-4D97-AF65-F5344CB8AC3E}">
-        <p14:creationId xmlns:p14="http://schemas.microsoft.com/office/powerpoint/2010/main" val="3767655296"/>
-      </p:ext>
-    </p:extLst>
   </p:cSld>
   <p:clrMapOvr>
     <a:masterClrMapping/>
   </p:clrMapOvr>
-  <p:transition spd="slow">
-    <p:cover/>
-  </p:transition>
+  <mc:AlternateContent xmlns:mc="http://schemas.openxmlformats.org/markup-compatibility/2006">
+    <mc:Choice xmlns:p14="http://schemas.microsoft.com/office/powerpoint/2010/main" Requires="p14">
+      <p:transition spd="med" p14:dur="750" advClick="1">
+        <p:cover dir="l"/>
+      </p:transition>
+    </mc:Choice>
+    <mc:Fallback>
+      <p:transition spd="med" advClick="1">
+        <p:cover dir="l"/>
+      </p:transition>
+    </mc:Fallback>
+  </mc:AlternateContent>
 </p:sld>
 </file>
 
 <file path=ppt/slides/slide52.xml><?xml version="1.0" encoding="utf-8"?>
-<p:sld xmlns:a="http://schemas.openxmlformats.org/drawingml/2006/main" xmlns:r="http://schemas.openxmlformats.org/officeDocument/2006/relationships" xmlns:p="http://schemas.openxmlformats.org/presentationml/2006/main">
-  <p:cSld>
+<p:sld xmlns:a="http://schemas.openxmlformats.org/drawingml/2006/main" xmlns:r="http://schemas.openxmlformats.org/officeDocument/2006/relationships" xmlns:p="http://schemas.openxmlformats.org/presentationml/2006/main" xmlns:m="http://schemas.openxmlformats.org/officeDocument/2006/math" xmlns:w="http://schemas.openxmlformats.org/wordprocessingml/2006/main" showMasterPhAnim="0" show="1">
+  <p:cSld name="">
     <p:spTree>
       <p:nvGrpSpPr>
         <p:cNvPr id="1" name=""/>
         <p:cNvGrpSpPr/>
         <p:nvPr/>
       </p:nvGrpSpPr>
-      <p:grpSpPr>
+      <p:grpSpPr bwMode="auto">
         <a:xfrm>
           <a:off x="0" y="0"/>
           <a:ext cx="0" cy="0"/>
@@ -5887,13 +6180,11 @@
         </p:nvPicPr>
         <p:blipFill>
           <a:blip r:embed="rId2"/>
-          <a:stretch>
-            <a:fillRect/>
-          </a:stretch>
+          <a:stretch/>
         </p:blipFill>
-        <p:spPr>
-          <a:xfrm>
-            <a:off x="23812" y="690562"/>
+        <p:spPr bwMode="auto">
+          <a:xfrm>
+            <a:off x="23811" y="690562"/>
             <a:ext cx="12144375" cy="5476875"/>
           </a:xfrm>
           <a:prstGeom prst="rect">
@@ -5902,31 +6193,35 @@
         </p:spPr>
       </p:pic>
     </p:spTree>
-    <p:extLst>
-      <p:ext uri="{BB962C8B-B14F-4D97-AF65-F5344CB8AC3E}">
-        <p14:creationId xmlns:p14="http://schemas.microsoft.com/office/powerpoint/2010/main" val="1926919246"/>
-      </p:ext>
-    </p:extLst>
   </p:cSld>
   <p:clrMapOvr>
     <a:masterClrMapping/>
   </p:clrMapOvr>
-  <p:transition spd="slow">
-    <p:cover/>
-  </p:transition>
+  <mc:AlternateContent xmlns:mc="http://schemas.openxmlformats.org/markup-compatibility/2006">
+    <mc:Choice xmlns:p14="http://schemas.microsoft.com/office/powerpoint/2010/main" Requires="p14">
+      <p:transition spd="med" p14:dur="750" advClick="1">
+        <p:cover dir="l"/>
+      </p:transition>
+    </mc:Choice>
+    <mc:Fallback>
+      <p:transition spd="med" advClick="1">
+        <p:cover dir="l"/>
+      </p:transition>
+    </mc:Fallback>
+  </mc:AlternateContent>
 </p:sld>
 </file>
 
 <file path=ppt/slides/slide53.xml><?xml version="1.0" encoding="utf-8"?>
-<p:sld xmlns:a="http://schemas.openxmlformats.org/drawingml/2006/main" xmlns:r="http://schemas.openxmlformats.org/officeDocument/2006/relationships" xmlns:p="http://schemas.openxmlformats.org/presentationml/2006/main">
-  <p:cSld>
+<p:sld xmlns:a="http://schemas.openxmlformats.org/drawingml/2006/main" xmlns:r="http://schemas.openxmlformats.org/officeDocument/2006/relationships" xmlns:p="http://schemas.openxmlformats.org/presentationml/2006/main" xmlns:m="http://schemas.openxmlformats.org/officeDocument/2006/math" xmlns:w="http://schemas.openxmlformats.org/wordprocessingml/2006/main" showMasterPhAnim="0" show="1">
+  <p:cSld name="">
     <p:spTree>
       <p:nvGrpSpPr>
         <p:cNvPr id="1" name=""/>
         <p:cNvGrpSpPr/>
         <p:nvPr/>
       </p:nvGrpSpPr>
-      <p:grpSpPr>
+      <p:grpSpPr bwMode="auto">
         <a:xfrm>
           <a:off x="0" y="0"/>
           <a:ext cx="0" cy="0"/>
@@ -5944,11 +6239,9 @@
         </p:nvPicPr>
         <p:blipFill>
           <a:blip r:embed="rId2"/>
-          <a:stretch>
-            <a:fillRect/>
-          </a:stretch>
+          <a:stretch/>
         </p:blipFill>
-        <p:spPr>
+        <p:spPr bwMode="auto">
           <a:xfrm>
             <a:off x="28575" y="666750"/>
             <a:ext cx="12134850" cy="5524500"/>
@@ -5959,31 +6252,35 @@
         </p:spPr>
       </p:pic>
     </p:spTree>
-    <p:extLst>
-      <p:ext uri="{BB962C8B-B14F-4D97-AF65-F5344CB8AC3E}">
-        <p14:creationId xmlns:p14="http://schemas.microsoft.com/office/powerpoint/2010/main" val="4213359287"/>
-      </p:ext>
-    </p:extLst>
   </p:cSld>
   <p:clrMapOvr>
     <a:masterClrMapping/>
   </p:clrMapOvr>
-  <p:transition spd="slow">
-    <p:cover/>
-  </p:transition>
+  <mc:AlternateContent xmlns:mc="http://schemas.openxmlformats.org/markup-compatibility/2006">
+    <mc:Choice xmlns:p14="http://schemas.microsoft.com/office/powerpoint/2010/main" Requires="p14">
+      <p:transition spd="med" p14:dur="750" advClick="1">
+        <p:cover dir="l"/>
+      </p:transition>
+    </mc:Choice>
+    <mc:Fallback>
+      <p:transition spd="med" advClick="1">
+        <p:cover dir="l"/>
+      </p:transition>
+    </mc:Fallback>
+  </mc:AlternateContent>
 </p:sld>
 </file>
 
 <file path=ppt/slides/slide54.xml><?xml version="1.0" encoding="utf-8"?>
-<p:sld xmlns:a="http://schemas.openxmlformats.org/drawingml/2006/main" xmlns:r="http://schemas.openxmlformats.org/officeDocument/2006/relationships" xmlns:p="http://schemas.openxmlformats.org/presentationml/2006/main">
-  <p:cSld>
+<p:sld xmlns:a="http://schemas.openxmlformats.org/drawingml/2006/main" xmlns:r="http://schemas.openxmlformats.org/officeDocument/2006/relationships" xmlns:p="http://schemas.openxmlformats.org/presentationml/2006/main" xmlns:m="http://schemas.openxmlformats.org/officeDocument/2006/math" xmlns:w="http://schemas.openxmlformats.org/wordprocessingml/2006/main" showMasterPhAnim="0" show="1">
+  <p:cSld name="">
     <p:spTree>
       <p:nvGrpSpPr>
         <p:cNvPr id="1" name=""/>
         <p:cNvGrpSpPr/>
         <p:nvPr/>
       </p:nvGrpSpPr>
-      <p:grpSpPr>
+      <p:grpSpPr bwMode="auto">
         <a:xfrm>
           <a:off x="0" y="0"/>
           <a:ext cx="0" cy="0"/>
@@ -6001,11 +6298,9 @@
         </p:nvPicPr>
         <p:blipFill>
           <a:blip r:embed="rId2"/>
-          <a:stretch>
-            <a:fillRect/>
-          </a:stretch>
+          <a:stretch/>
         </p:blipFill>
-        <p:spPr>
+        <p:spPr bwMode="auto">
           <a:xfrm>
             <a:off x="28575" y="681037"/>
             <a:ext cx="12134850" cy="5495925"/>
@@ -6016,31 +6311,35 @@
         </p:spPr>
       </p:pic>
     </p:spTree>
-    <p:extLst>
-      <p:ext uri="{BB962C8B-B14F-4D97-AF65-F5344CB8AC3E}">
-        <p14:creationId xmlns:p14="http://schemas.microsoft.com/office/powerpoint/2010/main" val="386415504"/>
-      </p:ext>
-    </p:extLst>
   </p:cSld>
   <p:clrMapOvr>
     <a:masterClrMapping/>
   </p:clrMapOvr>
-  <p:transition spd="slow">
-    <p:cover/>
-  </p:transition>
+  <mc:AlternateContent xmlns:mc="http://schemas.openxmlformats.org/markup-compatibility/2006">
+    <mc:Choice xmlns:p14="http://schemas.microsoft.com/office/powerpoint/2010/main" Requires="p14">
+      <p:transition spd="med" p14:dur="750" advClick="1">
+        <p:cover dir="l"/>
+      </p:transition>
+    </mc:Choice>
+    <mc:Fallback>
+      <p:transition spd="med" advClick="1">
+        <p:cover dir="l"/>
+      </p:transition>
+    </mc:Fallback>
+  </mc:AlternateContent>
 </p:sld>
 </file>
 
 <file path=ppt/slides/slide55.xml><?xml version="1.0" encoding="utf-8"?>
-<p:sld xmlns:a="http://schemas.openxmlformats.org/drawingml/2006/main" xmlns:r="http://schemas.openxmlformats.org/officeDocument/2006/relationships" xmlns:p="http://schemas.openxmlformats.org/presentationml/2006/main">
-  <p:cSld>
+<p:sld xmlns:a="http://schemas.openxmlformats.org/drawingml/2006/main" xmlns:r="http://schemas.openxmlformats.org/officeDocument/2006/relationships" xmlns:p="http://schemas.openxmlformats.org/presentationml/2006/main" xmlns:m="http://schemas.openxmlformats.org/officeDocument/2006/math" xmlns:w="http://schemas.openxmlformats.org/wordprocessingml/2006/main" showMasterPhAnim="0" show="1">
+  <p:cSld name="">
     <p:spTree>
       <p:nvGrpSpPr>
         <p:cNvPr id="1" name=""/>
         <p:cNvGrpSpPr/>
         <p:nvPr/>
       </p:nvGrpSpPr>
-      <p:grpSpPr>
+      <p:grpSpPr bwMode="auto">
         <a:xfrm>
           <a:off x="0" y="0"/>
           <a:ext cx="0" cy="0"/>
@@ -6058,11 +6357,9 @@
         </p:nvPicPr>
         <p:blipFill>
           <a:blip r:embed="rId2"/>
-          <a:stretch>
-            <a:fillRect/>
-          </a:stretch>
+          <a:stretch/>
         </p:blipFill>
-        <p:spPr>
+        <p:spPr bwMode="auto">
           <a:xfrm>
             <a:off x="19050" y="676275"/>
             <a:ext cx="12153900" cy="5505450"/>
@@ -6073,31 +6370,35 @@
         </p:spPr>
       </p:pic>
     </p:spTree>
-    <p:extLst>
-      <p:ext uri="{BB962C8B-B14F-4D97-AF65-F5344CB8AC3E}">
-        <p14:creationId xmlns:p14="http://schemas.microsoft.com/office/powerpoint/2010/main" val="2494624289"/>
-      </p:ext>
-    </p:extLst>
   </p:cSld>
   <p:clrMapOvr>
     <a:masterClrMapping/>
   </p:clrMapOvr>
-  <p:transition spd="slow">
-    <p:cover/>
-  </p:transition>
+  <mc:AlternateContent xmlns:mc="http://schemas.openxmlformats.org/markup-compatibility/2006">
+    <mc:Choice xmlns:p14="http://schemas.microsoft.com/office/powerpoint/2010/main" Requires="p14">
+      <p:transition spd="med" p14:dur="750" advClick="1">
+        <p:cover dir="l"/>
+      </p:transition>
+    </mc:Choice>
+    <mc:Fallback>
+      <p:transition spd="med" advClick="1">
+        <p:cover dir="l"/>
+      </p:transition>
+    </mc:Fallback>
+  </mc:AlternateContent>
 </p:sld>
 </file>
 
 <file path=ppt/slides/slide56.xml><?xml version="1.0" encoding="utf-8"?>
-<p:sld xmlns:a="http://schemas.openxmlformats.org/drawingml/2006/main" xmlns:r="http://schemas.openxmlformats.org/officeDocument/2006/relationships" xmlns:p="http://schemas.openxmlformats.org/presentationml/2006/main">
-  <p:cSld>
+<p:sld xmlns:a="http://schemas.openxmlformats.org/drawingml/2006/main" xmlns:r="http://schemas.openxmlformats.org/officeDocument/2006/relationships" xmlns:p="http://schemas.openxmlformats.org/presentationml/2006/main" xmlns:m="http://schemas.openxmlformats.org/officeDocument/2006/math" xmlns:w="http://schemas.openxmlformats.org/wordprocessingml/2006/main" showMasterPhAnim="0" show="1">
+  <p:cSld name="">
     <p:spTree>
       <p:nvGrpSpPr>
         <p:cNvPr id="1" name=""/>
         <p:cNvGrpSpPr/>
         <p:nvPr/>
       </p:nvGrpSpPr>
-      <p:grpSpPr>
+      <p:grpSpPr bwMode="auto">
         <a:xfrm>
           <a:off x="0" y="0"/>
           <a:ext cx="0" cy="0"/>
@@ -6115,11 +6416,9 @@
         </p:nvPicPr>
         <p:blipFill>
           <a:blip r:embed="rId2"/>
-          <a:stretch>
-            <a:fillRect/>
-          </a:stretch>
+          <a:stretch/>
         </p:blipFill>
-        <p:spPr>
+        <p:spPr bwMode="auto">
           <a:xfrm>
             <a:off x="42862" y="690562"/>
             <a:ext cx="12106275" cy="5476875"/>
@@ -6130,31 +6429,35 @@
         </p:spPr>
       </p:pic>
     </p:spTree>
-    <p:extLst>
-      <p:ext uri="{BB962C8B-B14F-4D97-AF65-F5344CB8AC3E}">
-        <p14:creationId xmlns:p14="http://schemas.microsoft.com/office/powerpoint/2010/main" val="3870596701"/>
-      </p:ext>
-    </p:extLst>
   </p:cSld>
   <p:clrMapOvr>
     <a:masterClrMapping/>
   </p:clrMapOvr>
-  <p:transition spd="slow">
-    <p:cover/>
-  </p:transition>
+  <mc:AlternateContent xmlns:mc="http://schemas.openxmlformats.org/markup-compatibility/2006">
+    <mc:Choice xmlns:p14="http://schemas.microsoft.com/office/powerpoint/2010/main" Requires="p14">
+      <p:transition spd="med" p14:dur="750" advClick="1">
+        <p:cover dir="l"/>
+      </p:transition>
+    </mc:Choice>
+    <mc:Fallback>
+      <p:transition spd="med" advClick="1">
+        <p:cover dir="l"/>
+      </p:transition>
+    </mc:Fallback>
+  </mc:AlternateContent>
 </p:sld>
 </file>
 
 <file path=ppt/slides/slide6.xml><?xml version="1.0" encoding="utf-8"?>
-<p:sld xmlns:a="http://schemas.openxmlformats.org/drawingml/2006/main" xmlns:r="http://schemas.openxmlformats.org/officeDocument/2006/relationships" xmlns:p="http://schemas.openxmlformats.org/presentationml/2006/main">
-  <p:cSld>
+<p:sld xmlns:a="http://schemas.openxmlformats.org/drawingml/2006/main" xmlns:r="http://schemas.openxmlformats.org/officeDocument/2006/relationships" xmlns:p="http://schemas.openxmlformats.org/presentationml/2006/main" xmlns:m="http://schemas.openxmlformats.org/officeDocument/2006/math" xmlns:w="http://schemas.openxmlformats.org/wordprocessingml/2006/main" showMasterPhAnim="0" show="1">
+  <p:cSld name="">
     <p:spTree>
       <p:nvGrpSpPr>
         <p:cNvPr id="1" name=""/>
         <p:cNvGrpSpPr/>
         <p:nvPr/>
       </p:nvGrpSpPr>
-      <p:grpSpPr>
+      <p:grpSpPr bwMode="auto">
         <a:xfrm>
           <a:off x="0" y="0"/>
           <a:ext cx="0" cy="0"/>
@@ -6172,11 +6475,9 @@
         </p:nvPicPr>
         <p:blipFill>
           <a:blip r:embed="rId2"/>
-          <a:stretch>
-            <a:fillRect/>
-          </a:stretch>
+          <a:stretch/>
         </p:blipFill>
-        <p:spPr>
+        <p:spPr bwMode="auto">
           <a:xfrm>
             <a:off x="19050" y="752475"/>
             <a:ext cx="12153900" cy="5353050"/>
@@ -6187,18 +6488,22 @@
         </p:spPr>
       </p:pic>
     </p:spTree>
-    <p:extLst>
-      <p:ext uri="{BB962C8B-B14F-4D97-AF65-F5344CB8AC3E}">
-        <p14:creationId xmlns:p14="http://schemas.microsoft.com/office/powerpoint/2010/main" val="2916083729"/>
-      </p:ext>
-    </p:extLst>
   </p:cSld>
   <p:clrMapOvr>
     <a:masterClrMapping/>
   </p:clrMapOvr>
-  <p:transition spd="slow">
-    <p:cover/>
-  </p:transition>
+  <mc:AlternateContent xmlns:mc="http://schemas.openxmlformats.org/markup-compatibility/2006">
+    <mc:Choice xmlns:p14="http://schemas.microsoft.com/office/powerpoint/2010/main" Requires="p14">
+      <p:transition spd="med" p14:dur="750" advClick="1">
+        <p:cover dir="l"/>
+      </p:transition>
+    </mc:Choice>
+    <mc:Fallback>
+      <p:transition spd="med" advClick="1">
+        <p:cover dir="l"/>
+      </p:transition>
+    </mc:Fallback>
+  </mc:AlternateContent>
   <p:timing>
     <p:tnLst>
       <p:par>
@@ -6210,15 +6515,15 @@
 </file>
 
 <file path=ppt/slides/slide7.xml><?xml version="1.0" encoding="utf-8"?>
-<p:sld xmlns:a="http://schemas.openxmlformats.org/drawingml/2006/main" xmlns:r="http://schemas.openxmlformats.org/officeDocument/2006/relationships" xmlns:p="http://schemas.openxmlformats.org/presentationml/2006/main">
-  <p:cSld>
+<p:sld xmlns:a="http://schemas.openxmlformats.org/drawingml/2006/main" xmlns:r="http://schemas.openxmlformats.org/officeDocument/2006/relationships" xmlns:p="http://schemas.openxmlformats.org/presentationml/2006/main" xmlns:m="http://schemas.openxmlformats.org/officeDocument/2006/math" xmlns:w="http://schemas.openxmlformats.org/wordprocessingml/2006/main" showMasterPhAnim="0" show="1">
+  <p:cSld name="">
     <p:spTree>
       <p:nvGrpSpPr>
         <p:cNvPr id="1" name=""/>
         <p:cNvGrpSpPr/>
         <p:nvPr/>
       </p:nvGrpSpPr>
-      <p:grpSpPr>
+      <p:grpSpPr bwMode="auto">
         <a:xfrm>
           <a:off x="0" y="0"/>
           <a:ext cx="0" cy="0"/>
@@ -6236,11 +6541,9 @@
         </p:nvPicPr>
         <p:blipFill>
           <a:blip r:embed="rId2"/>
-          <a:stretch>
-            <a:fillRect/>
-          </a:stretch>
+          <a:stretch/>
         </p:blipFill>
-        <p:spPr>
+        <p:spPr bwMode="auto">
           <a:xfrm>
             <a:off x="33337" y="795337"/>
             <a:ext cx="12125325" cy="5267325"/>
@@ -6251,18 +6554,22 @@
         </p:spPr>
       </p:pic>
     </p:spTree>
-    <p:extLst>
-      <p:ext uri="{BB962C8B-B14F-4D97-AF65-F5344CB8AC3E}">
-        <p14:creationId xmlns:p14="http://schemas.microsoft.com/office/powerpoint/2010/main" val="2127365483"/>
-      </p:ext>
-    </p:extLst>
   </p:cSld>
   <p:clrMapOvr>
     <a:masterClrMapping/>
   </p:clrMapOvr>
-  <p:transition spd="slow">
-    <p:cover/>
-  </p:transition>
+  <mc:AlternateContent xmlns:mc="http://schemas.openxmlformats.org/markup-compatibility/2006">
+    <mc:Choice xmlns:p14="http://schemas.microsoft.com/office/powerpoint/2010/main" Requires="p14">
+      <p:transition spd="med" p14:dur="750" advClick="1">
+        <p:cover dir="l"/>
+      </p:transition>
+    </mc:Choice>
+    <mc:Fallback>
+      <p:transition spd="med" advClick="1">
+        <p:cover dir="l"/>
+      </p:transition>
+    </mc:Fallback>
+  </mc:AlternateContent>
   <p:timing>
     <p:tnLst>
       <p:par>
@@ -6274,15 +6581,15 @@
 </file>
 
 <file path=ppt/slides/slide8.xml><?xml version="1.0" encoding="utf-8"?>
-<p:sld xmlns:a="http://schemas.openxmlformats.org/drawingml/2006/main" xmlns:r="http://schemas.openxmlformats.org/officeDocument/2006/relationships" xmlns:p="http://schemas.openxmlformats.org/presentationml/2006/main">
-  <p:cSld>
+<p:sld xmlns:a="http://schemas.openxmlformats.org/drawingml/2006/main" xmlns:r="http://schemas.openxmlformats.org/officeDocument/2006/relationships" xmlns:p="http://schemas.openxmlformats.org/presentationml/2006/main" xmlns:m="http://schemas.openxmlformats.org/officeDocument/2006/math" xmlns:w="http://schemas.openxmlformats.org/wordprocessingml/2006/main" showMasterPhAnim="0" show="1">
+  <p:cSld name="">
     <p:spTree>
       <p:nvGrpSpPr>
         <p:cNvPr id="1" name=""/>
         <p:cNvGrpSpPr/>
         <p:nvPr/>
       </p:nvGrpSpPr>
-      <p:grpSpPr>
+      <p:grpSpPr bwMode="auto">
         <a:xfrm>
           <a:off x="0" y="0"/>
           <a:ext cx="0" cy="0"/>
@@ -6300,13 +6607,11 @@
         </p:nvPicPr>
         <p:blipFill>
           <a:blip r:embed="rId2"/>
-          <a:stretch>
-            <a:fillRect/>
-          </a:stretch>
+          <a:stretch/>
         </p:blipFill>
-        <p:spPr>
-          <a:xfrm>
-            <a:off x="23812" y="814387"/>
+        <p:spPr bwMode="auto">
+          <a:xfrm>
+            <a:off x="23811" y="814387"/>
             <a:ext cx="12144375" cy="5229225"/>
           </a:xfrm>
           <a:prstGeom prst="rect">
@@ -6315,18 +6620,22 @@
         </p:spPr>
       </p:pic>
     </p:spTree>
-    <p:extLst>
-      <p:ext uri="{BB962C8B-B14F-4D97-AF65-F5344CB8AC3E}">
-        <p14:creationId xmlns:p14="http://schemas.microsoft.com/office/powerpoint/2010/main" val="2833615538"/>
-      </p:ext>
-    </p:extLst>
   </p:cSld>
   <p:clrMapOvr>
     <a:masterClrMapping/>
   </p:clrMapOvr>
-  <p:transition spd="slow">
-    <p:cover/>
-  </p:transition>
+  <mc:AlternateContent xmlns:mc="http://schemas.openxmlformats.org/markup-compatibility/2006">
+    <mc:Choice xmlns:p14="http://schemas.microsoft.com/office/powerpoint/2010/main" Requires="p14">
+      <p:transition spd="med" p14:dur="750" advClick="1">
+        <p:cover dir="l"/>
+      </p:transition>
+    </mc:Choice>
+    <mc:Fallback>
+      <p:transition spd="med" advClick="1">
+        <p:cover dir="l"/>
+      </p:transition>
+    </mc:Fallback>
+  </mc:AlternateContent>
   <p:timing>
     <p:tnLst>
       <p:par>
@@ -6338,15 +6647,15 @@
 </file>
 
 <file path=ppt/slides/slide9.xml><?xml version="1.0" encoding="utf-8"?>
-<p:sld xmlns:a="http://schemas.openxmlformats.org/drawingml/2006/main" xmlns:r="http://schemas.openxmlformats.org/officeDocument/2006/relationships" xmlns:p="http://schemas.openxmlformats.org/presentationml/2006/main">
-  <p:cSld>
+<p:sld xmlns:a="http://schemas.openxmlformats.org/drawingml/2006/main" xmlns:r="http://schemas.openxmlformats.org/officeDocument/2006/relationships" xmlns:p="http://schemas.openxmlformats.org/presentationml/2006/main" xmlns:m="http://schemas.openxmlformats.org/officeDocument/2006/math" xmlns:w="http://schemas.openxmlformats.org/wordprocessingml/2006/main" showMasterPhAnim="0" show="1">
+  <p:cSld name="">
     <p:spTree>
       <p:nvGrpSpPr>
         <p:cNvPr id="1" name=""/>
         <p:cNvGrpSpPr/>
         <p:nvPr/>
       </p:nvGrpSpPr>
-      <p:grpSpPr>
+      <p:grpSpPr bwMode="auto">
         <a:xfrm>
           <a:off x="0" y="0"/>
           <a:ext cx="0" cy="0"/>
@@ -6364,11 +6673,9 @@
         </p:nvPicPr>
         <p:blipFill>
           <a:blip r:embed="rId2"/>
-          <a:stretch>
-            <a:fillRect/>
-          </a:stretch>
+          <a:stretch/>
         </p:blipFill>
-        <p:spPr>
+        <p:spPr bwMode="auto">
           <a:xfrm>
             <a:off x="19050" y="766762"/>
             <a:ext cx="12153900" cy="5324475"/>
@@ -6379,18 +6686,22 @@
         </p:spPr>
       </p:pic>
     </p:spTree>
-    <p:extLst>
-      <p:ext uri="{BB962C8B-B14F-4D97-AF65-F5344CB8AC3E}">
-        <p14:creationId xmlns:p14="http://schemas.microsoft.com/office/powerpoint/2010/main" val="166109646"/>
-      </p:ext>
-    </p:extLst>
   </p:cSld>
   <p:clrMapOvr>
     <a:masterClrMapping/>
   </p:clrMapOvr>
-  <p:transition spd="slow">
-    <p:cover/>
-  </p:transition>
+  <mc:AlternateContent xmlns:mc="http://schemas.openxmlformats.org/markup-compatibility/2006">
+    <mc:Choice xmlns:p14="http://schemas.microsoft.com/office/powerpoint/2010/main" Requires="p14">
+      <p:transition spd="med" p14:dur="750" advClick="1">
+        <p:cover dir="l"/>
+      </p:transition>
+    </mc:Choice>
+    <mc:Fallback>
+      <p:transition spd="med" advClick="1">
+        <p:cover dir="l"/>
+      </p:transition>
+    </mc:Fallback>
+  </mc:AlternateContent>
   <p:timing>
     <p:tnLst>
       <p:par>
@@ -6402,7 +6713,7 @@
 </file>
 
 <file path=ppt/theme/theme1.xml><?xml version="1.0" encoding="utf-8"?>
-<a:theme xmlns:a="http://schemas.openxmlformats.org/drawingml/2006/main" name="Тема Office">
+<a:theme xmlns:a="http://schemas.openxmlformats.org/drawingml/2006/main" xmlns:r="http://schemas.openxmlformats.org/officeDocument/2006/relationships" xmlns:p="http://schemas.openxmlformats.org/presentationml/2006/main" name="Тема Office">
   <a:themeElements>
     <a:clrScheme name="Стандартная">
       <a:dk1>
@@ -6444,74 +6755,14 @@
     </a:clrScheme>
     <a:fontScheme name="Стандартная">
       <a:majorFont>
-        <a:latin typeface="Calibri Light" panose="020F0302020204030204"/>
-        <a:ea typeface=""/>
-        <a:cs typeface=""/>
-        <a:font script="Jpan" typeface="ＭＳ Ｐゴシック"/>
-        <a:font script="Hang" typeface="맑은 고딕"/>
-        <a:font script="Hans" typeface="宋体"/>
-        <a:font script="Hant" typeface="新細明體"/>
-        <a:font script="Arab" typeface="Times New Roman"/>
-        <a:font script="Hebr" typeface="Times New Roman"/>
-        <a:font script="Thai" typeface="Angsana New"/>
-        <a:font script="Ethi" typeface="Nyala"/>
-        <a:font script="Beng" typeface="Vrinda"/>
-        <a:font script="Gujr" typeface="Shruti"/>
-        <a:font script="Khmr" typeface="MoolBoran"/>
-        <a:font script="Knda" typeface="Tunga"/>
-        <a:font script="Guru" typeface="Raavi"/>
-        <a:font script="Cans" typeface="Euphemia"/>
-        <a:font script="Cher" typeface="Plantagenet Cherokee"/>
-        <a:font script="Yiii" typeface="Microsoft Yi Baiti"/>
-        <a:font script="Tibt" typeface="Microsoft Himalaya"/>
-        <a:font script="Thaa" typeface="MV Boli"/>
-        <a:font script="Deva" typeface="Mangal"/>
-        <a:font script="Telu" typeface="Gautami"/>
-        <a:font script="Taml" typeface="Latha"/>
-        <a:font script="Syrc" typeface="Estrangelo Edessa"/>
-        <a:font script="Orya" typeface="Kalinga"/>
-        <a:font script="Mlym" typeface="Kartika"/>
-        <a:font script="Laoo" typeface="DokChampa"/>
-        <a:font script="Sinh" typeface="Iskoola Pota"/>
-        <a:font script="Mong" typeface="Mongolian Baiti"/>
-        <a:font script="Viet" typeface="Times New Roman"/>
-        <a:font script="Uigh" typeface="Microsoft Uighur"/>
-        <a:font script="Geor" typeface="Sylfaen"/>
+        <a:latin typeface="Calibri Light"/>
+        <a:ea typeface="Arial"/>
+        <a:cs typeface="Arial"/>
       </a:majorFont>
       <a:minorFont>
-        <a:latin typeface="Calibri" panose="020F0502020204030204"/>
-        <a:ea typeface=""/>
-        <a:cs typeface=""/>
-        <a:font script="Jpan" typeface="ＭＳ Ｐゴシック"/>
-        <a:font script="Hang" typeface="맑은 고딕"/>
-        <a:font script="Hans" typeface="宋体"/>
-        <a:font script="Hant" typeface="新細明體"/>
-        <a:font script="Arab" typeface="Arial"/>
-        <a:font script="Hebr" typeface="Arial"/>
-        <a:font script="Thai" typeface="Cordia New"/>
-        <a:font script="Ethi" typeface="Nyala"/>
-        <a:font script="Beng" typeface="Vrinda"/>
-        <a:font script="Gujr" typeface="Shruti"/>
-        <a:font script="Khmr" typeface="DaunPenh"/>
-        <a:font script="Knda" typeface="Tunga"/>
-        <a:font script="Guru" typeface="Raavi"/>
-        <a:font script="Cans" typeface="Euphemia"/>
-        <a:font script="Cher" typeface="Plantagenet Cherokee"/>
-        <a:font script="Yiii" typeface="Microsoft Yi Baiti"/>
-        <a:font script="Tibt" typeface="Microsoft Himalaya"/>
-        <a:font script="Thaa" typeface="MV Boli"/>
-        <a:font script="Deva" typeface="Mangal"/>
-        <a:font script="Telu" typeface="Gautami"/>
-        <a:font script="Taml" typeface="Latha"/>
-        <a:font script="Syrc" typeface="Estrangelo Edessa"/>
-        <a:font script="Orya" typeface="Kalinga"/>
-        <a:font script="Mlym" typeface="Kartika"/>
-        <a:font script="Laoo" typeface="DokChampa"/>
-        <a:font script="Sinh" typeface="Iskoola Pota"/>
-        <a:font script="Mong" typeface="Mongolian Baiti"/>
-        <a:font script="Viet" typeface="Arial"/>
-        <a:font script="Uigh" typeface="Microsoft Uighur"/>
-        <a:font script="Geor" typeface="Sylfaen"/>
+        <a:latin typeface="Calibri"/>
+        <a:ea typeface="Arial"/>
+        <a:cs typeface="Arial"/>
       </a:minorFont>
     </a:fontScheme>
     <a:fmtScheme name="Стандартная">
@@ -6519,7 +6770,7 @@
         <a:solidFill>
           <a:schemeClr val="phClr"/>
         </a:solidFill>
-        <a:gradFill rotWithShape="1">
+        <a:gradFill>
           <a:gsLst>
             <a:gs pos="0">
               <a:schemeClr val="phClr">
@@ -6545,7 +6796,7 @@
           </a:gsLst>
           <a:lin ang="5400000" scaled="0"/>
         </a:gradFill>
-        <a:gradFill rotWithShape="1">
+        <a:gradFill>
           <a:gsLst>
             <a:gs pos="0">
               <a:schemeClr val="phClr">
@@ -6597,16 +6848,28 @@
       </a:lnStyleLst>
       <a:effectStyleLst>
         <a:effectStyle>
-          <a:effectLst/>
-        </a:effectStyle>
-        <a:effectStyle>
-          <a:effectLst/>
+          <a:effectLst>
+            <a:outerShdw blurRad="40000" dist="20000" dir="5400000" rotWithShape="0">
+              <a:srgbClr val="000000">
+                <a:alpha val="38000"/>
+              </a:srgbClr>
+            </a:outerShdw>
+          </a:effectLst>
         </a:effectStyle>
         <a:effectStyle>
           <a:effectLst>
-            <a:outerShdw blurRad="57150" dist="19050" dir="5400000" algn="ctr" rotWithShape="0">
+            <a:outerShdw blurRad="40000" dist="23000" dir="5400000" rotWithShape="0">
               <a:srgbClr val="000000">
-                <a:alpha val="63000"/>
+                <a:alpha val="35000"/>
+              </a:srgbClr>
+            </a:outerShdw>
+          </a:effectLst>
+        </a:effectStyle>
+        <a:effectStyle>
+          <a:effectLst>
+            <a:outerShdw blurRad="40000" dist="23000" dir="5400000" rotWithShape="0">
+              <a:srgbClr val="000000">
+                <a:alpha val="35000"/>
               </a:srgbClr>
             </a:outerShdw>
           </a:effectLst>
@@ -6622,7 +6885,7 @@
             <a:satMod val="170000"/>
           </a:schemeClr>
         </a:solidFill>
-        <a:gradFill rotWithShape="1">
+        <a:gradFill>
           <a:gsLst>
             <a:gs pos="0">
               <a:schemeClr val="phClr">
@@ -6653,25 +6916,10 @@
     </a:fmtScheme>
   </a:themeElements>
   <a:objectDefaults/>
-  <a:extraClrSchemeLst/>
-  <a:extLst>
-    <a:ext uri="{05A4C25C-085E-4340-85A3-A5531E510DB2}">
-      <thm15:themeFamily xmlns:thm15="http://schemas.microsoft.com/office/thememl/2012/main" name="Office Theme" id="{62F939B6-93AF-4DB8-9C6B-D6C7DFDC589F}" vid="{4A3C46E8-61CC-4603-A589-7422A47A8E4A}"/>
-    </a:ext>
-  </a:extLst>
 </a:theme>
 </file>
 
 <file path=customXml/item1.xml><?xml version="1.0" encoding="utf-8"?>
-<?mso-contentType ?>
-<FormTemplates xmlns="http://schemas.microsoft.com/sharepoint/v3/contenttype/forms">
-  <Display>DocumentLibraryForm</Display>
-  <Edit>DocumentLibraryForm</Edit>
-  <New>DocumentLibraryForm</New>
-</FormTemplates>
-</file>
-
-<file path=customXml/item2.xml><?xml version="1.0" encoding="utf-8"?>
 <ct:contentTypeSchema xmlns:ct="http://schemas.microsoft.com/office/2006/metadata/contentType" xmlns:ma="http://schemas.microsoft.com/office/2006/metadata/properties/metaAttributes" ct:_="" ma:_="" ma:contentTypeName="Изображение" ma:contentTypeID="0x0101009148F5A04DDD49CBA7127AADA5FB792B00AADE34325A8B49CDA8BB4DB53328F2140055019137ED04604CA266453C6C7C4C41" ma:contentTypeVersion="1" ma:contentTypeDescription="Отправка изображения." ma:contentTypeScope="" ma:versionID="63dee7f553bdc79f0f74d4b968b390d5">
   <xsd:schema xmlns:xsd="http://www.w3.org/2001/XMLSchema" xmlns:xs="http://www.w3.org/2001/XMLSchema" xmlns:p="http://schemas.microsoft.com/office/2006/metadata/properties" xmlns:ns1="http://schemas.microsoft.com/sharepoint/v3" xmlns:ns2="31705A1D-3D9E-47D5-8F0B-ECBFD9DA794A" xmlns:ns3="http://schemas.microsoft.com/sharepoint/v3/fields" targetNamespace="http://schemas.microsoft.com/office/2006/metadata/properties" ma:root="true" ma:fieldsID="3b3a5dd198b9e2291dd5f232070162f2" ns1:_="" ns2:_="" ns3:_="">
     <xsd:import namespace="http://schemas.microsoft.com/sharepoint/v3"/>
@@ -6873,7 +7121,7 @@
 </ct:contentTypeSchema>
 </file>
 
-<file path=customXml/item3.xml><?xml version="1.0" encoding="utf-8"?>
+<file path=customXml/item2.xml><?xml version="1.0" encoding="utf-8"?>
 <p:properties xmlns:p="http://schemas.microsoft.com/office/2006/metadata/properties" xmlns:xsi="http://www.w3.org/2001/XMLSchema-instance" xmlns:pc="http://schemas.microsoft.com/office/infopath/2007/PartnerControls">
   <documentManagement>
     <ImageCreateDate xmlns="31705A1D-3D9E-47D5-8F0B-ECBFD9DA794A" xsi:nil="true"/>
@@ -6884,14 +7132,23 @@
 </p:properties>
 </file>
 
+<file path=customXml/item3.xml><?xml version="1.0" encoding="utf-8"?>
+<?mso-contentType ?>
+<FormTemplates xmlns="http://schemas.microsoft.com/sharepoint/v3/contenttype/forms">
+  <Display>DocumentLibraryForm</Display>
+  <Edit>DocumentLibraryForm</Edit>
+  <New>DocumentLibraryForm</New>
+</FormTemplates>
+</file>
+
 <file path=customXml/itemProps1.xml><?xml version="1.0" encoding="utf-8"?>
+<ds:datastoreItem xmlns:ds="http://schemas.openxmlformats.org/officeDocument/2006/customXml" ds:itemID="{6EAED931-484D-410C-AF88-C11598A84309}"/>
+</file>
+
+<file path=customXml/itemProps2.xml><?xml version="1.0" encoding="utf-8"?>
+<ds:datastoreItem xmlns:ds="http://schemas.openxmlformats.org/officeDocument/2006/customXml" ds:itemID="{EE5A2480-2EF6-4F4C-8EE9-B680B8D077E8}"/>
+</file>
+
+<file path=customXml/itemProps3.xml><?xml version="1.0" encoding="utf-8"?>
 <ds:datastoreItem xmlns:ds="http://schemas.openxmlformats.org/officeDocument/2006/customXml" ds:itemID="{313FBB5A-7174-4E27-80E0-BADAEEE12BD2}"/>
-</file>
-
-<file path=customXml/itemProps2.xml><?xml version="1.0" encoding="utf-8"?>
-<ds:datastoreItem xmlns:ds="http://schemas.openxmlformats.org/officeDocument/2006/customXml" ds:itemID="{6EAED931-484D-410C-AF88-C11598A84309}"/>
-</file>
-
-<file path=customXml/itemProps3.xml><?xml version="1.0" encoding="utf-8"?>
-<ds:datastoreItem xmlns:ds="http://schemas.openxmlformats.org/officeDocument/2006/customXml" ds:itemID="{EE5A2480-2EF6-4F4C-8EE9-B680B8D077E8}"/>
 </file>